--- a/courses/downloads/temp/Database_Lec4.pptx
+++ b/courses/downloads/temp/Database_Lec4.pptx
@@ -21182,25 +21182,25 @@
           <a:p>
             <a:pPr indent="-365760"/>
             <a:r>
-              <a:rPr lang="en-US" sz="1700" dirty="0"/>
+              <a:rPr lang="en-US" dirty="0"/>
               <a:t>To avoid the danger of equating attributes erroneously, we can use the “</a:t>
             </a:r>
             <a:r>
-              <a:rPr lang="en-US" sz="1700" b="1" dirty="0"/>
+              <a:rPr lang="en-US" b="1" dirty="0"/>
               <a:t>using</a:t>
             </a:r>
             <a:r>
-              <a:rPr lang="en-US" sz="1700" dirty="0"/>
+              <a:rPr lang="en-US" dirty="0"/>
               <a:t>” construct that allows us to specify exactly which columns should be equated.</a:t>
             </a:r>
           </a:p>
           <a:p>
             <a:pPr indent="-365760"/>
             <a:r>
-              <a:rPr lang="en-US" sz="1700" dirty="0"/>
+              <a:rPr lang="en-US" dirty="0"/>
               <a:t>Query example</a:t>
             </a:r>
-            <a:endParaRPr lang="en-US" sz="1700" i="1" dirty="0"/>
+            <a:endParaRPr lang="en-US" i="1" dirty="0"/>
           </a:p>
           <a:p>
             <a:pPr>
@@ -21208,88 +21208,88 @@
               <a:defRPr/>
             </a:pPr>
             <a:r>
-              <a:rPr lang="en-US" sz="1700" i="1" dirty="0"/>
+              <a:rPr lang="en-US" i="1" dirty="0"/>
               <a:t>        </a:t>
             </a:r>
             <a:r>
-              <a:rPr lang="en-US" sz="1700" b="1" dirty="0"/>
+              <a:rPr lang="en-US" b="1" dirty="0"/>
               <a:t>select </a:t>
             </a:r>
             <a:r>
-              <a:rPr lang="en-US" sz="1700" i="1" dirty="0"/>
+              <a:rPr lang="en-US" i="1" dirty="0"/>
               <a:t>name</a:t>
             </a:r>
             <a:r>
-              <a:rPr lang="en-US" sz="1700" dirty="0"/>
+              <a:rPr lang="en-US" dirty="0"/>
               <a:t>, </a:t>
             </a:r>
             <a:r>
-              <a:rPr lang="en-US" sz="1700" i="1" dirty="0"/>
+              <a:rPr lang="en-US" i="1" dirty="0"/>
               <a:t>title</a:t>
             </a:r>
             <a:br>
-              <a:rPr lang="en-US" sz="1700" i="1" dirty="0"/>
+              <a:rPr lang="en-US" i="1" dirty="0"/>
             </a:br>
             <a:r>
-              <a:rPr lang="en-US" sz="1700" i="1" dirty="0"/>
+              <a:rPr lang="en-US" i="1" dirty="0"/>
               <a:t>   </a:t>
             </a:r>
             <a:r>
-              <a:rPr lang="en-US" sz="1700" b="1" dirty="0"/>
+              <a:rPr lang="en-US" b="1" dirty="0"/>
               <a:t>from  </a:t>
             </a:r>
             <a:r>
-              <a:rPr lang="en-US" sz="1700" dirty="0"/>
+              <a:rPr lang="en-US" dirty="0"/>
               <a:t>(</a:t>
             </a:r>
             <a:r>
-              <a:rPr lang="en-US" sz="1700" i="1" dirty="0"/>
+              <a:rPr lang="en-US" i="1" dirty="0"/>
               <a:t>student </a:t>
             </a:r>
             <a:r>
-              <a:rPr lang="en-US" sz="1700" b="1" dirty="0"/>
+              <a:rPr lang="en-US" b="1" dirty="0"/>
               <a:t>natural join </a:t>
             </a:r>
             <a:r>
-              <a:rPr lang="en-US" sz="1700" i="1" dirty="0"/>
+              <a:rPr lang="en-US" i="1" dirty="0"/>
               <a:t>takes</a:t>
             </a:r>
             <a:r>
-              <a:rPr lang="en-US" sz="1700" dirty="0"/>
+              <a:rPr lang="en-US" dirty="0"/>
               <a:t>) </a:t>
             </a:r>
             <a:r>
-              <a:rPr lang="en-US" sz="1700" b="1" dirty="0"/>
+              <a:rPr lang="en-US" b="1" dirty="0"/>
               <a:t> join </a:t>
             </a:r>
             <a:r>
-              <a:rPr lang="en-US" sz="1700" i="1" dirty="0"/>
+              <a:rPr lang="en-US" i="1" dirty="0"/>
               <a:t>course</a:t>
             </a:r>
             <a:r>
-              <a:rPr lang="en-US" sz="1700" dirty="0"/>
+              <a:rPr lang="en-US" dirty="0"/>
               <a:t> </a:t>
             </a:r>
             <a:r>
-              <a:rPr lang="en-US" sz="1700" b="1" dirty="0"/>
+              <a:rPr lang="en-US" b="1" dirty="0"/>
               <a:t>using </a:t>
             </a:r>
             <a:r>
-              <a:rPr lang="en-US" sz="1700" dirty="0"/>
+              <a:rPr lang="en-US" dirty="0"/>
               <a:t>(</a:t>
             </a:r>
             <a:r>
-              <a:rPr lang="en-US" sz="1700" i="1" dirty="0" err="1"/>
+              <a:rPr lang="en-US" i="1" dirty="0" err="1"/>
               <a:t>course_id</a:t>
             </a:r>
             <a:r>
-              <a:rPr lang="en-US" sz="1700" dirty="0"/>
+              <a:rPr lang="en-US" dirty="0"/>
               <a:t>)</a:t>
             </a:r>
           </a:p>
           <a:p>
             <a:pPr indent="-365760"/>
-            <a:endParaRPr lang="en-US" altLang="en-US" dirty="0"/>
+            <a:endParaRPr lang="en-US" altLang="en-US" sz="2800" dirty="0"/>
           </a:p>
         </p:txBody>
       </p:sp>
@@ -21370,44 +21370,44 @@
           <a:p>
             <a:pPr indent="-365760"/>
             <a:r>
-              <a:rPr lang="en-US" sz="1700" dirty="0"/>
+              <a:rPr lang="en-US" dirty="0"/>
               <a:t>The  </a:t>
             </a:r>
             <a:r>
-              <a:rPr lang="en-US" sz="1700" b="1" dirty="0"/>
+              <a:rPr lang="en-US" b="1" dirty="0"/>
               <a:t>on </a:t>
             </a:r>
             <a:r>
-              <a:rPr lang="en-US" sz="1700" dirty="0"/>
+              <a:rPr lang="en-US" dirty="0"/>
               <a:t> condition allows a general predicate over the relations being  joined</a:t>
             </a:r>
           </a:p>
           <a:p>
             <a:pPr indent="-365760"/>
             <a:r>
-              <a:rPr lang="en-US" sz="1700" dirty="0"/>
+              <a:rPr lang="en-US" dirty="0"/>
               <a:t>This predicate is written like a </a:t>
             </a:r>
             <a:r>
-              <a:rPr lang="en-US" sz="1700" b="1" dirty="0"/>
+              <a:rPr lang="en-US" b="1" dirty="0"/>
               <a:t>where</a:t>
             </a:r>
             <a:r>
-              <a:rPr lang="en-US" sz="1700" dirty="0"/>
+              <a:rPr lang="en-US" dirty="0"/>
               <a:t> clause predicate except for the use of the keyword </a:t>
             </a:r>
             <a:r>
-              <a:rPr lang="en-US" sz="1700" b="1" dirty="0"/>
+              <a:rPr lang="en-US" b="1" dirty="0"/>
               <a:t>on</a:t>
             </a:r>
           </a:p>
           <a:p>
             <a:pPr indent="-365760"/>
             <a:r>
-              <a:rPr lang="en-US" sz="1700" dirty="0"/>
+              <a:rPr lang="en-US" dirty="0"/>
               <a:t>Query example</a:t>
             </a:r>
-            <a:endParaRPr lang="en-US" sz="1700" i="1" dirty="0"/>
+            <a:endParaRPr lang="en-US" i="1" dirty="0"/>
           </a:p>
           <a:p>
             <a:pPr>
@@ -21415,100 +21415,100 @@
               <a:defRPr/>
             </a:pPr>
             <a:r>
-              <a:rPr lang="en-US" sz="1700" b="1" dirty="0"/>
+              <a:rPr lang="en-US" b="1" dirty="0"/>
               <a:t>          select *</a:t>
             </a:r>
             <a:br>
-              <a:rPr lang="en-US" sz="1700" i="1" dirty="0"/>
+              <a:rPr lang="en-US" i="1" dirty="0"/>
             </a:br>
             <a:r>
-              <a:rPr lang="en-US" sz="1700" i="1" dirty="0"/>
+              <a:rPr lang="en-US" i="1" dirty="0"/>
               <a:t>     </a:t>
             </a:r>
             <a:r>
-              <a:rPr lang="en-US" sz="1700" b="1" dirty="0"/>
+              <a:rPr lang="en-US" b="1" dirty="0"/>
               <a:t>from  </a:t>
             </a:r>
             <a:r>
-              <a:rPr lang="en-US" sz="1700" i="1" dirty="0"/>
+              <a:rPr lang="en-US" i="1" dirty="0"/>
               <a:t>student </a:t>
             </a:r>
             <a:r>
-              <a:rPr lang="en-US" sz="1700" b="1" dirty="0"/>
+              <a:rPr lang="en-US" b="1" dirty="0"/>
               <a:t>join </a:t>
             </a:r>
             <a:r>
-              <a:rPr lang="en-US" sz="1700" i="1" dirty="0"/>
+              <a:rPr lang="en-US" i="1" dirty="0"/>
               <a:t>takes</a:t>
             </a:r>
             <a:r>
-              <a:rPr lang="en-US" sz="1700" dirty="0"/>
+              <a:rPr lang="en-US" dirty="0"/>
               <a:t> </a:t>
             </a:r>
             <a:r>
-              <a:rPr lang="en-US" sz="1700" b="1" dirty="0"/>
+              <a:rPr lang="en-US" b="1" dirty="0"/>
               <a:t>on </a:t>
             </a:r>
             <a:r>
-              <a:rPr lang="en-US" sz="1700" i="1" dirty="0" err="1"/>
+              <a:rPr lang="en-US" i="1" dirty="0" err="1"/>
               <a:t>student_ID</a:t>
             </a:r>
             <a:r>
-              <a:rPr lang="en-US" sz="1700" b="1" dirty="0"/>
+              <a:rPr lang="en-US" b="1" dirty="0"/>
               <a:t>  </a:t>
             </a:r>
             <a:r>
-              <a:rPr lang="en-US" sz="1700" dirty="0"/>
+              <a:rPr lang="en-US" dirty="0"/>
               <a:t>=</a:t>
             </a:r>
             <a:r>
-              <a:rPr lang="en-US" sz="1700" b="1" dirty="0"/>
+              <a:rPr lang="en-US" b="1" dirty="0"/>
               <a:t> </a:t>
             </a:r>
             <a:r>
-              <a:rPr lang="en-US" sz="1700" i="1" dirty="0" err="1"/>
+              <a:rPr lang="en-US" i="1" dirty="0" err="1"/>
               <a:t>takes_ID</a:t>
             </a:r>
-            <a:endParaRPr lang="en-US" sz="1700" i="1" dirty="0"/>
+            <a:endParaRPr lang="en-US" i="1" dirty="0"/>
           </a:p>
           <a:p>
             <a:pPr lvl="1">
               <a:defRPr/>
             </a:pPr>
             <a:r>
-              <a:rPr lang="en-US" sz="1700" dirty="0"/>
+              <a:rPr lang="en-US" dirty="0"/>
               <a:t>The </a:t>
             </a:r>
             <a:r>
-              <a:rPr lang="en-US" sz="1700" b="1" dirty="0"/>
+              <a:rPr lang="en-US" b="1" dirty="0"/>
               <a:t>on</a:t>
             </a:r>
             <a:r>
-              <a:rPr lang="en-US" sz="1700" dirty="0"/>
+              <a:rPr lang="en-US" dirty="0"/>
               <a:t> condition above specifies that a tuple from </a:t>
             </a:r>
             <a:r>
-              <a:rPr lang="en-US" sz="1700" i="1" dirty="0"/>
+              <a:rPr lang="en-US" i="1" dirty="0"/>
               <a:t>student</a:t>
             </a:r>
             <a:r>
-              <a:rPr lang="en-US" sz="1700" dirty="0"/>
+              <a:rPr lang="en-US" dirty="0"/>
               <a:t> matches a tuple from </a:t>
             </a:r>
             <a:r>
-              <a:rPr lang="en-US" sz="1700" i="1" dirty="0"/>
+              <a:rPr lang="en-US" i="1" dirty="0"/>
               <a:t>takes</a:t>
             </a:r>
             <a:r>
-              <a:rPr lang="en-US" sz="1700" dirty="0"/>
+              <a:rPr lang="en-US" dirty="0"/>
               <a:t> if their </a:t>
             </a:r>
             <a:r>
-              <a:rPr lang="en-US" sz="1700" i="1" dirty="0"/>
+              <a:rPr lang="en-US" i="1" dirty="0"/>
               <a:t>ID</a:t>
             </a:r>
             <a:r>
-              <a:rPr lang="en-US" sz="1700" dirty="0"/>
+              <a:rPr lang="en-US" dirty="0"/>
               <a:t> values are equal.</a:t>
             </a:r>
           </a:p>
@@ -21517,7 +21517,7 @@
               <a:defRPr/>
             </a:pPr>
             <a:r>
-              <a:rPr lang="en-US" sz="1700" dirty="0"/>
+              <a:rPr lang="en-US" dirty="0"/>
               <a:t>Equivalent to:</a:t>
             </a:r>
           </a:p>
@@ -21527,70 +21527,70 @@
               <a:defRPr/>
             </a:pPr>
             <a:r>
-              <a:rPr lang="en-US" sz="1700" b="1" dirty="0"/>
+              <a:rPr lang="en-US" b="1" dirty="0"/>
               <a:t>             select *</a:t>
             </a:r>
             <a:br>
-              <a:rPr lang="en-US" sz="1700" i="1" dirty="0"/>
+              <a:rPr lang="en-US" i="1" dirty="0"/>
             </a:br>
             <a:r>
-              <a:rPr lang="en-US" sz="1700" i="1" dirty="0"/>
+              <a:rPr lang="en-US" i="1" dirty="0"/>
               <a:t>        </a:t>
             </a:r>
             <a:r>
-              <a:rPr lang="en-US" sz="1700" b="1" dirty="0"/>
+              <a:rPr lang="en-US" b="1" dirty="0"/>
               <a:t>from  </a:t>
             </a:r>
             <a:r>
-              <a:rPr lang="en-US" sz="1700" i="1" dirty="0"/>
+              <a:rPr lang="en-US" i="1" dirty="0"/>
               <a:t>student , takes</a:t>
             </a:r>
             <a:r>
-              <a:rPr lang="en-US" sz="1700" dirty="0"/>
+              <a:rPr lang="en-US" dirty="0"/>
               <a:t> </a:t>
             </a:r>
             <a:br>
-              <a:rPr lang="en-US" sz="1700" i="1" dirty="0"/>
+              <a:rPr lang="en-US" i="1" dirty="0"/>
             </a:br>
             <a:r>
-              <a:rPr lang="en-US" sz="1700" i="1" dirty="0"/>
+              <a:rPr lang="en-US" i="1" dirty="0"/>
               <a:t>        </a:t>
             </a:r>
             <a:r>
-              <a:rPr lang="en-US" sz="1700" b="1" dirty="0"/>
+              <a:rPr lang="en-US" b="1" dirty="0"/>
               <a:t>where  </a:t>
             </a:r>
             <a:r>
-              <a:rPr lang="en-US" sz="1700" i="1" dirty="0" err="1"/>
+              <a:rPr lang="en-US" i="1" dirty="0" err="1"/>
               <a:t>student_ID</a:t>
             </a:r>
             <a:r>
-              <a:rPr lang="en-US" sz="1700" b="1" dirty="0"/>
+              <a:rPr lang="en-US" b="1" dirty="0"/>
               <a:t>  </a:t>
             </a:r>
             <a:r>
-              <a:rPr lang="en-US" sz="1700" dirty="0"/>
+              <a:rPr lang="en-US" dirty="0"/>
               <a:t>=</a:t>
             </a:r>
             <a:r>
-              <a:rPr lang="en-US" sz="1700" b="1" dirty="0"/>
+              <a:rPr lang="en-US" b="1" dirty="0"/>
               <a:t> </a:t>
             </a:r>
             <a:r>
-              <a:rPr lang="en-US" sz="1700" i="1" dirty="0" err="1"/>
+              <a:rPr lang="en-US" i="1" dirty="0" err="1"/>
               <a:t>takes_ID</a:t>
             </a:r>
-            <a:endParaRPr lang="en-US" sz="1700" dirty="0"/>
+            <a:endParaRPr lang="en-US" dirty="0"/>
           </a:p>
           <a:p>
             <a:pPr>
               <a:defRPr/>
             </a:pPr>
-            <a:endParaRPr lang="en-US" i="1" dirty="0"/>
+            <a:endParaRPr lang="en-US" sz="2800" i="1" dirty="0"/>
           </a:p>
           <a:p>
             <a:pPr indent="-365760"/>
-            <a:endParaRPr lang="en-US" altLang="en-US" dirty="0"/>
+            <a:endParaRPr lang="en-US" altLang="en-US" sz="2800" dirty="0"/>
           </a:p>
         </p:txBody>
       </p:sp>
@@ -21668,54 +21668,54 @@
           <a:lstStyle/>
           <a:p>
             <a:r>
-              <a:rPr lang="en-US" altLang="en-US" sz="1700" dirty="0"/>
+              <a:rPr lang="en-US" altLang="en-US" sz="2400" dirty="0"/>
               <a:t>An extension of the join operation that avoids loss of information.</a:t>
             </a:r>
           </a:p>
           <a:p>
             <a:r>
-              <a:rPr lang="en-US" altLang="en-US" sz="1700" dirty="0"/>
+              <a:rPr lang="en-US" altLang="en-US" sz="2400" dirty="0"/>
               <a:t>Computes the join and then adds tuples form one relation that does not match tuples in the other relation to the result of the join. </a:t>
             </a:r>
           </a:p>
           <a:p>
             <a:r>
-              <a:rPr lang="en-US" altLang="en-US" sz="1700" dirty="0"/>
+              <a:rPr lang="en-US" altLang="en-US" sz="2400" dirty="0"/>
               <a:t>Uses </a:t>
             </a:r>
             <a:r>
-              <a:rPr lang="en-US" altLang="en-US" sz="1700" i="1" dirty="0"/>
+              <a:rPr lang="en-US" altLang="en-US" sz="2400" i="1" dirty="0"/>
               <a:t>null</a:t>
             </a:r>
             <a:r>
-              <a:rPr lang="en-US" altLang="en-US" sz="1700" dirty="0"/>
+              <a:rPr lang="en-US" altLang="en-US" sz="2400" dirty="0"/>
               <a:t> values.</a:t>
             </a:r>
           </a:p>
           <a:p>
             <a:r>
-              <a:rPr lang="en-US" altLang="en-US" sz="1700" dirty="0"/>
+              <a:rPr lang="en-US" altLang="en-US" sz="2400" dirty="0"/>
               <a:t>Three forms of outer join:</a:t>
             </a:r>
           </a:p>
           <a:p>
             <a:pPr lvl="1"/>
             <a:r>
-              <a:rPr lang="en-US" altLang="en-US" sz="1700" dirty="0"/>
+              <a:rPr lang="en-US" altLang="en-US" sz="2400" dirty="0"/>
               <a:t>left outer join</a:t>
             </a:r>
           </a:p>
           <a:p>
             <a:pPr lvl="1"/>
             <a:r>
-              <a:rPr lang="en-US" altLang="en-US" sz="1700" dirty="0"/>
+              <a:rPr lang="en-US" altLang="en-US" sz="2400" dirty="0"/>
               <a:t>right outer join</a:t>
             </a:r>
           </a:p>
           <a:p>
             <a:pPr lvl="1"/>
             <a:r>
-              <a:rPr lang="en-US" altLang="en-US" sz="1700" dirty="0"/>
+              <a:rPr lang="en-US" altLang="en-US" sz="2400" dirty="0"/>
               <a:t>full outer join</a:t>
             </a:r>
           </a:p>
@@ -22713,7 +22713,7 @@
         </p:blipFill>
         <p:spPr bwMode="auto">
           <a:xfrm>
-            <a:off x="1606335" y="3438144"/>
+            <a:off x="1932907" y="4654463"/>
             <a:ext cx="4840315" cy="1366784"/>
           </a:xfrm>
           <a:prstGeom prst="rect">
@@ -29035,7 +29035,7 @@
           <a:lstStyle/>
           <a:p>
             <a:r>
-              <a:rPr lang="en-US" altLang="en-US" sz="1700" b="1" dirty="0">
+              <a:rPr lang="en-US" altLang="en-US" b="1" dirty="0">
                 <a:solidFill>
                   <a:srgbClr val="002060"/>
                 </a:solidFill>
@@ -29044,7 +29044,7 @@
               <a:t>Join operations</a:t>
             </a:r>
             <a:r>
-              <a:rPr lang="en-US" altLang="en-US" sz="1700" dirty="0">
+              <a:rPr lang="en-US" altLang="en-US" dirty="0">
                 <a:solidFill>
                   <a:srgbClr val="002060"/>
                 </a:solidFill>
@@ -29053,7 +29053,7 @@
               <a:t> </a:t>
             </a:r>
             <a:r>
-              <a:rPr lang="en-US" altLang="en-US" sz="1700" dirty="0">
+              <a:rPr lang="en-US" altLang="en-US" dirty="0">
                 <a:ea typeface="ＭＳ Ｐゴシック" pitchFamily="34" charset="-128"/>
               </a:rPr>
               <a:t>take two relations and return as a result another relation.</a:t>
@@ -29061,7 +29061,7 @@
           </a:p>
           <a:p>
             <a:r>
-              <a:rPr lang="en-US" altLang="en-US" sz="1700" dirty="0">
+              <a:rPr lang="en-US" altLang="en-US" dirty="0">
                 <a:ea typeface="ＭＳ Ｐゴシック" pitchFamily="34" charset="-128"/>
               </a:rPr>
               <a:t>A join operation is a Cartesian product which requires that tuples in the two relations match (under some condition).  It also specifies the attributes that are present in the result of the join </a:t>
@@ -29069,19 +29069,19 @@
           </a:p>
           <a:p>
             <a:r>
-              <a:rPr lang="en-US" altLang="en-US" sz="1700" dirty="0">
+              <a:rPr lang="en-US" altLang="en-US" dirty="0">
                 <a:ea typeface="ＭＳ Ｐゴシック" pitchFamily="34" charset="-128"/>
               </a:rPr>
               <a:t>The join operations are typically used as subquery expressions in the </a:t>
             </a:r>
             <a:r>
-              <a:rPr lang="en-US" altLang="en-US" sz="1700" b="1" dirty="0">
+              <a:rPr lang="en-US" altLang="en-US" b="1" dirty="0">
                 <a:ea typeface="ＭＳ Ｐゴシック" pitchFamily="34" charset="-128"/>
               </a:rPr>
               <a:t>from </a:t>
             </a:r>
             <a:r>
-              <a:rPr lang="en-US" altLang="en-US" sz="1700" dirty="0">
+              <a:rPr lang="en-US" altLang="en-US" dirty="0">
                 <a:ea typeface="ＭＳ Ｐゴシック" pitchFamily="34" charset="-128"/>
               </a:rPr>
               <a:t>clause</a:t>
@@ -29089,7 +29089,7 @@
           </a:p>
           <a:p>
             <a:r>
-              <a:rPr lang="en-US" altLang="en-US" sz="1700" dirty="0">
+              <a:rPr lang="en-US" altLang="en-US" dirty="0">
                 <a:ea typeface="ＭＳ Ｐゴシック" pitchFamily="34" charset="-128"/>
               </a:rPr>
               <a:t>Three types of joins:</a:t>
@@ -29098,7 +29098,7 @@
           <a:p>
             <a:pPr lvl="1"/>
             <a:r>
-              <a:rPr lang="en-US" altLang="en-US" sz="1700" dirty="0">
+              <a:rPr lang="en-US" altLang="en-US" dirty="0">
                 <a:ea typeface="ＭＳ Ｐゴシック" pitchFamily="34" charset="-128"/>
               </a:rPr>
               <a:t>Natural join</a:t>
@@ -29107,7 +29107,7 @@
           <a:p>
             <a:pPr lvl="1"/>
             <a:r>
-              <a:rPr lang="en-US" altLang="en-US" sz="1700" dirty="0">
+              <a:rPr lang="en-US" altLang="en-US" dirty="0">
                 <a:ea typeface="ＭＳ Ｐゴシック" pitchFamily="34" charset="-128"/>
               </a:rPr>
               <a:t>Inner join</a:t>
@@ -29116,7 +29116,7 @@
           <a:p>
             <a:pPr lvl="1"/>
             <a:r>
-              <a:rPr lang="en-US" altLang="en-US" sz="1700" dirty="0">
+              <a:rPr lang="en-US" altLang="en-US" dirty="0">
                 <a:ea typeface="ＭＳ Ｐゴシック" pitchFamily="34" charset="-128"/>
               </a:rPr>
               <a:t>Outer join</a:t>
@@ -29127,12 +29127,12 @@
               <a:buFont typeface="Monotype Sorts" charset="2"/>
               <a:buNone/>
             </a:pPr>
-            <a:endParaRPr lang="en-US" altLang="en-US" sz="2000" dirty="0">
+            <a:endParaRPr lang="en-US" altLang="en-US" sz="2800" dirty="0">
               <a:ea typeface="ＭＳ Ｐゴシック" pitchFamily="34" charset="-128"/>
             </a:endParaRPr>
           </a:p>
           <a:p>
-            <a:endParaRPr lang="en-US" altLang="en-US" dirty="0">
+            <a:endParaRPr lang="en-US" altLang="en-US" sz="2800" dirty="0">
               <a:ea typeface="ＭＳ Ｐゴシック" pitchFamily="34" charset="-128"/>
             </a:endParaRPr>
           </a:p>
@@ -31928,7 +31928,7 @@
           <a:lstStyle/>
           <a:p>
             <a:r>
-              <a:rPr lang="en-US" altLang="en-US" sz="1700" dirty="0">
+              <a:rPr lang="en-US" altLang="en-US" dirty="0">
                 <a:ea typeface="ＭＳ Ｐゴシック" pitchFamily="34" charset="-128"/>
               </a:rPr>
               <a:t>Natural join matches tuples with the same values for all common attributes, and retains only one copy of each common column.</a:t>
@@ -31936,7 +31936,7 @@
           </a:p>
           <a:p>
             <a:r>
-              <a:rPr lang="en-US" altLang="en-US" sz="1700" dirty="0">
+              <a:rPr lang="en-US" altLang="en-US" dirty="0">
                 <a:ea typeface="ＭＳ Ｐゴシック" pitchFamily="34" charset="-128"/>
               </a:rPr>
               <a:t>List the names of instructors along with the course ID of the courses that they taught</a:t>
@@ -31945,77 +31945,77 @@
           <a:p>
             <a:pPr lvl="1"/>
             <a:r>
-              <a:rPr lang="en-US" altLang="en-US" sz="1700" b="1" dirty="0">
+              <a:rPr lang="en-US" altLang="en-US" b="1" dirty="0">
                 <a:ea typeface="ＭＳ Ｐゴシック" pitchFamily="34" charset="-128"/>
               </a:rPr>
               <a:t>select </a:t>
             </a:r>
             <a:r>
-              <a:rPr lang="en-US" altLang="en-US" sz="1700" i="1" dirty="0">
+              <a:rPr lang="en-US" altLang="en-US" i="1" dirty="0">
                 <a:ea typeface="ＭＳ Ｐゴシック" pitchFamily="34" charset="-128"/>
               </a:rPr>
               <a:t>name</a:t>
             </a:r>
             <a:r>
-              <a:rPr lang="en-US" altLang="en-US" sz="1700" dirty="0">
+              <a:rPr lang="en-US" altLang="en-US" dirty="0">
                 <a:ea typeface="ＭＳ Ｐゴシック" pitchFamily="34" charset="-128"/>
               </a:rPr>
               <a:t>, </a:t>
             </a:r>
             <a:r>
-              <a:rPr lang="en-US" altLang="en-US" sz="1700" i="1" dirty="0" err="1">
+              <a:rPr lang="en-US" altLang="en-US" i="1" dirty="0" err="1">
                 <a:ea typeface="ＭＳ Ｐゴシック" pitchFamily="34" charset="-128"/>
               </a:rPr>
               <a:t>course_id</a:t>
             </a:r>
             <a:br>
-              <a:rPr lang="en-US" altLang="en-US" sz="1700" i="1" dirty="0">
+              <a:rPr lang="en-US" altLang="en-US" i="1" dirty="0">
                 <a:ea typeface="ＭＳ Ｐゴシック" pitchFamily="34" charset="-128"/>
               </a:rPr>
             </a:br>
             <a:r>
-              <a:rPr lang="en-US" altLang="en-US" sz="1700" b="1" dirty="0">
+              <a:rPr lang="en-US" altLang="en-US" b="1" dirty="0">
                 <a:ea typeface="ＭＳ Ｐゴシック" pitchFamily="34" charset="-128"/>
               </a:rPr>
               <a:t>from </a:t>
             </a:r>
             <a:r>
-              <a:rPr lang="en-US" altLang="en-US" sz="1700" i="1" dirty="0">
+              <a:rPr lang="en-US" altLang="en-US" i="1" dirty="0">
                 <a:ea typeface="ＭＳ Ｐゴシック" pitchFamily="34" charset="-128"/>
               </a:rPr>
               <a:t> students, takes</a:t>
             </a:r>
             <a:br>
-              <a:rPr lang="en-US" altLang="en-US" sz="1700" i="1" dirty="0">
+              <a:rPr lang="en-US" altLang="en-US" i="1" dirty="0">
                 <a:ea typeface="ＭＳ Ｐゴシック" pitchFamily="34" charset="-128"/>
               </a:rPr>
             </a:br>
             <a:r>
-              <a:rPr lang="en-US" altLang="en-US" sz="1700" b="1" dirty="0">
+              <a:rPr lang="en-US" altLang="en-US" b="1" dirty="0">
                 <a:ea typeface="ＭＳ Ｐゴシック" pitchFamily="34" charset="-128"/>
               </a:rPr>
               <a:t>where </a:t>
             </a:r>
             <a:r>
-              <a:rPr lang="en-US" altLang="en-US" sz="1700" i="1" dirty="0">
+              <a:rPr lang="en-US" altLang="en-US" i="1" dirty="0">
                 <a:ea typeface="ＭＳ Ｐゴシック" pitchFamily="34" charset="-128"/>
               </a:rPr>
               <a:t>student.ID </a:t>
             </a:r>
             <a:r>
-              <a:rPr lang="en-US" altLang="en-US" sz="1700" dirty="0">
+              <a:rPr lang="en-US" altLang="en-US" dirty="0">
                 <a:ea typeface="ＭＳ Ｐゴシック" pitchFamily="34" charset="-128"/>
               </a:rPr>
               <a:t>= </a:t>
             </a:r>
             <a:r>
-              <a:rPr lang="en-US" altLang="en-US" sz="1700" i="1" dirty="0">
+              <a:rPr lang="en-US" altLang="en-US" i="1" dirty="0">
                 <a:ea typeface="ＭＳ Ｐゴシック" pitchFamily="34" charset="-128"/>
               </a:rPr>
               <a:t>takes.ID</a:t>
             </a:r>
             <a:r>
-              <a:rPr lang="en-US" altLang="en-US" sz="1700" dirty="0">
+              <a:rPr lang="en-US" altLang="en-US" dirty="0">
                 <a:ea typeface="ＭＳ Ｐゴシック" pitchFamily="34" charset="-128"/>
               </a:rPr>
               <a:t>;</a:t>
@@ -32023,7 +32023,7 @@
           </a:p>
           <a:p>
             <a:r>
-              <a:rPr lang="en-US" altLang="en-US" sz="1700" dirty="0">
+              <a:rPr lang="en-US" altLang="en-US" dirty="0">
                 <a:ea typeface="ＭＳ Ｐゴシック" pitchFamily="34" charset="-128"/>
               </a:rPr>
               <a:t>Same query in SQL with “natural join” construct</a:t>
@@ -32032,66 +32032,66 @@
           <a:p>
             <a:pPr lvl="1"/>
             <a:r>
-              <a:rPr lang="en-US" altLang="en-US" sz="1700" b="1" dirty="0">
+              <a:rPr lang="en-US" altLang="en-US" b="1" dirty="0">
                 <a:ea typeface="ＭＳ Ｐゴシック" pitchFamily="34" charset="-128"/>
               </a:rPr>
               <a:t>select </a:t>
             </a:r>
             <a:r>
-              <a:rPr lang="en-US" altLang="en-US" sz="1700" i="1" dirty="0">
+              <a:rPr lang="en-US" altLang="en-US" i="1" dirty="0">
                 <a:ea typeface="ＭＳ Ｐゴシック" pitchFamily="34" charset="-128"/>
               </a:rPr>
               <a:t>name</a:t>
             </a:r>
             <a:r>
-              <a:rPr lang="en-US" altLang="en-US" sz="1700" dirty="0">
+              <a:rPr lang="en-US" altLang="en-US" dirty="0">
                 <a:ea typeface="ＭＳ Ｐゴシック" pitchFamily="34" charset="-128"/>
               </a:rPr>
               <a:t>,</a:t>
             </a:r>
             <a:r>
-              <a:rPr lang="en-US" altLang="en-US" sz="1700" i="1" dirty="0">
+              <a:rPr lang="en-US" altLang="en-US" i="1" dirty="0">
                 <a:ea typeface="ＭＳ Ｐゴシック" pitchFamily="34" charset="-128"/>
               </a:rPr>
               <a:t> </a:t>
             </a:r>
             <a:r>
-              <a:rPr lang="en-US" altLang="en-US" sz="1700" i="1" dirty="0" err="1">
+              <a:rPr lang="en-US" altLang="en-US" i="1" dirty="0" err="1">
                 <a:ea typeface="ＭＳ Ｐゴシック" pitchFamily="34" charset="-128"/>
               </a:rPr>
               <a:t>course_id</a:t>
             </a:r>
             <a:br>
-              <a:rPr lang="en-US" altLang="en-US" sz="1700" i="1" dirty="0">
+              <a:rPr lang="en-US" altLang="en-US" i="1" dirty="0">
                 <a:ea typeface="ＭＳ Ｐゴシック" pitchFamily="34" charset="-128"/>
               </a:rPr>
             </a:br>
             <a:r>
-              <a:rPr lang="en-US" altLang="en-US" sz="1700" b="1" dirty="0">
+              <a:rPr lang="en-US" altLang="en-US" b="1" dirty="0">
                 <a:ea typeface="ＭＳ Ｐゴシック" pitchFamily="34" charset="-128"/>
               </a:rPr>
               <a:t>from </a:t>
             </a:r>
             <a:r>
-              <a:rPr lang="en-US" altLang="en-US" sz="1700" i="1" dirty="0">
+              <a:rPr lang="en-US" altLang="en-US" i="1" dirty="0">
                 <a:ea typeface="ＭＳ Ｐゴシック" pitchFamily="34" charset="-128"/>
               </a:rPr>
               <a:t>student </a:t>
             </a:r>
             <a:r>
-              <a:rPr lang="en-US" altLang="en-US" sz="1700" b="1" dirty="0">
+              <a:rPr lang="en-US" altLang="en-US" b="1" dirty="0">
                 <a:ea typeface="ＭＳ Ｐゴシック" pitchFamily="34" charset="-128"/>
               </a:rPr>
               <a:t>natural join </a:t>
             </a:r>
             <a:r>
-              <a:rPr lang="en-US" altLang="en-US" sz="1700" i="1" dirty="0">
+              <a:rPr lang="en-US" altLang="en-US" i="1" dirty="0">
                 <a:ea typeface="ＭＳ Ｐゴシック" pitchFamily="34" charset="-128"/>
               </a:rPr>
               <a:t>takes</a:t>
             </a:r>
             <a:r>
-              <a:rPr lang="en-US" altLang="en-US" sz="1700" dirty="0">
+              <a:rPr lang="en-US" altLang="en-US" dirty="0">
                 <a:ea typeface="ＭＳ Ｐゴシック" pitchFamily="34" charset="-128"/>
               </a:rPr>
               <a:t>;</a:t>
@@ -32102,7 +32102,7 @@
               <a:buFont typeface="Monotype Sorts" charset="2"/>
               <a:buNone/>
             </a:pPr>
-            <a:endParaRPr lang="en-US" altLang="en-US" dirty="0">
+            <a:endParaRPr lang="en-US" altLang="en-US" sz="2800" dirty="0">
               <a:ea typeface="ＭＳ Ｐゴシック" pitchFamily="34" charset="-128"/>
             </a:endParaRPr>
           </a:p>
@@ -34438,19 +34438,19 @@
           <a:lstStyle/>
           <a:p>
             <a:r>
-              <a:rPr lang="en-US" altLang="en-US" sz="1700" dirty="0">
+              <a:rPr lang="en-US" altLang="en-US" sz="2400" dirty="0">
                 <a:ea typeface="ＭＳ Ｐゴシック" pitchFamily="34" charset="-128"/>
               </a:rPr>
               <a:t>The </a:t>
             </a:r>
             <a:r>
-              <a:rPr lang="en-US" altLang="en-US" sz="1700" b="1" dirty="0">
+              <a:rPr lang="en-US" altLang="en-US" sz="2400" b="1" dirty="0">
                 <a:ea typeface="ＭＳ Ｐゴシック" pitchFamily="34" charset="-128"/>
               </a:rPr>
               <a:t>from</a:t>
             </a:r>
             <a:r>
-              <a:rPr lang="en-US" altLang="en-US" sz="1700" dirty="0">
+              <a:rPr lang="en-US" altLang="en-US" sz="2400" dirty="0">
                 <a:ea typeface="ＭＳ Ｐゴシック" pitchFamily="34" charset="-128"/>
               </a:rPr>
               <a:t> clause can have multiple relations combined using natural join:</a:t>
@@ -34461,149 +34461,149 @@
               <a:buNone/>
             </a:pPr>
             <a:r>
-              <a:rPr lang="en-US" altLang="en-US" sz="1700" b="1" dirty="0">
+              <a:rPr lang="en-US" altLang="en-US" sz="2400" b="1" dirty="0">
                 <a:ea typeface="ＭＳ Ｐゴシック" pitchFamily="34" charset="-128"/>
               </a:rPr>
               <a:t>     select </a:t>
             </a:r>
             <a:r>
-              <a:rPr lang="en-US" altLang="en-US" sz="1700" i="1" dirty="0">
+              <a:rPr lang="en-US" altLang="en-US" sz="2400" i="1" dirty="0">
                 <a:ea typeface="ＭＳ Ｐゴシック" pitchFamily="34" charset="-128"/>
               </a:rPr>
               <a:t> A</a:t>
             </a:r>
             <a:r>
-              <a:rPr lang="en-US" altLang="en-US" sz="1700" i="1" baseline="-25000" dirty="0">
+              <a:rPr lang="en-US" altLang="en-US" sz="2400" i="1" baseline="-25000" dirty="0">
                 <a:ea typeface="ＭＳ Ｐゴシック" pitchFamily="34" charset="-128"/>
               </a:rPr>
               <a:t>1</a:t>
             </a:r>
             <a:r>
-              <a:rPr lang="en-US" altLang="en-US" sz="1700" i="1" dirty="0">
+              <a:rPr lang="en-US" altLang="en-US" sz="2400" i="1" dirty="0">
                 <a:ea typeface="ＭＳ Ｐゴシック" pitchFamily="34" charset="-128"/>
               </a:rPr>
               <a:t>, A</a:t>
             </a:r>
             <a:r>
-              <a:rPr lang="en-US" altLang="en-US" sz="1700" i="1" baseline="-25000" dirty="0">
+              <a:rPr lang="en-US" altLang="en-US" sz="2400" i="1" baseline="-25000" dirty="0">
                 <a:ea typeface="ＭＳ Ｐゴシック" pitchFamily="34" charset="-128"/>
               </a:rPr>
               <a:t>2</a:t>
             </a:r>
             <a:r>
-              <a:rPr lang="en-US" altLang="en-US" sz="1700" i="1" dirty="0">
+              <a:rPr lang="en-US" altLang="en-US" sz="2400" i="1" dirty="0">
                 <a:ea typeface="ＭＳ Ｐゴシック" pitchFamily="34" charset="-128"/>
               </a:rPr>
               <a:t>, … A</a:t>
             </a:r>
             <a:r>
-              <a:rPr lang="en-US" altLang="en-US" sz="1700" i="1" baseline="-25000" dirty="0">
+              <a:rPr lang="en-US" altLang="en-US" sz="2400" i="1" baseline="-25000" dirty="0">
                 <a:ea typeface="ＭＳ Ｐゴシック" pitchFamily="34" charset="-128"/>
               </a:rPr>
               <a:t>n</a:t>
             </a:r>
             <a:br>
-              <a:rPr lang="en-US" altLang="en-US" sz="1700" i="1" dirty="0">
+              <a:rPr lang="en-US" altLang="en-US" sz="2400" i="1" dirty="0">
                 <a:ea typeface="ＭＳ Ｐゴシック" pitchFamily="34" charset="-128"/>
               </a:rPr>
             </a:br>
             <a:r>
-              <a:rPr lang="en-US" altLang="en-US" sz="1700" b="1" dirty="0">
+              <a:rPr lang="en-US" altLang="en-US" sz="2400" b="1" dirty="0">
                 <a:ea typeface="ＭＳ Ｐゴシック" pitchFamily="34" charset="-128"/>
               </a:rPr>
               <a:t>from </a:t>
             </a:r>
             <a:r>
-              <a:rPr lang="en-US" altLang="en-US" sz="1700" i="1" dirty="0">
+              <a:rPr lang="en-US" altLang="en-US" sz="2400" i="1" dirty="0">
                 <a:ea typeface="ＭＳ Ｐゴシック" pitchFamily="34" charset="-128"/>
               </a:rPr>
               <a:t> r</a:t>
             </a:r>
             <a:r>
-              <a:rPr lang="en-US" altLang="en-US" sz="1700" i="1" baseline="-25000" dirty="0">
+              <a:rPr lang="en-US" altLang="en-US" sz="2400" i="1" baseline="-25000" dirty="0">
                 <a:ea typeface="ＭＳ Ｐゴシック" pitchFamily="34" charset="-128"/>
               </a:rPr>
               <a:t>1</a:t>
             </a:r>
             <a:r>
-              <a:rPr lang="en-US" altLang="en-US" sz="1700" i="1" dirty="0">
+              <a:rPr lang="en-US" altLang="en-US" sz="2400" i="1" dirty="0">
                 <a:ea typeface="ＭＳ Ｐゴシック" pitchFamily="34" charset="-128"/>
               </a:rPr>
               <a:t>  </a:t>
             </a:r>
             <a:r>
-              <a:rPr lang="en-US" altLang="en-US" sz="1700" b="1" dirty="0">
+              <a:rPr lang="en-US" altLang="en-US" sz="2400" b="1" dirty="0">
                 <a:ea typeface="ＭＳ Ｐゴシック" pitchFamily="34" charset="-128"/>
               </a:rPr>
               <a:t>natural join </a:t>
             </a:r>
             <a:r>
-              <a:rPr lang="en-US" altLang="en-US" sz="1700" i="1" dirty="0">
+              <a:rPr lang="en-US" altLang="en-US" sz="2400" i="1" dirty="0">
                 <a:ea typeface="ＭＳ Ｐゴシック" pitchFamily="34" charset="-128"/>
               </a:rPr>
               <a:t>r</a:t>
             </a:r>
             <a:r>
-              <a:rPr lang="en-US" altLang="en-US" sz="1700" i="1" baseline="-25000" dirty="0">
+              <a:rPr lang="en-US" altLang="en-US" sz="2400" i="1" baseline="-25000" dirty="0">
                 <a:ea typeface="ＭＳ Ｐゴシック" pitchFamily="34" charset="-128"/>
               </a:rPr>
               <a:t>2</a:t>
             </a:r>
             <a:r>
-              <a:rPr lang="en-US" altLang="en-US" sz="1700" i="1" dirty="0">
+              <a:rPr lang="en-US" altLang="en-US" sz="2400" i="1" dirty="0">
                 <a:ea typeface="ＭＳ Ｐゴシック" pitchFamily="34" charset="-128"/>
               </a:rPr>
               <a:t> </a:t>
             </a:r>
             <a:r>
-              <a:rPr lang="en-US" altLang="en-US" sz="1700" b="1" dirty="0">
+              <a:rPr lang="en-US" altLang="en-US" sz="2400" b="1" dirty="0">
                 <a:ea typeface="ＭＳ Ｐゴシック" pitchFamily="34" charset="-128"/>
               </a:rPr>
               <a:t>natural join </a:t>
             </a:r>
             <a:r>
-              <a:rPr lang="en-US" altLang="en-US" sz="1700" b="1" i="1" dirty="0">
+              <a:rPr lang="en-US" altLang="en-US" sz="2400" b="1" i="1" dirty="0">
                 <a:ea typeface="ＭＳ Ｐゴシック" pitchFamily="34" charset="-128"/>
               </a:rPr>
               <a:t>.. </a:t>
             </a:r>
             <a:r>
-              <a:rPr lang="en-US" altLang="en-US" sz="1700" b="1" dirty="0">
+              <a:rPr lang="en-US" altLang="en-US" sz="2400" b="1" dirty="0">
                 <a:ea typeface="ＭＳ Ｐゴシック" pitchFamily="34" charset="-128"/>
               </a:rPr>
               <a:t>natural join </a:t>
             </a:r>
             <a:r>
-              <a:rPr lang="en-US" altLang="en-US" sz="1700" dirty="0" err="1">
+              <a:rPr lang="en-US" altLang="en-US" sz="2400" dirty="0" err="1">
                 <a:ea typeface="ＭＳ Ｐゴシック" pitchFamily="34" charset="-128"/>
               </a:rPr>
               <a:t>r</a:t>
             </a:r>
             <a:r>
-              <a:rPr lang="en-US" altLang="en-US" sz="1700" baseline="-25000" dirty="0" err="1">
+              <a:rPr lang="en-US" altLang="en-US" sz="2400" baseline="-25000" dirty="0" err="1">
                 <a:ea typeface="ＭＳ Ｐゴシック" pitchFamily="34" charset="-128"/>
               </a:rPr>
               <a:t>n</a:t>
             </a:r>
             <a:br>
-              <a:rPr lang="en-US" altLang="en-US" sz="1700" i="1" dirty="0">
+              <a:rPr lang="en-US" altLang="en-US" sz="2400" i="1" dirty="0">
                 <a:ea typeface="ＭＳ Ｐゴシック" pitchFamily="34" charset="-128"/>
               </a:rPr>
             </a:br>
             <a:r>
-              <a:rPr lang="en-US" altLang="en-US" sz="1700" b="1" dirty="0">
+              <a:rPr lang="en-US" altLang="en-US" sz="2400" b="1" dirty="0">
                 <a:ea typeface="ＭＳ Ｐゴシック" pitchFamily="34" charset="-128"/>
               </a:rPr>
               <a:t>where  </a:t>
             </a:r>
             <a:r>
-              <a:rPr lang="en-US" altLang="en-US" sz="1700" i="1" dirty="0">
+              <a:rPr lang="en-US" altLang="en-US" sz="2400" i="1" dirty="0">
                 <a:ea typeface="ＭＳ Ｐゴシック" pitchFamily="34" charset="-128"/>
               </a:rPr>
               <a:t>P </a:t>
             </a:r>
             <a:r>
-              <a:rPr lang="en-US" altLang="en-US" sz="1700" dirty="0">
+              <a:rPr lang="en-US" altLang="en-US" sz="2400" dirty="0">
                 <a:ea typeface="ＭＳ Ｐゴシック" pitchFamily="34" charset="-128"/>
               </a:rPr>
               <a:t>;</a:t>
@@ -34613,7 +34613,7 @@
             <a:pPr>
               <a:buNone/>
             </a:pPr>
-            <a:endParaRPr lang="en-US" altLang="en-US" sz="1700" dirty="0">
+            <a:endParaRPr lang="en-US" altLang="en-US" sz="2400" dirty="0">
               <a:ea typeface="ＭＳ Ｐゴシック" pitchFamily="34" charset="-128"/>
             </a:endParaRPr>
           </a:p>
@@ -34622,7 +34622,7 @@
               <a:buFont typeface="Monotype Sorts" charset="2"/>
               <a:buNone/>
             </a:pPr>
-            <a:endParaRPr lang="en-US" altLang="en-US" sz="1700" dirty="0">
+            <a:endParaRPr lang="en-US" altLang="en-US" sz="2400" dirty="0">
               <a:ea typeface="ＭＳ Ｐゴシック" pitchFamily="34" charset="-128"/>
             </a:endParaRPr>
           </a:p>
@@ -35408,8 +35408,8 @@
         </p:nvSpPr>
         <p:spPr>
           <a:xfrm>
-            <a:off x="768351" y="1103201"/>
-            <a:ext cx="7668514" cy="4944032"/>
+            <a:off x="185057" y="957943"/>
+            <a:ext cx="8251808" cy="5089290"/>
           </a:xfrm>
         </p:spPr>
         <p:txBody>
@@ -35417,26 +35417,26 @@
           <a:lstStyle/>
           <a:p>
             <a:r>
-              <a:rPr lang="en-US" sz="1800" dirty="0"/>
+              <a:rPr lang="en-US" dirty="0"/>
               <a:t>Beware of unrelated attributes with same name which get equated incorrectly</a:t>
             </a:r>
           </a:p>
           <a:p>
             <a:r>
-              <a:rPr lang="en-US" altLang="en-US" sz="1800" dirty="0">
+              <a:rPr lang="en-US" altLang="en-US" dirty="0">
                 <a:ea typeface="ＭＳ Ｐゴシック" pitchFamily="34" charset="-128"/>
               </a:rPr>
               <a:t> </a:t>
             </a:r>
             <a:r>
-              <a:rPr lang="en-US" sz="1800" dirty="0"/>
+              <a:rPr lang="en-US" dirty="0"/>
               <a:t>Example -- List the names of students instructors along with the titles of courses that they have taken</a:t>
             </a:r>
           </a:p>
           <a:p>
             <a:pPr lvl="1"/>
             <a:r>
-              <a:rPr lang="en-US" sz="1800" dirty="0"/>
+              <a:rPr lang="en-US" dirty="0"/>
               <a:t>Correct version</a:t>
             </a:r>
           </a:p>
@@ -35445,104 +35445,104 @@
               <a:buNone/>
             </a:pPr>
             <a:r>
-              <a:rPr lang="en-US" sz="1800" b="1" dirty="0"/>
+              <a:rPr lang="en-US" b="1" dirty="0"/>
               <a:t>           select </a:t>
             </a:r>
             <a:r>
-              <a:rPr lang="en-US" sz="1800" i="1" dirty="0"/>
+              <a:rPr lang="en-US" i="1" dirty="0"/>
               <a:t>name</a:t>
             </a:r>
             <a:r>
-              <a:rPr lang="en-US" sz="1800" dirty="0"/>
+              <a:rPr lang="en-US" dirty="0"/>
               <a:t>, </a:t>
             </a:r>
             <a:r>
-              <a:rPr lang="en-US" sz="1800" i="1" dirty="0"/>
+              <a:rPr lang="en-US" i="1" dirty="0"/>
               <a:t>title</a:t>
             </a:r>
             <a:br>
-              <a:rPr lang="en-US" sz="1800" i="1" dirty="0"/>
+              <a:rPr lang="en-US" i="1" dirty="0"/>
             </a:br>
             <a:r>
-              <a:rPr lang="en-US" sz="1800" i="1" dirty="0"/>
+              <a:rPr lang="en-US" i="1" dirty="0"/>
               <a:t>       </a:t>
             </a:r>
             <a:r>
-              <a:rPr lang="en-US" sz="1800" b="1" dirty="0"/>
+              <a:rPr lang="en-US" b="1" dirty="0"/>
               <a:t>from </a:t>
             </a:r>
             <a:r>
-              <a:rPr lang="en-US" sz="1800" i="1" dirty="0"/>
+              <a:rPr lang="en-US" i="1" dirty="0"/>
               <a:t>student </a:t>
             </a:r>
             <a:r>
-              <a:rPr lang="en-US" sz="1800" b="1" dirty="0"/>
+              <a:rPr lang="en-US" b="1" dirty="0"/>
               <a:t>natural join </a:t>
             </a:r>
             <a:r>
-              <a:rPr lang="en-US" sz="1800" i="1" dirty="0"/>
+              <a:rPr lang="en-US" i="1" dirty="0"/>
               <a:t>takes</a:t>
             </a:r>
             <a:r>
-              <a:rPr lang="en-US" sz="1800" dirty="0"/>
+              <a:rPr lang="en-US" dirty="0"/>
               <a:t>, </a:t>
             </a:r>
             <a:r>
-              <a:rPr lang="en-US" sz="1800" i="1" dirty="0"/>
+              <a:rPr lang="en-US" i="1" dirty="0"/>
               <a:t>course</a:t>
             </a:r>
             <a:br>
-              <a:rPr lang="en-US" sz="1800" i="1" dirty="0"/>
+              <a:rPr lang="en-US" i="1" dirty="0"/>
             </a:br>
             <a:r>
-              <a:rPr lang="en-US" sz="1800" i="1" dirty="0"/>
+              <a:rPr lang="en-US" i="1" dirty="0"/>
               <a:t>       </a:t>
             </a:r>
             <a:r>
-              <a:rPr lang="en-US" sz="1800" b="1" dirty="0"/>
+              <a:rPr lang="en-US" b="1" dirty="0"/>
               <a:t>where </a:t>
             </a:r>
             <a:r>
-              <a:rPr lang="en-US" sz="1800" i="1" dirty="0" err="1"/>
+              <a:rPr lang="en-US" i="1" dirty="0" err="1"/>
               <a:t>takes</a:t>
             </a:r>
             <a:r>
-              <a:rPr lang="en-US" sz="1800" dirty="0" err="1"/>
+              <a:rPr lang="en-US" dirty="0" err="1"/>
               <a:t>.</a:t>
             </a:r>
             <a:r>
-              <a:rPr lang="en-US" sz="1800" i="1" dirty="0" err="1"/>
+              <a:rPr lang="en-US" i="1" dirty="0" err="1"/>
               <a:t>course_id</a:t>
             </a:r>
             <a:r>
-              <a:rPr lang="en-US" sz="1800" i="1" dirty="0"/>
+              <a:rPr lang="en-US" i="1" dirty="0"/>
               <a:t> </a:t>
             </a:r>
             <a:r>
-              <a:rPr lang="en-US" sz="1800" dirty="0"/>
+              <a:rPr lang="en-US" dirty="0"/>
               <a:t>= </a:t>
             </a:r>
             <a:r>
-              <a:rPr lang="en-US" sz="1800" i="1" dirty="0" err="1"/>
+              <a:rPr lang="en-US" i="1" dirty="0" err="1"/>
               <a:t>course</a:t>
             </a:r>
             <a:r>
-              <a:rPr lang="en-US" sz="1800" dirty="0" err="1"/>
+              <a:rPr lang="en-US" dirty="0" err="1"/>
               <a:t>.</a:t>
             </a:r>
             <a:r>
-              <a:rPr lang="en-US" sz="1800" i="1" dirty="0" err="1"/>
+              <a:rPr lang="en-US" i="1" dirty="0" err="1"/>
               <a:t>course_id</a:t>
             </a:r>
             <a:r>
-              <a:rPr lang="en-US" sz="1800" dirty="0"/>
+              <a:rPr lang="en-US" dirty="0"/>
               <a:t>;</a:t>
             </a:r>
           </a:p>
           <a:p>
             <a:pPr lvl="1"/>
             <a:r>
-              <a:rPr lang="en-US" sz="1800" dirty="0"/>
+              <a:rPr lang="en-US" dirty="0"/>
               <a:t>Incorrect version</a:t>
             </a:r>
           </a:p>
@@ -35553,54 +35553,54 @@
               <a:defRPr/>
             </a:pPr>
             <a:r>
-              <a:rPr lang="en-US" sz="1800" b="1" dirty="0"/>
+              <a:rPr lang="en-US" b="1" dirty="0"/>
               <a:t>       select </a:t>
             </a:r>
             <a:r>
-              <a:rPr lang="en-US" sz="1800" i="1" dirty="0"/>
+              <a:rPr lang="en-US" i="1" dirty="0"/>
               <a:t>name</a:t>
             </a:r>
             <a:r>
-              <a:rPr lang="en-US" sz="1800" dirty="0"/>
+              <a:rPr lang="en-US" dirty="0"/>
               <a:t>, </a:t>
             </a:r>
             <a:r>
-              <a:rPr lang="en-US" sz="1800" i="1" dirty="0"/>
+              <a:rPr lang="en-US" i="1" dirty="0"/>
               <a:t>title</a:t>
             </a:r>
             <a:br>
-              <a:rPr lang="en-US" sz="1800" i="1" dirty="0"/>
+              <a:rPr lang="en-US" i="1" dirty="0"/>
             </a:br>
             <a:r>
-              <a:rPr lang="en-US" sz="1800" i="1" dirty="0"/>
+              <a:rPr lang="en-US" i="1" dirty="0"/>
               <a:t>   </a:t>
             </a:r>
             <a:r>
-              <a:rPr lang="en-US" sz="1800" b="1" dirty="0"/>
+              <a:rPr lang="en-US" b="1" dirty="0"/>
               <a:t>from </a:t>
             </a:r>
             <a:r>
-              <a:rPr lang="en-US" sz="1800" i="1" dirty="0"/>
+              <a:rPr lang="en-US" i="1" dirty="0"/>
               <a:t>student </a:t>
             </a:r>
             <a:r>
-              <a:rPr lang="en-US" sz="1800" b="1" dirty="0"/>
+              <a:rPr lang="en-US" b="1" dirty="0"/>
               <a:t>natural join </a:t>
             </a:r>
             <a:r>
-              <a:rPr lang="en-US" sz="1800" i="1" dirty="0"/>
+              <a:rPr lang="en-US" i="1" dirty="0"/>
               <a:t>takes </a:t>
             </a:r>
             <a:r>
-              <a:rPr lang="en-US" sz="1800" b="1" dirty="0"/>
+              <a:rPr lang="en-US" b="1" dirty="0"/>
               <a:t>natural join </a:t>
             </a:r>
             <a:r>
-              <a:rPr lang="en-US" sz="1800" i="1" dirty="0"/>
+              <a:rPr lang="en-US" i="1" dirty="0"/>
               <a:t>course</a:t>
             </a:r>
             <a:r>
-              <a:rPr lang="en-US" sz="1800" dirty="0"/>
+              <a:rPr lang="en-US" dirty="0"/>
               <a:t>;</a:t>
             </a:r>
           </a:p>
@@ -35609,7 +35609,7 @@
               <a:defRPr/>
             </a:pPr>
             <a:r>
-              <a:rPr lang="en-US" sz="1800" dirty="0"/>
+              <a:rPr lang="en-US" dirty="0"/>
               <a:t>This query omits all (student name, course title) pairs where the student takes a course in a department other than the student's own department. </a:t>
             </a:r>
           </a:p>
@@ -35618,17 +35618,17 @@
               <a:defRPr/>
             </a:pPr>
             <a:r>
-              <a:rPr lang="en-US" sz="1800" dirty="0"/>
+              <a:rPr lang="en-US" dirty="0"/>
               <a:t>The  correct  version (above), correctly outputs such pairs.</a:t>
             </a:r>
           </a:p>
           <a:p>
             <a:pPr lvl="1"/>
-            <a:endParaRPr lang="en-US" sz="1800" dirty="0"/>
+            <a:endParaRPr lang="en-US" dirty="0"/>
           </a:p>
           <a:p>
             <a:pPr lvl="1"/>
-            <a:endParaRPr lang="en-US" altLang="en-US" sz="2400" dirty="0">
+            <a:endParaRPr lang="en-US" altLang="en-US" sz="2800" dirty="0">
               <a:ea typeface="ＭＳ Ｐゴシック" pitchFamily="34" charset="-128"/>
             </a:endParaRPr>
           </a:p>

--- a/courses/downloads/temp/Database_Lec4.pptx
+++ b/courses/downloads/temp/Database_Lec4.pptx
@@ -22607,8 +22607,8 @@
         </p:nvSpPr>
         <p:spPr>
           <a:xfrm>
-            <a:off x="768351" y="1106488"/>
-            <a:ext cx="7436865" cy="2246312"/>
+            <a:off x="128017" y="1106488"/>
+            <a:ext cx="8077200" cy="2246312"/>
           </a:xfrm>
         </p:spPr>
         <p:txBody>
@@ -22616,7 +22616,7 @@
           <a:lstStyle/>
           <a:p>
             <a:r>
-              <a:rPr lang="en-US" altLang="en-US" sz="1700" b="1" dirty="0">
+              <a:rPr lang="en-US" altLang="en-US" sz="2400" b="1" dirty="0">
                 <a:solidFill>
                   <a:srgbClr val="002060"/>
                 </a:solidFill>
@@ -22624,7 +22624,7 @@
               <a:t>Join operations</a:t>
             </a:r>
             <a:r>
-              <a:rPr lang="en-US" altLang="en-US" sz="1700" dirty="0">
+              <a:rPr lang="en-US" altLang="en-US" sz="2400" dirty="0">
                 <a:solidFill>
                   <a:srgbClr val="002060"/>
                 </a:solidFill>
@@ -22632,27 +22632,27 @@
               <a:t> </a:t>
             </a:r>
             <a:r>
-              <a:rPr lang="en-US" altLang="en-US" sz="1700" dirty="0"/>
+              <a:rPr lang="en-US" altLang="en-US" sz="2400" dirty="0"/>
               <a:t>take two relations and return as a result another relation.</a:t>
             </a:r>
           </a:p>
           <a:p>
             <a:r>
-              <a:rPr lang="en-US" altLang="en-US" sz="1700" dirty="0"/>
+              <a:rPr lang="en-US" altLang="en-US" sz="2400" dirty="0"/>
               <a:t>These additional operations are typically used as subquery expressions in the </a:t>
             </a:r>
             <a:r>
-              <a:rPr lang="en-US" altLang="en-US" sz="1700" b="1" dirty="0"/>
+              <a:rPr lang="en-US" altLang="en-US" sz="2400" b="1" dirty="0"/>
               <a:t>from </a:t>
             </a:r>
             <a:r>
-              <a:rPr lang="en-US" altLang="en-US" sz="1700" dirty="0"/>
+              <a:rPr lang="en-US" altLang="en-US" sz="2400" dirty="0"/>
               <a:t>clause</a:t>
             </a:r>
           </a:p>
           <a:p>
             <a:r>
-              <a:rPr lang="en-US" altLang="en-US" sz="1700" b="1" dirty="0">
+              <a:rPr lang="en-US" altLang="en-US" sz="2400" b="1" dirty="0">
                 <a:solidFill>
                   <a:srgbClr val="002060"/>
                 </a:solidFill>
@@ -22660,7 +22660,7 @@
               <a:t>Join condition</a:t>
             </a:r>
             <a:r>
-              <a:rPr lang="en-US" altLang="en-US" sz="1700" dirty="0">
+              <a:rPr lang="en-US" altLang="en-US" sz="2400" dirty="0">
                 <a:solidFill>
                   <a:srgbClr val="002060"/>
                 </a:solidFill>
@@ -22668,13 +22668,13 @@
               <a:t> </a:t>
             </a:r>
             <a:r>
-              <a:rPr lang="en-US" altLang="en-US" sz="1700" dirty="0"/>
+              <a:rPr lang="en-US" altLang="en-US" sz="2400" dirty="0"/>
               <a:t>– defines which tuples in the two relations match.</a:t>
             </a:r>
           </a:p>
           <a:p>
             <a:r>
-              <a:rPr lang="en-US" altLang="en-US" sz="1700" b="1" dirty="0">
+              <a:rPr lang="en-US" altLang="en-US" sz="2400" b="1" dirty="0">
                 <a:solidFill>
                   <a:srgbClr val="002060"/>
                 </a:solidFill>
@@ -22682,7 +22682,7 @@
               <a:t>Join type</a:t>
             </a:r>
             <a:r>
-              <a:rPr lang="en-US" altLang="en-US" sz="1700" dirty="0">
+              <a:rPr lang="en-US" altLang="en-US" sz="2400" dirty="0">
                 <a:solidFill>
                   <a:srgbClr val="002060"/>
                 </a:solidFill>
@@ -22690,7 +22690,7 @@
               <a:t> </a:t>
             </a:r>
             <a:r>
-              <a:rPr lang="en-US" altLang="en-US" sz="1700" dirty="0"/>
+              <a:rPr lang="en-US" altLang="en-US" sz="2400" dirty="0"/>
               <a:t>– defines how tuples in each relation that do not match any tuple in the other relation (based on the join condition) are treated.</a:t>
             </a:r>
           </a:p>

--- a/courses/downloads/temp/Database_Lec4.pptx
+++ b/courses/downloads/temp/Database_Lec4.pptx
@@ -5,10 +5,10 @@
     <p:sldMasterId id="2147483762" r:id="rId1"/>
   </p:sldMasterIdLst>
   <p:notesMasterIdLst>
-    <p:notesMasterId r:id="rId64"/>
+    <p:notesMasterId r:id="rId66"/>
   </p:notesMasterIdLst>
   <p:handoutMasterIdLst>
-    <p:handoutMasterId r:id="rId65"/>
+    <p:handoutMasterId r:id="rId67"/>
   </p:handoutMasterIdLst>
   <p:sldIdLst>
     <p:sldId id="405" r:id="rId2"/>
@@ -72,7 +72,9 @@
     <p:sldId id="469" r:id="rId60"/>
     <p:sldId id="393" r:id="rId61"/>
     <p:sldId id="394" r:id="rId62"/>
-    <p:sldId id="395" r:id="rId63"/>
+    <p:sldId id="473" r:id="rId63"/>
+    <p:sldId id="472" r:id="rId64"/>
+    <p:sldId id="395" r:id="rId65"/>
   </p:sldIdLst>
   <p:sldSz cx="9144000" cy="6858000" type="screen4x3"/>
   <p:notesSz cx="6997700" cy="9283700"/>
@@ -11408,6 +11410,295 @@
           <a:bodyPr/>
           <a:lstStyle/>
           <a:p>
+            <a:pPr marL="0" marR="0" algn="r" rtl="1">
+              <a:lnSpc>
+                <a:spcPct val="107000"/>
+              </a:lnSpc>
+              <a:spcBef>
+                <a:spcPts val="0"/>
+              </a:spcBef>
+              <a:spcAft>
+                <a:spcPts val="800"/>
+              </a:spcAft>
+            </a:pPr>
+            <a:r>
+              <a:rPr lang="ar-SA" sz="1800" dirty="0">
+                <a:effectLst/>
+                <a:latin typeface="Calibri" panose="020F0502020204030204" pitchFamily="34" charset="0"/>
+                <a:ea typeface="Times New Roman" panose="02020603050405020304" pitchFamily="18" charset="0"/>
+                <a:cs typeface="Times New Roman" panose="02020603050405020304" pitchFamily="18" charset="0"/>
+              </a:rPr>
+              <a:t>یک ادعا</a:t>
+            </a:r>
+            <a:r>
+              <a:rPr lang="en-US" sz="1800" dirty="0">
+                <a:effectLst/>
+                <a:latin typeface="Times New Roman" panose="02020603050405020304" pitchFamily="18" charset="0"/>
+                <a:ea typeface="Times New Roman" panose="02020603050405020304" pitchFamily="18" charset="0"/>
+                <a:cs typeface="Arial" panose="020B0604020202020204" pitchFamily="34" charset="0"/>
+              </a:rPr>
+              <a:t> (Assertion) </a:t>
+            </a:r>
+            <a:r>
+              <a:rPr lang="ar-SA" sz="1800" dirty="0">
+                <a:effectLst/>
+                <a:latin typeface="Calibri" panose="020F0502020204030204" pitchFamily="34" charset="0"/>
+                <a:ea typeface="Times New Roman" panose="02020603050405020304" pitchFamily="18" charset="0"/>
+                <a:cs typeface="Times New Roman" panose="02020603050405020304" pitchFamily="18" charset="0"/>
+              </a:rPr>
+              <a:t>گزاره‌ای است که شرطی را بیان می‌کند که می‌خواهیم پایگاه داده همیشه آن را برآورده کند</a:t>
+            </a:r>
+            <a:r>
+              <a:rPr lang="en-US" sz="1800" dirty="0">
+                <a:effectLst/>
+                <a:latin typeface="Times New Roman" panose="02020603050405020304" pitchFamily="18" charset="0"/>
+                <a:ea typeface="Times New Roman" panose="02020603050405020304" pitchFamily="18" charset="0"/>
+                <a:cs typeface="Arial" panose="020B0604020202020204" pitchFamily="34" charset="0"/>
+              </a:rPr>
+              <a:t>.</a:t>
+            </a:r>
+            <a:br>
+              <a:rPr lang="en-US" sz="1800" dirty="0">
+                <a:effectLst/>
+                <a:latin typeface="Times New Roman" panose="02020603050405020304" pitchFamily="18" charset="0"/>
+                <a:ea typeface="Times New Roman" panose="02020603050405020304" pitchFamily="18" charset="0"/>
+                <a:cs typeface="Arial" panose="020B0604020202020204" pitchFamily="34" charset="0"/>
+              </a:rPr>
+            </a:br>
+            <a:r>
+              <a:rPr lang="ar-SA" sz="1800" dirty="0">
+                <a:effectLst/>
+                <a:latin typeface="Calibri" panose="020F0502020204030204" pitchFamily="34" charset="0"/>
+                <a:ea typeface="Times New Roman" panose="02020603050405020304" pitchFamily="18" charset="0"/>
+                <a:cs typeface="Times New Roman" panose="02020603050405020304" pitchFamily="18" charset="0"/>
+              </a:rPr>
+              <a:t>محدودیت‌های زیر را می‌توان با استفاده از ادعاها بیان کرد</a:t>
+            </a:r>
+            <a:r>
+              <a:rPr lang="en-US" sz="1800" dirty="0">
+                <a:effectLst/>
+                <a:latin typeface="Times New Roman" panose="02020603050405020304" pitchFamily="18" charset="0"/>
+                <a:ea typeface="Times New Roman" panose="02020603050405020304" pitchFamily="18" charset="0"/>
+                <a:cs typeface="Arial" panose="020B0604020202020204" pitchFamily="34" charset="0"/>
+              </a:rPr>
+              <a:t>:</a:t>
+            </a:r>
+            <a:endParaRPr lang="en-US" sz="1800" dirty="0">
+              <a:effectLst/>
+              <a:latin typeface="Calibri" panose="020F0502020204030204" pitchFamily="34" charset="0"/>
+              <a:ea typeface="Calibri" panose="020F0502020204030204" pitchFamily="34" charset="0"/>
+              <a:cs typeface="Arial" panose="020B0604020202020204" pitchFamily="34" charset="0"/>
+            </a:endParaRPr>
+          </a:p>
+          <a:p>
+            <a:pPr marL="342900" marR="0" lvl="0" indent="-342900" algn="r" rtl="1">
+              <a:lnSpc>
+                <a:spcPct val="107000"/>
+              </a:lnSpc>
+              <a:spcBef>
+                <a:spcPts val="0"/>
+              </a:spcBef>
+              <a:spcAft>
+                <a:spcPts val="800"/>
+              </a:spcAft>
+              <a:buSzPts val="1000"/>
+              <a:buFont typeface="Symbol" panose="05050102010706020507" pitchFamily="18" charset="2"/>
+              <a:buChar char=""/>
+              <a:tabLst>
+                <a:tab pos="457200" algn="l"/>
+              </a:tabLst>
+            </a:pPr>
+            <a:r>
+              <a:rPr lang="ar-SA" sz="1800" dirty="0">
+                <a:effectLst/>
+                <a:latin typeface="Calibri" panose="020F0502020204030204" pitchFamily="34" charset="0"/>
+                <a:ea typeface="Times New Roman" panose="02020603050405020304" pitchFamily="18" charset="0"/>
+                <a:cs typeface="Times New Roman" panose="02020603050405020304" pitchFamily="18" charset="0"/>
+              </a:rPr>
+              <a:t>برای هر ردیف در رابطه دانشجو</a:t>
+            </a:r>
+            <a:r>
+              <a:rPr lang="en-US" sz="1800" dirty="0">
+                <a:effectLst/>
+                <a:latin typeface="Times New Roman" panose="02020603050405020304" pitchFamily="18" charset="0"/>
+                <a:ea typeface="Times New Roman" panose="02020603050405020304" pitchFamily="18" charset="0"/>
+                <a:cs typeface="Arial" panose="020B0604020202020204" pitchFamily="34" charset="0"/>
+              </a:rPr>
+              <a:t> (student)</a:t>
+            </a:r>
+            <a:r>
+              <a:rPr lang="ar-SA" sz="1800" dirty="0">
+                <a:effectLst/>
+                <a:latin typeface="Calibri" panose="020F0502020204030204" pitchFamily="34" charset="0"/>
+                <a:ea typeface="Times New Roman" panose="02020603050405020304" pitchFamily="18" charset="0"/>
+                <a:cs typeface="Times New Roman" panose="02020603050405020304" pitchFamily="18" charset="0"/>
+              </a:rPr>
+              <a:t>، مقدار ویژگی </a:t>
+            </a:r>
+            <a:r>
+              <a:rPr lang="en-US" sz="1800" b="1" dirty="0" err="1">
+                <a:effectLst/>
+                <a:latin typeface="Times New Roman" panose="02020603050405020304" pitchFamily="18" charset="0"/>
+                <a:ea typeface="Times New Roman" panose="02020603050405020304" pitchFamily="18" charset="0"/>
+                <a:cs typeface="Arial" panose="020B0604020202020204" pitchFamily="34" charset="0"/>
+              </a:rPr>
+              <a:t>tot_cred</a:t>
+            </a:r>
+            <a:r>
+              <a:rPr lang="en-US" sz="1800" dirty="0">
+                <a:effectLst/>
+                <a:latin typeface="Times New Roman" panose="02020603050405020304" pitchFamily="18" charset="0"/>
+                <a:ea typeface="Times New Roman" panose="02020603050405020304" pitchFamily="18" charset="0"/>
+                <a:cs typeface="Arial" panose="020B0604020202020204" pitchFamily="34" charset="0"/>
+              </a:rPr>
+              <a:t> </a:t>
+            </a:r>
+            <a:r>
+              <a:rPr lang="ar-SA" sz="1800" dirty="0">
+                <a:effectLst/>
+                <a:latin typeface="Calibri" panose="020F0502020204030204" pitchFamily="34" charset="0"/>
+                <a:ea typeface="Times New Roman" panose="02020603050405020304" pitchFamily="18" charset="0"/>
+                <a:cs typeface="Times New Roman" panose="02020603050405020304" pitchFamily="18" charset="0"/>
+              </a:rPr>
+              <a:t>باید برابر با مجموع واحدهای درسی باشد که دانشجو با موفقیت گذرانده است</a:t>
+            </a:r>
+            <a:r>
+              <a:rPr lang="en-US" sz="1800" dirty="0">
+                <a:effectLst/>
+                <a:latin typeface="Times New Roman" panose="02020603050405020304" pitchFamily="18" charset="0"/>
+                <a:ea typeface="Times New Roman" panose="02020603050405020304" pitchFamily="18" charset="0"/>
+                <a:cs typeface="Arial" panose="020B0604020202020204" pitchFamily="34" charset="0"/>
+              </a:rPr>
+              <a:t>.</a:t>
+            </a:r>
+            <a:endParaRPr lang="en-US" sz="1800" dirty="0">
+              <a:effectLst/>
+              <a:latin typeface="Calibri" panose="020F0502020204030204" pitchFamily="34" charset="0"/>
+              <a:ea typeface="Calibri" panose="020F0502020204030204" pitchFamily="34" charset="0"/>
+              <a:cs typeface="Arial" panose="020B0604020202020204" pitchFamily="34" charset="0"/>
+            </a:endParaRPr>
+          </a:p>
+          <a:p>
+            <a:pPr marL="342900" marR="0" lvl="0" indent="-342900" algn="r" rtl="1">
+              <a:lnSpc>
+                <a:spcPct val="107000"/>
+              </a:lnSpc>
+              <a:spcBef>
+                <a:spcPts val="0"/>
+              </a:spcBef>
+              <a:spcAft>
+                <a:spcPts val="800"/>
+              </a:spcAft>
+              <a:buSzPts val="1000"/>
+              <a:buFont typeface="Symbol" panose="05050102010706020507" pitchFamily="18" charset="2"/>
+              <a:buChar char=""/>
+              <a:tabLst>
+                <a:tab pos="457200" algn="l"/>
+              </a:tabLst>
+            </a:pPr>
+            <a:r>
+              <a:rPr lang="ar-SA" sz="1800" dirty="0">
+                <a:effectLst/>
+                <a:latin typeface="Calibri" panose="020F0502020204030204" pitchFamily="34" charset="0"/>
+                <a:ea typeface="Times New Roman" panose="02020603050405020304" pitchFamily="18" charset="0"/>
+                <a:cs typeface="Times New Roman" panose="02020603050405020304" pitchFamily="18" charset="0"/>
+              </a:rPr>
+              <a:t>یک استاد نمی‌تواند در یک نیم‌سال در دو کلاس مختلف و در یک بازه زمانی مشابه تدریس کند</a:t>
+            </a:r>
+            <a:r>
+              <a:rPr lang="en-US" sz="1800" dirty="0">
+                <a:effectLst/>
+                <a:latin typeface="Times New Roman" panose="02020603050405020304" pitchFamily="18" charset="0"/>
+                <a:ea typeface="Times New Roman" panose="02020603050405020304" pitchFamily="18" charset="0"/>
+                <a:cs typeface="Arial" panose="020B0604020202020204" pitchFamily="34" charset="0"/>
+              </a:rPr>
+              <a:t>.</a:t>
+            </a:r>
+            <a:endParaRPr lang="en-US" sz="1800" dirty="0">
+              <a:effectLst/>
+              <a:latin typeface="Calibri" panose="020F0502020204030204" pitchFamily="34" charset="0"/>
+              <a:ea typeface="Calibri" panose="020F0502020204030204" pitchFamily="34" charset="0"/>
+              <a:cs typeface="Arial" panose="020B0604020202020204" pitchFamily="34" charset="0"/>
+            </a:endParaRPr>
+          </a:p>
+          <a:p>
+            <a:pPr marL="0" marR="0" algn="r" rtl="1">
+              <a:lnSpc>
+                <a:spcPct val="107000"/>
+              </a:lnSpc>
+              <a:spcBef>
+                <a:spcPts val="0"/>
+              </a:spcBef>
+              <a:spcAft>
+                <a:spcPts val="800"/>
+              </a:spcAft>
+            </a:pPr>
+            <a:r>
+              <a:rPr lang="ar-SA" sz="1800" dirty="0">
+                <a:effectLst/>
+                <a:latin typeface="Calibri" panose="020F0502020204030204" pitchFamily="34" charset="0"/>
+                <a:ea typeface="Times New Roman" panose="02020603050405020304" pitchFamily="18" charset="0"/>
+                <a:cs typeface="Times New Roman" panose="02020603050405020304" pitchFamily="18" charset="0"/>
+              </a:rPr>
+              <a:t>یک ادعا در</a:t>
+            </a:r>
+            <a:r>
+              <a:rPr lang="en-US" sz="1800" dirty="0">
+                <a:effectLst/>
+                <a:latin typeface="Times New Roman" panose="02020603050405020304" pitchFamily="18" charset="0"/>
+                <a:ea typeface="Times New Roman" panose="02020603050405020304" pitchFamily="18" charset="0"/>
+                <a:cs typeface="Arial" panose="020B0604020202020204" pitchFamily="34" charset="0"/>
+              </a:rPr>
+              <a:t> SQL </a:t>
+            </a:r>
+            <a:r>
+              <a:rPr lang="ar-SA" sz="1800" dirty="0">
+                <a:effectLst/>
+                <a:latin typeface="Calibri" panose="020F0502020204030204" pitchFamily="34" charset="0"/>
+                <a:ea typeface="Times New Roman" panose="02020603050405020304" pitchFamily="18" charset="0"/>
+                <a:cs typeface="Times New Roman" panose="02020603050405020304" pitchFamily="18" charset="0"/>
+              </a:rPr>
+              <a:t>به صورت زیر نوشته می‌شود</a:t>
+            </a:r>
+            <a:r>
+              <a:rPr lang="en-US" sz="1800" dirty="0">
+                <a:effectLst/>
+                <a:latin typeface="Times New Roman" panose="02020603050405020304" pitchFamily="18" charset="0"/>
+                <a:ea typeface="Times New Roman" panose="02020603050405020304" pitchFamily="18" charset="0"/>
+                <a:cs typeface="Arial" panose="020B0604020202020204" pitchFamily="34" charset="0"/>
+              </a:rPr>
+              <a:t>:</a:t>
+            </a:r>
+            <a:endParaRPr lang="en-US" sz="1800" dirty="0">
+              <a:effectLst/>
+              <a:latin typeface="Calibri" panose="020F0502020204030204" pitchFamily="34" charset="0"/>
+              <a:ea typeface="Calibri" panose="020F0502020204030204" pitchFamily="34" charset="0"/>
+              <a:cs typeface="Arial" panose="020B0604020202020204" pitchFamily="34" charset="0"/>
+            </a:endParaRPr>
+          </a:p>
+          <a:p>
+            <a:pPr marL="0" marR="0" algn="r" rtl="1">
+              <a:lnSpc>
+                <a:spcPct val="107000"/>
+              </a:lnSpc>
+              <a:spcBef>
+                <a:spcPts val="0"/>
+              </a:spcBef>
+              <a:spcAft>
+                <a:spcPts val="800"/>
+              </a:spcAft>
+            </a:pPr>
+            <a:r>
+              <a:rPr lang="en-US" sz="1800" dirty="0">
+                <a:effectLst/>
+                <a:latin typeface="Calibri" panose="020F0502020204030204" pitchFamily="34" charset="0"/>
+                <a:ea typeface="Calibri" panose="020F0502020204030204" pitchFamily="34" charset="0"/>
+                <a:cs typeface="Arial" panose="020B0604020202020204" pitchFamily="34" charset="0"/>
+              </a:rPr>
+              <a:t> </a:t>
+            </a:r>
+          </a:p>
+          <a:p>
             <a:endParaRPr lang="en-US" dirty="0"/>
           </a:p>
         </p:txBody>
@@ -11996,6 +12287,418 @@
               </a:rPr>
               <a:t>هنگامی که یک پرس و جو یک شیء بزرگ را برمی‌گرداند، به جای خود شیء بزرگ، یک اشاره‌گر برگردانده می‌شود.</a:t>
             </a:r>
+            <a:endParaRPr lang="en-US" altLang="en-US" sz="1400" dirty="0">
+              <a:latin typeface="Times New Roman" panose="02020603050405020304" pitchFamily="18" charset="0"/>
+            </a:endParaRPr>
+          </a:p>
+          <a:p>
+            <a:pPr algn="r" rtl="1"/>
+            <a:endParaRPr lang="en-US" altLang="en-US" sz="1400" dirty="0">
+              <a:latin typeface="Times New Roman" panose="02020603050405020304" pitchFamily="18" charset="0"/>
+            </a:endParaRPr>
+          </a:p>
+          <a:p>
+            <a:r>
+              <a:rPr lang="en-US" b="1" dirty="0"/>
+              <a:t>Types of Large Objects</a:t>
+            </a:r>
+          </a:p>
+          <a:p>
+            <a:pPr>
+              <a:buFont typeface="+mj-lt"/>
+              <a:buAutoNum type="arabicPeriod"/>
+            </a:pPr>
+            <a:r>
+              <a:rPr lang="en-US" b="1" dirty="0"/>
+              <a:t>BLOB (Binary Large Object):</a:t>
+            </a:r>
+            <a:endParaRPr lang="en-US" dirty="0"/>
+          </a:p>
+          <a:p>
+            <a:pPr marL="742950" lvl="1" indent="-285750">
+              <a:buFont typeface="+mj-lt"/>
+              <a:buAutoNum type="arabicPeriod"/>
+            </a:pPr>
+            <a:r>
+              <a:rPr lang="en-US" dirty="0"/>
+              <a:t>A </a:t>
+            </a:r>
+            <a:r>
+              <a:rPr lang="en-US" b="1" dirty="0"/>
+              <a:t>BLOB</a:t>
+            </a:r>
+            <a:r>
+              <a:rPr lang="en-US" dirty="0"/>
+              <a:t> is a large collection of </a:t>
+            </a:r>
+            <a:r>
+              <a:rPr lang="en-US" b="1" dirty="0"/>
+              <a:t>binary data</a:t>
+            </a:r>
+            <a:r>
+              <a:rPr lang="en-US" dirty="0"/>
+              <a:t> that the database does not interpret.</a:t>
+            </a:r>
+          </a:p>
+          <a:p>
+            <a:pPr marL="742950" lvl="1" indent="-285750">
+              <a:buFont typeface="+mj-lt"/>
+              <a:buAutoNum type="arabicPeriod"/>
+            </a:pPr>
+            <a:r>
+              <a:rPr lang="en-US" dirty="0"/>
+              <a:t>Commonly used for storing files such as:</a:t>
+            </a:r>
+          </a:p>
+          <a:p>
+            <a:pPr marL="1143000" lvl="2" indent="-228600">
+              <a:buFont typeface="+mj-lt"/>
+              <a:buAutoNum type="arabicPeriod"/>
+            </a:pPr>
+            <a:r>
+              <a:rPr lang="en-US" dirty="0"/>
+              <a:t>Images (e.g., .</a:t>
+            </a:r>
+            <a:r>
+              <a:rPr lang="en-US" dirty="0" err="1"/>
+              <a:t>png</a:t>
+            </a:r>
+            <a:r>
+              <a:rPr lang="en-US" dirty="0"/>
+              <a:t>, .jpg)</a:t>
+            </a:r>
+          </a:p>
+          <a:p>
+            <a:pPr marL="1143000" lvl="2" indent="-228600">
+              <a:buFont typeface="+mj-lt"/>
+              <a:buAutoNum type="arabicPeriod"/>
+            </a:pPr>
+            <a:r>
+              <a:rPr lang="en-US" dirty="0"/>
+              <a:t>Videos (e.g., .mp4, .mov)</a:t>
+            </a:r>
+          </a:p>
+          <a:p>
+            <a:pPr marL="1143000" lvl="2" indent="-228600">
+              <a:buFont typeface="+mj-lt"/>
+              <a:buAutoNum type="arabicPeriod"/>
+            </a:pPr>
+            <a:r>
+              <a:rPr lang="en-US" dirty="0"/>
+              <a:t>Executables</a:t>
+            </a:r>
+          </a:p>
+          <a:p>
+            <a:pPr marL="1143000" lvl="2" indent="-228600">
+              <a:buFont typeface="+mj-lt"/>
+              <a:buAutoNum type="arabicPeriod"/>
+            </a:pPr>
+            <a:r>
+              <a:rPr lang="en-US" dirty="0"/>
+              <a:t>Any other type of binary data.</a:t>
+            </a:r>
+          </a:p>
+          <a:p>
+            <a:pPr marL="742950" lvl="1" indent="-285750">
+              <a:buFont typeface="+mj-lt"/>
+              <a:buAutoNum type="arabicPeriod"/>
+            </a:pPr>
+            <a:r>
+              <a:rPr lang="en-US" dirty="0"/>
+              <a:t>The data is treated as raw bytes, and its </a:t>
+            </a:r>
+            <a:r>
+              <a:rPr lang="en-US" b="1" dirty="0"/>
+              <a:t>interpretation</a:t>
+            </a:r>
+            <a:r>
+              <a:rPr lang="en-US" dirty="0"/>
+              <a:t> is left entirely to the application or user interacting with the database.</a:t>
+            </a:r>
+          </a:p>
+          <a:p>
+            <a:pPr>
+              <a:buFont typeface="+mj-lt"/>
+              <a:buAutoNum type="arabicPeriod"/>
+            </a:pPr>
+            <a:r>
+              <a:rPr lang="en-US" b="1" dirty="0"/>
+              <a:t>CLOB (Character Large Object):</a:t>
+            </a:r>
+            <a:endParaRPr lang="en-US" dirty="0"/>
+          </a:p>
+          <a:p>
+            <a:pPr marL="742950" lvl="1" indent="-285750">
+              <a:buFont typeface="+mj-lt"/>
+              <a:buAutoNum type="arabicPeriod"/>
+            </a:pPr>
+            <a:r>
+              <a:rPr lang="en-US" dirty="0"/>
+              <a:t>A </a:t>
+            </a:r>
+            <a:r>
+              <a:rPr lang="en-US" b="1" dirty="0"/>
+              <a:t>CLOB</a:t>
+            </a:r>
+            <a:r>
+              <a:rPr lang="en-US" dirty="0"/>
+              <a:t> is a large collection of </a:t>
+            </a:r>
+            <a:r>
+              <a:rPr lang="en-US" b="1" dirty="0"/>
+              <a:t>character data</a:t>
+            </a:r>
+            <a:r>
+              <a:rPr lang="en-US" dirty="0"/>
+              <a:t>, typically </a:t>
+            </a:r>
+            <a:r>
+              <a:rPr lang="en-US" b="1" dirty="0"/>
+              <a:t>textual content.</a:t>
+            </a:r>
+          </a:p>
+          <a:p>
+            <a:pPr marL="742950" lvl="1" indent="-285750">
+              <a:buFont typeface="+mj-lt"/>
+              <a:buAutoNum type="arabicPeriod"/>
+            </a:pPr>
+            <a:r>
+              <a:rPr lang="en-US" dirty="0"/>
+              <a:t>Commonly used for storing:</a:t>
+            </a:r>
+          </a:p>
+          <a:p>
+            <a:pPr marL="1143000" lvl="2" indent="-228600">
+              <a:buFont typeface="+mj-lt"/>
+              <a:buAutoNum type="arabicPeriod"/>
+            </a:pPr>
+            <a:r>
+              <a:rPr lang="en-US" dirty="0"/>
+              <a:t>Documents (e.g., .txt, .docx)</a:t>
+            </a:r>
+          </a:p>
+          <a:p>
+            <a:pPr marL="1143000" lvl="2" indent="-228600">
+              <a:buFont typeface="+mj-lt"/>
+              <a:buAutoNum type="arabicPeriod"/>
+            </a:pPr>
+            <a:r>
+              <a:rPr lang="en-US" dirty="0"/>
+              <a:t>Articles</a:t>
+            </a:r>
+          </a:p>
+          <a:p>
+            <a:pPr marL="1143000" lvl="2" indent="-228600">
+              <a:buFont typeface="+mj-lt"/>
+              <a:buAutoNum type="arabicPeriod"/>
+            </a:pPr>
+            <a:r>
+              <a:rPr lang="en-US" dirty="0"/>
+              <a:t>Logs or extensive descriptions.</a:t>
+            </a:r>
+          </a:p>
+          <a:p>
+            <a:pPr marL="742950" lvl="1" indent="-285750">
+              <a:buFont typeface="+mj-lt"/>
+              <a:buAutoNum type="arabicPeriod"/>
+            </a:pPr>
+            <a:r>
+              <a:rPr lang="en-US" dirty="0"/>
+              <a:t>Unlike a BLOB, the database can handle the content as character data (e.g., encoding, searching).</a:t>
+            </a:r>
+          </a:p>
+          <a:p>
+            <a:pPr marL="742950" lvl="1" indent="-285750">
+              <a:buFont typeface="+mj-lt"/>
+              <a:buAutoNum type="arabicPeriod"/>
+            </a:pPr>
+            <a:endParaRPr lang="en-US" dirty="0"/>
+          </a:p>
+          <a:p>
+            <a:r>
+              <a:rPr lang="en-US" b="1" dirty="0"/>
+              <a:t>Storage:</a:t>
+            </a:r>
+          </a:p>
+          <a:p>
+            <a:pPr>
+              <a:buFont typeface="Arial" panose="020B0604020202020204" pitchFamily="34" charset="0"/>
+              <a:buChar char="•"/>
+            </a:pPr>
+            <a:r>
+              <a:rPr lang="en-US" dirty="0"/>
+              <a:t>Large objects are usually stored </a:t>
+            </a:r>
+            <a:r>
+              <a:rPr lang="en-US" b="1" dirty="0"/>
+              <a:t>outside the main table</a:t>
+            </a:r>
+            <a:r>
+              <a:rPr lang="en-US" dirty="0"/>
+              <a:t> where other structured data resides. Instead of placing the entire content within a table's row:</a:t>
+            </a:r>
+          </a:p>
+          <a:p>
+            <a:pPr marL="742950" lvl="1" indent="-285750">
+              <a:buFont typeface="Arial" panose="020B0604020202020204" pitchFamily="34" charset="0"/>
+              <a:buChar char="•"/>
+            </a:pPr>
+            <a:r>
+              <a:rPr lang="en-US" dirty="0"/>
+              <a:t>A </a:t>
+            </a:r>
+            <a:r>
+              <a:rPr lang="en-US" b="1" dirty="0"/>
+              <a:t>pointer/reference</a:t>
+            </a:r>
+            <a:r>
+              <a:rPr lang="en-US" dirty="0"/>
+              <a:t> to the large object's location in storage is kept in the table.</a:t>
+            </a:r>
+          </a:p>
+          <a:p>
+            <a:pPr marL="742950" lvl="1" indent="-285750">
+              <a:buFont typeface="Arial" panose="020B0604020202020204" pitchFamily="34" charset="0"/>
+              <a:buChar char="•"/>
+            </a:pPr>
+            <a:r>
+              <a:rPr lang="en-US" dirty="0"/>
+              <a:t>The actual object is stored in a specialized storage area optimized for handling large files.</a:t>
+            </a:r>
+          </a:p>
+          <a:p>
+            <a:pPr marL="742950" lvl="1" indent="-285750">
+              <a:buFont typeface="Arial" panose="020B0604020202020204" pitchFamily="34" charset="0"/>
+              <a:buChar char="•"/>
+            </a:pPr>
+            <a:endParaRPr lang="en-US" dirty="0"/>
+          </a:p>
+          <a:p>
+            <a:r>
+              <a:rPr lang="en-US" b="1" dirty="0"/>
+              <a:t>Why Use a Pointer?</a:t>
+            </a:r>
+          </a:p>
+          <a:p>
+            <a:pPr lvl="1">
+              <a:buFont typeface="Arial" panose="020B0604020202020204" pitchFamily="34" charset="0"/>
+              <a:buChar char="•"/>
+            </a:pPr>
+            <a:r>
+              <a:rPr lang="en-US" b="1" dirty="0"/>
+              <a:t>Efficiency</a:t>
+            </a:r>
+            <a:r>
+              <a:rPr lang="en-US" dirty="0"/>
+              <a:t>:</a:t>
+            </a:r>
+            <a:br>
+              <a:rPr lang="en-US" dirty="0"/>
+            </a:br>
+            <a:r>
+              <a:rPr lang="en-US" dirty="0"/>
+              <a:t>	Large objects can be extremely resource-intensive to handle, transfer, and process. Returning the actual object with a query could slow down performance significantly.</a:t>
+            </a:r>
+          </a:p>
+          <a:p>
+            <a:pPr lvl="1">
+              <a:buFont typeface="Arial" panose="020B0604020202020204" pitchFamily="34" charset="0"/>
+              <a:buChar char="•"/>
+            </a:pPr>
+            <a:r>
+              <a:rPr lang="en-US" b="1" dirty="0"/>
+              <a:t>Memory Usage</a:t>
+            </a:r>
+            <a:r>
+              <a:rPr lang="en-US" dirty="0"/>
+              <a:t>:</a:t>
+            </a:r>
+            <a:br>
+              <a:rPr lang="en-US" dirty="0"/>
+            </a:br>
+            <a:r>
+              <a:rPr lang="en-US" dirty="0"/>
+              <a:t>	Storing and transferring pointers (small references) instead of the actual data reduces memory consumption and network load.</a:t>
+            </a:r>
+          </a:p>
+          <a:p>
+            <a:pPr lvl="1">
+              <a:buFont typeface="Arial" panose="020B0604020202020204" pitchFamily="34" charset="0"/>
+              <a:buChar char="•"/>
+            </a:pPr>
+            <a:r>
+              <a:rPr lang="en-US" b="1" dirty="0"/>
+              <a:t>Flexibility</a:t>
+            </a:r>
+            <a:r>
+              <a:rPr lang="en-US" dirty="0"/>
+              <a:t>:</a:t>
+            </a:r>
+            <a:br>
+              <a:rPr lang="en-US" dirty="0"/>
+            </a:br>
+            <a:r>
+              <a:rPr lang="en-US" dirty="0"/>
+              <a:t>	Applications can fetch the large object when needed, avoiding unnecessary data transfer.</a:t>
+            </a:r>
+          </a:p>
+          <a:p>
+            <a:pPr lvl="1"/>
+            <a:r>
+              <a:rPr lang="en-US" b="1" dirty="0"/>
+              <a:t>Query Behavior:</a:t>
+            </a:r>
+          </a:p>
+          <a:p>
+            <a:pPr lvl="2">
+              <a:buFont typeface="Arial" panose="020B0604020202020204" pitchFamily="34" charset="0"/>
+              <a:buChar char="•"/>
+            </a:pPr>
+            <a:r>
+              <a:rPr lang="en-US" dirty="0"/>
+              <a:t>When a query involving a large object is executed:</a:t>
+            </a:r>
+          </a:p>
+          <a:p>
+            <a:pPr marL="1200150" lvl="2" indent="-285750">
+              <a:buFont typeface="Arial" panose="020B0604020202020204" pitchFamily="34" charset="0"/>
+              <a:buChar char="•"/>
+            </a:pPr>
+            <a:r>
+              <a:rPr lang="en-US" dirty="0"/>
+              <a:t>The query retrieves and returns a </a:t>
+            </a:r>
+            <a:r>
+              <a:rPr lang="en-US" b="1" dirty="0"/>
+              <a:t>pointer</a:t>
+            </a:r>
+            <a:r>
+              <a:rPr lang="en-US" dirty="0"/>
+              <a:t> (or reference) to the large object rather than the object itself.</a:t>
+            </a:r>
+          </a:p>
+          <a:p>
+            <a:pPr marL="1200150" lvl="2" indent="-285750">
+              <a:buFont typeface="Arial" panose="020B0604020202020204" pitchFamily="34" charset="0"/>
+              <a:buChar char="•"/>
+            </a:pPr>
+            <a:r>
+              <a:rPr lang="en-US" dirty="0"/>
+              <a:t>The application accessing the database uses this pointer to fetch the object only when required.</a:t>
+            </a:r>
+          </a:p>
+          <a:p>
+            <a:pPr marL="742950" lvl="1" indent="-285750">
+              <a:buFont typeface="+mj-lt"/>
+              <a:buAutoNum type="arabicPeriod"/>
+            </a:pPr>
+            <a:endParaRPr lang="en-US" dirty="0"/>
+          </a:p>
+          <a:p>
+            <a:pPr algn="l" rtl="0"/>
+            <a:endParaRPr lang="fa-IR" altLang="en-US" sz="1400" dirty="0">
+              <a:latin typeface="Times New Roman" panose="02020603050405020304" pitchFamily="18" charset="0"/>
+            </a:endParaRPr>
           </a:p>
         </p:txBody>
       </p:sp>
@@ -13716,6 +14419,601 @@
       </p:grpSpPr>
       <p:sp>
         <p:nvSpPr>
+          <p:cNvPr id="2" name="Slide Image Placeholder 1"/>
+          <p:cNvSpPr>
+            <a:spLocks noGrp="1" noRot="1" noChangeAspect="1"/>
+          </p:cNvSpPr>
+          <p:nvPr>
+            <p:ph type="sldImg"/>
+          </p:nvPr>
+        </p:nvSpPr>
+        <p:spPr/>
+      </p:sp>
+      <p:sp>
+        <p:nvSpPr>
+          <p:cNvPr id="3" name="Notes Placeholder 2"/>
+          <p:cNvSpPr>
+            <a:spLocks noGrp="1"/>
+          </p:cNvSpPr>
+          <p:nvPr>
+            <p:ph type="body" idx="1"/>
+          </p:nvPr>
+        </p:nvSpPr>
+        <p:spPr/>
+        <p:txBody>
+          <a:bodyPr/>
+          <a:lstStyle/>
+          <a:p>
+            <a:pPr>
+              <a:buFont typeface="Arial" panose="020B0604020202020204" pitchFamily="34" charset="0"/>
+              <a:buChar char="•"/>
+            </a:pPr>
+            <a:r>
+              <a:rPr lang="en-US" b="1" dirty="0" err="1"/>
+              <a:t>geo_staff</a:t>
+            </a:r>
+            <a:r>
+              <a:rPr lang="en-US" b="1" dirty="0"/>
+              <a:t> Does Not Have Permissions on instructor</a:t>
+            </a:r>
+          </a:p>
+          <a:p>
+            <a:pPr lvl="1">
+              <a:buFont typeface="Arial" panose="020B0604020202020204" pitchFamily="34" charset="0"/>
+              <a:buChar char="•"/>
+            </a:pPr>
+            <a:r>
+              <a:rPr lang="en-US" dirty="0"/>
+              <a:t>When </a:t>
+            </a:r>
+            <a:r>
+              <a:rPr lang="en-US" dirty="0" err="1"/>
+              <a:t>geo_staff</a:t>
+            </a:r>
+            <a:r>
+              <a:rPr lang="en-US" dirty="0"/>
+              <a:t> queries </a:t>
+            </a:r>
+            <a:r>
+              <a:rPr lang="en-US" dirty="0" err="1"/>
+              <a:t>geo_instructor</a:t>
+            </a:r>
+            <a:r>
+              <a:rPr lang="en-US" dirty="0"/>
+              <a:t>, the </a:t>
+            </a:r>
+            <a:r>
+              <a:rPr lang="en-US" b="1" dirty="0"/>
+              <a:t>database checks the permissions of the view’s creator</a:t>
+            </a:r>
+            <a:r>
+              <a:rPr lang="en-US" dirty="0"/>
+              <a:t>, not the </a:t>
+            </a:r>
+            <a:r>
+              <a:rPr lang="en-US" dirty="0" err="1"/>
+              <a:t>geo_staff</a:t>
+            </a:r>
+            <a:r>
+              <a:rPr lang="en-US" dirty="0"/>
+              <a:t> user, to access the instructor table.</a:t>
+            </a:r>
+          </a:p>
+          <a:p>
+            <a:pPr lvl="1">
+              <a:buFont typeface="Arial" panose="020B0604020202020204" pitchFamily="34" charset="0"/>
+              <a:buChar char="•"/>
+            </a:pPr>
+            <a:endParaRPr lang="en-US" dirty="0"/>
+          </a:p>
+          <a:p>
+            <a:pPr lvl="1">
+              <a:buFont typeface="Arial" panose="020B0604020202020204" pitchFamily="34" charset="0"/>
+              <a:buChar char="•"/>
+            </a:pPr>
+            <a:r>
+              <a:rPr lang="en-US" b="1" dirty="0"/>
+              <a:t>If the creator of the view has SELECT permissions on instructor</a:t>
+            </a:r>
+            <a:r>
+              <a:rPr lang="en-US" dirty="0"/>
+              <a:t>:</a:t>
+            </a:r>
+            <a:br>
+              <a:rPr lang="en-US" dirty="0"/>
+            </a:br>
+            <a:r>
+              <a:rPr lang="en-US" dirty="0"/>
+              <a:t>	The query will </a:t>
+            </a:r>
+            <a:r>
+              <a:rPr lang="en-US" b="1" dirty="0"/>
+              <a:t>succeed</a:t>
+            </a:r>
+            <a:r>
+              <a:rPr lang="en-US" dirty="0"/>
+              <a:t>. The </a:t>
+            </a:r>
+            <a:r>
+              <a:rPr lang="en-US" dirty="0" err="1"/>
+              <a:t>geo_staff</a:t>
+            </a:r>
+            <a:r>
+              <a:rPr lang="en-US" dirty="0"/>
+              <a:t> member will see the rows of the view (</a:t>
+            </a:r>
+            <a:r>
+              <a:rPr lang="en-US" dirty="0" err="1"/>
+              <a:t>geo_instructor</a:t>
+            </a:r>
+            <a:r>
+              <a:rPr lang="en-US" dirty="0"/>
+              <a:t>) without requiring direct access to the instructor table.</a:t>
+            </a:r>
+          </a:p>
+          <a:p>
+            <a:pPr lvl="1">
+              <a:buFont typeface="Arial" panose="020B0604020202020204" pitchFamily="34" charset="0"/>
+              <a:buChar char="•"/>
+            </a:pPr>
+            <a:endParaRPr lang="en-US" dirty="0"/>
+          </a:p>
+          <a:p>
+            <a:pPr lvl="1">
+              <a:buFont typeface="Arial" panose="020B0604020202020204" pitchFamily="34" charset="0"/>
+              <a:buChar char="•"/>
+            </a:pPr>
+            <a:r>
+              <a:rPr lang="en-US" b="1" dirty="0"/>
+              <a:t>If the creator of the view does not have SELECT permissions on instructor</a:t>
+            </a:r>
+            <a:r>
+              <a:rPr lang="en-US" dirty="0"/>
+              <a:t>:</a:t>
+            </a:r>
+            <a:br>
+              <a:rPr lang="en-US" dirty="0"/>
+            </a:br>
+            <a:r>
+              <a:rPr lang="en-US" dirty="0"/>
+              <a:t>The query will fail, even if </a:t>
+            </a:r>
+            <a:r>
+              <a:rPr lang="en-US" dirty="0" err="1"/>
+              <a:t>geo_staff</a:t>
+            </a:r>
+            <a:r>
+              <a:rPr lang="en-US" dirty="0"/>
+              <a:t> has access to the view, because the underlying data access is blocked</a:t>
+            </a:r>
+          </a:p>
+          <a:p>
+            <a:pPr lvl="1">
+              <a:buFont typeface="Arial" panose="020B0604020202020204" pitchFamily="34" charset="0"/>
+              <a:buChar char="•"/>
+            </a:pPr>
+            <a:endParaRPr lang="en-US" dirty="0"/>
+          </a:p>
+          <a:p>
+            <a:pPr>
+              <a:buFont typeface="Arial" panose="020B0604020202020204" pitchFamily="34" charset="0"/>
+              <a:buChar char="•"/>
+            </a:pPr>
+            <a:endParaRPr lang="en-US" dirty="0"/>
+          </a:p>
+          <a:p>
+            <a:endParaRPr lang="en-US" dirty="0"/>
+          </a:p>
+        </p:txBody>
+      </p:sp>
+      <p:sp>
+        <p:nvSpPr>
+          <p:cNvPr id="4" name="Slide Number Placeholder 3"/>
+          <p:cNvSpPr>
+            <a:spLocks noGrp="1"/>
+          </p:cNvSpPr>
+          <p:nvPr>
+            <p:ph type="sldNum" sz="quarter" idx="5"/>
+          </p:nvPr>
+        </p:nvSpPr>
+        <p:spPr/>
+        <p:txBody>
+          <a:bodyPr/>
+          <a:lstStyle/>
+          <a:p>
+            <a:pPr>
+              <a:defRPr/>
+            </a:pPr>
+            <a:fld id="{AE66C03C-4B0E-4149-8287-A3B340EB818D}" type="slidenum">
+              <a:rPr lang="en-US" altLang="en-US" smtClean="0"/>
+              <a:pPr>
+                <a:defRPr/>
+              </a:pPr>
+              <a:t>60</a:t>
+            </a:fld>
+            <a:endParaRPr lang="en-US" altLang="en-US"/>
+          </a:p>
+        </p:txBody>
+      </p:sp>
+    </p:spTree>
+    <p:extLst>
+      <p:ext uri="{BB962C8B-B14F-4D97-AF65-F5344CB8AC3E}">
+        <p14:creationId xmlns:p14="http://schemas.microsoft.com/office/powerpoint/2010/main" val="1872888079"/>
+      </p:ext>
+    </p:extLst>
+  </p:cSld>
+  <p:clrMapOvr>
+    <a:masterClrMapping/>
+  </p:clrMapOvr>
+</p:notes>
+</file>
+
+<file path=ppt/notesSlides/notesSlide52.xml><?xml version="1.0" encoding="utf-8"?>
+<p:notes xmlns:a="http://schemas.openxmlformats.org/drawingml/2006/main" xmlns:r="http://schemas.openxmlformats.org/officeDocument/2006/relationships" xmlns:p="http://schemas.openxmlformats.org/presentationml/2006/main">
+  <p:cSld>
+    <p:spTree>
+      <p:nvGrpSpPr>
+        <p:cNvPr id="1" name=""/>
+        <p:cNvGrpSpPr/>
+        <p:nvPr/>
+      </p:nvGrpSpPr>
+      <p:grpSpPr>
+        <a:xfrm>
+          <a:off x="0" y="0"/>
+          <a:ext cx="0" cy="0"/>
+          <a:chOff x="0" y="0"/>
+          <a:chExt cx="0" cy="0"/>
+        </a:xfrm>
+      </p:grpSpPr>
+      <p:sp>
+        <p:nvSpPr>
+          <p:cNvPr id="2" name="Slide Image Placeholder 1"/>
+          <p:cNvSpPr>
+            <a:spLocks noGrp="1" noRot="1" noChangeAspect="1"/>
+          </p:cNvSpPr>
+          <p:nvPr>
+            <p:ph type="sldImg"/>
+          </p:nvPr>
+        </p:nvSpPr>
+        <p:spPr/>
+      </p:sp>
+      <p:sp>
+        <p:nvSpPr>
+          <p:cNvPr id="3" name="Notes Placeholder 2"/>
+          <p:cNvSpPr>
+            <a:spLocks noGrp="1"/>
+          </p:cNvSpPr>
+          <p:nvPr>
+            <p:ph type="body" idx="1"/>
+          </p:nvPr>
+        </p:nvSpPr>
+        <p:spPr/>
+        <p:txBody>
+          <a:bodyPr/>
+          <a:lstStyle/>
+          <a:p>
+            <a:r>
+              <a:rPr lang="en-US" dirty="0"/>
+              <a:t>GRANT REFERENCES (</a:t>
+            </a:r>
+            <a:r>
+              <a:rPr lang="en-US" dirty="0" err="1"/>
+              <a:t>dept_name</a:t>
+            </a:r>
+            <a:r>
+              <a:rPr lang="en-US" dirty="0"/>
+              <a:t>) ON department TO Mariano;</a:t>
+            </a:r>
+            <a:endParaRPr lang="en-US" b="1" dirty="0"/>
+          </a:p>
+          <a:p>
+            <a:pPr lvl="1"/>
+            <a:r>
+              <a:rPr lang="en-US" b="1" dirty="0"/>
+              <a:t>Purpose</a:t>
+            </a:r>
+            <a:r>
+              <a:rPr lang="en-US" dirty="0"/>
+              <a:t>:</a:t>
+            </a:r>
+          </a:p>
+          <a:p>
+            <a:pPr lvl="1">
+              <a:buFont typeface="Arial" panose="020B0604020202020204" pitchFamily="34" charset="0"/>
+              <a:buChar char="•"/>
+            </a:pPr>
+            <a:r>
+              <a:rPr lang="en-US" dirty="0"/>
+              <a:t>The REFERENCES privilege allows a user (in this case, Mariano) to create a </a:t>
+            </a:r>
+            <a:r>
+              <a:rPr lang="en-US" b="1" dirty="0"/>
+              <a:t>foreign key</a:t>
+            </a:r>
+            <a:r>
+              <a:rPr lang="en-US" dirty="0"/>
+              <a:t> that references the specified column (</a:t>
+            </a:r>
+            <a:r>
+              <a:rPr lang="en-US" dirty="0" err="1"/>
+              <a:t>dept_name</a:t>
+            </a:r>
+            <a:r>
+              <a:rPr lang="en-US" dirty="0"/>
+              <a:t>) in the department table.</a:t>
+            </a:r>
+          </a:p>
+          <a:p>
+            <a:pPr lvl="1">
+              <a:buFont typeface="Arial" panose="020B0604020202020204" pitchFamily="34" charset="0"/>
+              <a:buChar char="•"/>
+            </a:pPr>
+            <a:r>
+              <a:rPr lang="en-US" dirty="0"/>
+              <a:t>Without this privilege, Mariano cannot define a foreign key constraint referencing the </a:t>
+            </a:r>
+            <a:r>
+              <a:rPr lang="en-US" dirty="0" err="1"/>
+              <a:t>dept_name</a:t>
+            </a:r>
+            <a:r>
+              <a:rPr lang="en-US" dirty="0"/>
+              <a:t> column.</a:t>
+            </a:r>
+          </a:p>
+          <a:p>
+            <a:endParaRPr lang="en-US" dirty="0"/>
+          </a:p>
+          <a:p>
+            <a:r>
+              <a:rPr lang="en-US" dirty="0"/>
+              <a:t>REVOKE SELECT ON department FROM Amit, Satoshi CASCADE;</a:t>
+            </a:r>
+          </a:p>
+          <a:p>
+            <a:r>
+              <a:rPr lang="en-US" dirty="0"/>
+              <a:t>	Revokes the SELECT privilege from Amit and Satoshi </a:t>
+            </a:r>
+            <a:r>
+              <a:rPr lang="en-US" b="1" dirty="0"/>
+              <a:t>and any users who received the privilege from them</a:t>
+            </a:r>
+            <a:r>
+              <a:rPr lang="en-US" dirty="0"/>
+              <a:t>.</a:t>
+            </a:r>
+          </a:p>
+          <a:p>
+            <a:r>
+              <a:rPr lang="en-US" b="1" dirty="0"/>
+              <a:t>	CASCADE</a:t>
+            </a:r>
+            <a:r>
+              <a:rPr lang="en-US" dirty="0"/>
+              <a:t> ensures that the revocation propagates, removing permissions for all indirect recipients of the privilege.</a:t>
+            </a:r>
+          </a:p>
+          <a:p>
+            <a:endParaRPr lang="en-US" dirty="0"/>
+          </a:p>
+          <a:p>
+            <a:r>
+              <a:rPr lang="en-US" dirty="0"/>
+              <a:t>REVOKE SELECT ON department FROM Amit, Satoshi RESTRICT;</a:t>
+            </a:r>
+          </a:p>
+          <a:p>
+            <a:r>
+              <a:rPr lang="en-US" dirty="0"/>
+              <a:t>	Attempts to revoke the SELECT privilege from Amit and Satoshi.</a:t>
+            </a:r>
+          </a:p>
+          <a:p>
+            <a:r>
+              <a:rPr lang="en-US" b="1" dirty="0"/>
+              <a:t>	RESTRICT</a:t>
+            </a:r>
+            <a:r>
+              <a:rPr lang="en-US" dirty="0"/>
+              <a:t> prevents the revocation if there are users who have received the privilege from Amit or Satoshi. This maintains the hierarchy of granted privileges.</a:t>
+            </a:r>
+          </a:p>
+          <a:p>
+            <a:endParaRPr lang="en-US" altLang="en-US" sz="1200" b="1" dirty="0"/>
+          </a:p>
+          <a:p>
+            <a:r>
+              <a:rPr lang="en-US" altLang="en-US" sz="1200" b="1" dirty="0"/>
+              <a:t>grant select on </a:t>
+            </a:r>
+            <a:r>
+              <a:rPr lang="en-US" altLang="en-US" sz="1200" i="1" dirty="0"/>
+              <a:t>department </a:t>
+            </a:r>
+            <a:r>
+              <a:rPr lang="en-US" altLang="en-US" sz="1200" b="1" dirty="0"/>
+              <a:t>to </a:t>
+            </a:r>
+            <a:r>
+              <a:rPr lang="en-US" altLang="en-US" sz="1200" dirty="0"/>
+              <a:t>Amit </a:t>
+            </a:r>
+            <a:r>
+              <a:rPr lang="en-US" altLang="en-US" sz="1200" b="1" dirty="0"/>
+              <a:t>with grant option</a:t>
+            </a:r>
+            <a:r>
+              <a:rPr lang="en-US" altLang="en-US" sz="1200" dirty="0"/>
+              <a:t>; </a:t>
+            </a:r>
+          </a:p>
+          <a:p>
+            <a:pPr lvl="1"/>
+            <a:r>
+              <a:rPr lang="en-US" altLang="en-US" sz="1200" dirty="0"/>
+              <a:t>Means that Amit can transfer his grant to other users</a:t>
+            </a:r>
+          </a:p>
+          <a:p>
+            <a:endParaRPr lang="en-US" dirty="0"/>
+          </a:p>
+          <a:p>
+            <a:endParaRPr lang="en-US" dirty="0"/>
+          </a:p>
+        </p:txBody>
+      </p:sp>
+      <p:sp>
+        <p:nvSpPr>
+          <p:cNvPr id="4" name="Slide Number Placeholder 3"/>
+          <p:cNvSpPr>
+            <a:spLocks noGrp="1"/>
+          </p:cNvSpPr>
+          <p:nvPr>
+            <p:ph type="sldNum" sz="quarter" idx="5"/>
+          </p:nvPr>
+        </p:nvSpPr>
+        <p:spPr/>
+        <p:txBody>
+          <a:bodyPr/>
+          <a:lstStyle/>
+          <a:p>
+            <a:pPr>
+              <a:defRPr/>
+            </a:pPr>
+            <a:fld id="{AE66C03C-4B0E-4149-8287-A3B340EB818D}" type="slidenum">
+              <a:rPr lang="en-US" altLang="en-US" smtClean="0"/>
+              <a:pPr>
+                <a:defRPr/>
+              </a:pPr>
+              <a:t>61</a:t>
+            </a:fld>
+            <a:endParaRPr lang="en-US" altLang="en-US"/>
+          </a:p>
+        </p:txBody>
+      </p:sp>
+    </p:spTree>
+    <p:extLst>
+      <p:ext uri="{BB962C8B-B14F-4D97-AF65-F5344CB8AC3E}">
+        <p14:creationId xmlns:p14="http://schemas.microsoft.com/office/powerpoint/2010/main" val="4230277325"/>
+      </p:ext>
+    </p:extLst>
+  </p:cSld>
+  <p:clrMapOvr>
+    <a:masterClrMapping/>
+  </p:clrMapOvr>
+</p:notes>
+</file>
+
+<file path=ppt/notesSlides/notesSlide53.xml><?xml version="1.0" encoding="utf-8"?>
+<p:notes xmlns:a="http://schemas.openxmlformats.org/drawingml/2006/main" xmlns:r="http://schemas.openxmlformats.org/officeDocument/2006/relationships" xmlns:p="http://schemas.openxmlformats.org/presentationml/2006/main">
+  <p:cSld>
+    <p:spTree>
+      <p:nvGrpSpPr>
+        <p:cNvPr id="1" name=""/>
+        <p:cNvGrpSpPr/>
+        <p:nvPr/>
+      </p:nvGrpSpPr>
+      <p:grpSpPr>
+        <a:xfrm>
+          <a:off x="0" y="0"/>
+          <a:ext cx="0" cy="0"/>
+          <a:chOff x="0" y="0"/>
+          <a:chExt cx="0" cy="0"/>
+        </a:xfrm>
+      </p:grpSpPr>
+      <p:sp>
+        <p:nvSpPr>
+          <p:cNvPr id="2" name="Slide Image Placeholder 1"/>
+          <p:cNvSpPr>
+            <a:spLocks noGrp="1" noRot="1" noChangeAspect="1"/>
+          </p:cNvSpPr>
+          <p:nvPr>
+            <p:ph type="sldImg"/>
+          </p:nvPr>
+        </p:nvSpPr>
+        <p:spPr/>
+      </p:sp>
+      <p:sp>
+        <p:nvSpPr>
+          <p:cNvPr id="3" name="Notes Placeholder 2"/>
+          <p:cNvSpPr>
+            <a:spLocks noGrp="1"/>
+          </p:cNvSpPr>
+          <p:nvPr>
+            <p:ph type="body" idx="1"/>
+          </p:nvPr>
+        </p:nvSpPr>
+        <p:spPr/>
+        <p:txBody>
+          <a:bodyPr/>
+          <a:lstStyle/>
+          <a:p>
+            <a:endParaRPr lang="en-US" dirty="0"/>
+          </a:p>
+        </p:txBody>
+      </p:sp>
+      <p:sp>
+        <p:nvSpPr>
+          <p:cNvPr id="4" name="Slide Number Placeholder 3"/>
+          <p:cNvSpPr>
+            <a:spLocks noGrp="1"/>
+          </p:cNvSpPr>
+          <p:nvPr>
+            <p:ph type="sldNum" sz="quarter" idx="5"/>
+          </p:nvPr>
+        </p:nvSpPr>
+        <p:spPr/>
+        <p:txBody>
+          <a:bodyPr/>
+          <a:lstStyle/>
+          <a:p>
+            <a:pPr>
+              <a:defRPr/>
+            </a:pPr>
+            <a:fld id="{AE66C03C-4B0E-4149-8287-A3B340EB818D}" type="slidenum">
+              <a:rPr lang="en-US" altLang="en-US" smtClean="0"/>
+              <a:pPr>
+                <a:defRPr/>
+              </a:pPr>
+              <a:t>62</a:t>
+            </a:fld>
+            <a:endParaRPr lang="en-US" altLang="en-US"/>
+          </a:p>
+        </p:txBody>
+      </p:sp>
+    </p:spTree>
+    <p:extLst>
+      <p:ext uri="{BB962C8B-B14F-4D97-AF65-F5344CB8AC3E}">
+        <p14:creationId xmlns:p14="http://schemas.microsoft.com/office/powerpoint/2010/main" val="3549195070"/>
+      </p:ext>
+    </p:extLst>
+  </p:cSld>
+  <p:clrMapOvr>
+    <a:masterClrMapping/>
+  </p:clrMapOvr>
+</p:notes>
+</file>
+
+<file path=ppt/notesSlides/notesSlide54.xml><?xml version="1.0" encoding="utf-8"?>
+<p:notes xmlns:a="http://schemas.openxmlformats.org/drawingml/2006/main" xmlns:r="http://schemas.openxmlformats.org/officeDocument/2006/relationships" xmlns:p="http://schemas.openxmlformats.org/presentationml/2006/main">
+  <p:cSld>
+    <p:spTree>
+      <p:nvGrpSpPr>
+        <p:cNvPr id="1" name=""/>
+        <p:cNvGrpSpPr/>
+        <p:nvPr/>
+      </p:nvGrpSpPr>
+      <p:grpSpPr>
+        <a:xfrm>
+          <a:off x="0" y="0"/>
+          <a:ext cx="0" cy="0"/>
+          <a:chOff x="0" y="0"/>
+          <a:chExt cx="0" cy="0"/>
+        </a:xfrm>
+      </p:grpSpPr>
+      <p:sp>
+        <p:nvSpPr>
           <p:cNvPr id="91138" name="Rectangle 7"/>
           <p:cNvSpPr>
             <a:spLocks noGrp="1" noChangeArrowheads="1"/>
@@ -13860,7 +15158,7 @@
             <a:fld id="{2ACED373-63CE-4F43-BE90-54DF58F8F5BB}" type="slidenum">
               <a:rPr lang="en-US" altLang="en-US" sz="1200"/>
               <a:pPr/>
-              <a:t>62</a:t>
+              <a:t>64</a:t>
             </a:fld>
             <a:endParaRPr lang="en-US" altLang="en-US" sz="1200"/>
           </a:p>
@@ -26825,7 +28123,7 @@
         <p:spPr>
           <a:xfrm>
             <a:off x="293914" y="1262743"/>
-            <a:ext cx="8139871" cy="3443370"/>
+            <a:ext cx="8327572" cy="5246914"/>
           </a:xfrm>
         </p:spPr>
         <p:txBody>
@@ -26863,10 +28161,39 @@
               <a:t>:</a:t>
             </a:r>
           </a:p>
+        </p:txBody>
+      </p:sp>
+      <p:sp>
+        <p:nvSpPr>
+          <p:cNvPr id="5" name="TextBox 4">
+            <a:extLst>
+              <a:ext uri="{FF2B5EF4-FFF2-40B4-BE49-F238E27FC236}">
+                <a16:creationId xmlns:a16="http://schemas.microsoft.com/office/drawing/2014/main" id="{56586D7B-0F81-4261-AEAD-888FF67700C7}"/>
+              </a:ext>
+            </a:extLst>
+          </p:cNvPr>
+          <p:cNvSpPr txBox="1"/>
+          <p:nvPr/>
+        </p:nvSpPr>
+        <p:spPr>
+          <a:xfrm>
+            <a:off x="293914" y="3799114"/>
+            <a:ext cx="8501743" cy="2246769"/>
+          </a:xfrm>
+          <a:prstGeom prst="rect">
+            <a:avLst/>
+          </a:prstGeom>
+          <a:noFill/>
+        </p:spPr>
+        <p:txBody>
+          <a:bodyPr wrap="square">
+            <a:spAutoFit/>
+          </a:bodyPr>
+          <a:lstStyle/>
           <a:p>
             <a:r>
               <a:rPr lang="en-US" altLang="en-US" sz="2800" dirty="0"/>
-              <a:t>If relations used in the query are updated, the materialized view result becomes out of date</a:t>
+              <a:t>Challenge: If relations used in the query are updated, the materialized view result becomes out of date</a:t>
             </a:r>
           </a:p>
           <a:p>
@@ -26895,6 +28222,92 @@
   <p:clrMapOvr>
     <a:masterClrMapping/>
   </p:clrMapOvr>
+  <p:timing>
+    <p:tnLst>
+      <p:par>
+        <p:cTn id="1" dur="indefinite" restart="never" nodeType="tmRoot">
+          <p:childTnLst>
+            <p:seq concurrent="1" nextAc="seek">
+              <p:cTn id="2" dur="indefinite" nodeType="mainSeq">
+                <p:childTnLst>
+                  <p:par>
+                    <p:cTn id="3" fill="hold">
+                      <p:stCondLst>
+                        <p:cond delay="indefinite"/>
+                      </p:stCondLst>
+                      <p:childTnLst>
+                        <p:par>
+                          <p:cTn id="4" fill="hold">
+                            <p:stCondLst>
+                              <p:cond delay="0"/>
+                            </p:stCondLst>
+                            <p:childTnLst>
+                              <p:par>
+                                <p:cTn id="5" presetID="10" presetClass="entr" presetSubtype="0" fill="hold" grpId="0" nodeType="clickEffect">
+                                  <p:stCondLst>
+                                    <p:cond delay="0"/>
+                                  </p:stCondLst>
+                                  <p:childTnLst>
+                                    <p:set>
+                                      <p:cBhvr>
+                                        <p:cTn id="6" dur="1" fill="hold">
+                                          <p:stCondLst>
+                                            <p:cond delay="0"/>
+                                          </p:stCondLst>
+                                        </p:cTn>
+                                        <p:tgtEl>
+                                          <p:spTgt spid="5"/>
+                                        </p:tgtEl>
+                                        <p:attrNameLst>
+                                          <p:attrName>style.visibility</p:attrName>
+                                        </p:attrNameLst>
+                                      </p:cBhvr>
+                                      <p:to>
+                                        <p:strVal val="visible"/>
+                                      </p:to>
+                                    </p:set>
+                                    <p:animEffect transition="in" filter="fade">
+                                      <p:cBhvr>
+                                        <p:cTn id="7" dur="500"/>
+                                        <p:tgtEl>
+                                          <p:spTgt spid="5"/>
+                                        </p:tgtEl>
+                                      </p:cBhvr>
+                                    </p:animEffect>
+                                  </p:childTnLst>
+                                </p:cTn>
+                              </p:par>
+                            </p:childTnLst>
+                          </p:cTn>
+                        </p:par>
+                      </p:childTnLst>
+                    </p:cTn>
+                  </p:par>
+                </p:childTnLst>
+              </p:cTn>
+              <p:prevCondLst>
+                <p:cond evt="onPrev" delay="0">
+                  <p:tgtEl>
+                    <p:sldTgt/>
+                  </p:tgtEl>
+                </p:cond>
+              </p:prevCondLst>
+              <p:nextCondLst>
+                <p:cond evt="onNext" delay="0">
+                  <p:tgtEl>
+                    <p:sldTgt/>
+                  </p:tgtEl>
+                </p:cond>
+              </p:nextCondLst>
+            </p:seq>
+          </p:childTnLst>
+        </p:cTn>
+      </p:par>
+    </p:tnLst>
+    <p:bldLst>
+      <p:bldP spid="5" grpId="0"/>
+    </p:bldLst>
+  </p:timing>
 </p:sld>
 </file>
 
@@ -26954,8 +28367,8 @@
         </p:nvSpPr>
         <p:spPr>
           <a:xfrm>
-            <a:off x="768351" y="1106488"/>
-            <a:ext cx="7595362" cy="4952936"/>
+            <a:off x="141514" y="1099457"/>
+            <a:ext cx="8926286" cy="5257800"/>
           </a:xfrm>
         </p:spPr>
         <p:txBody>
@@ -26968,18 +28381,18 @@
               </a:tabLst>
             </a:pPr>
             <a:r>
-              <a:rPr lang="en-US" altLang="en-US" dirty="0"/>
+              <a:rPr lang="en-US" altLang="en-US" sz="2400" dirty="0"/>
               <a:t>Add a new tuple to </a:t>
             </a:r>
             <a:r>
-              <a:rPr lang="en-US" altLang="en-US" i="1" dirty="0"/>
+              <a:rPr lang="en-US" altLang="en-US" sz="2400" i="1" dirty="0"/>
               <a:t>faculty </a:t>
             </a:r>
             <a:r>
-              <a:rPr lang="en-US" altLang="en-US" dirty="0"/>
+              <a:rPr lang="en-US" altLang="en-US" sz="2400" dirty="0"/>
               <a:t>view which we defined earlier</a:t>
             </a:r>
-            <a:endParaRPr lang="en-US" altLang="en-US" b="1" dirty="0"/>
+            <a:endParaRPr lang="en-US" altLang="en-US" sz="2400" b="1" dirty="0"/>
           </a:p>
           <a:p>
             <a:pPr>
@@ -26990,15 +28403,15 @@
               </a:tabLst>
             </a:pPr>
             <a:r>
-              <a:rPr lang="en-US" altLang="en-US" dirty="0"/>
+              <a:rPr lang="en-US" altLang="en-US" sz="2400" dirty="0"/>
               <a:t>		</a:t>
             </a:r>
             <a:r>
-              <a:rPr lang="en-US" altLang="en-US" b="1" dirty="0"/>
+              <a:rPr lang="en-US" altLang="en-US" sz="2400" b="1" dirty="0"/>
               <a:t>insert into </a:t>
             </a:r>
             <a:r>
-              <a:rPr lang="en-US" altLang="en-US" i="1" dirty="0"/>
+              <a:rPr lang="en-US" altLang="en-US" sz="2400" i="1" dirty="0"/>
               <a:t>faculty </a:t>
             </a:r>
           </a:p>
@@ -27011,15 +28424,15 @@
               </a:tabLst>
             </a:pPr>
             <a:r>
-              <a:rPr lang="en-US" altLang="en-US" b="1" i="1" dirty="0"/>
+              <a:rPr lang="en-US" altLang="en-US" sz="2400" b="1" i="1" dirty="0"/>
               <a:t>                       </a:t>
             </a:r>
             <a:r>
-              <a:rPr lang="en-US" altLang="en-US" b="1" dirty="0"/>
+              <a:rPr lang="en-US" altLang="en-US" sz="2400" b="1" dirty="0"/>
               <a:t>values </a:t>
             </a:r>
             <a:r>
-              <a:rPr lang="en-US" altLang="en-US" dirty="0"/>
+              <a:rPr lang="en-US" altLang="en-US" sz="2400" dirty="0"/>
               <a:t>('30765', 'Green', 'Music');</a:t>
             </a:r>
           </a:p>
@@ -27030,15 +28443,15 @@
               </a:tabLst>
             </a:pPr>
             <a:r>
-              <a:rPr lang="en-US" altLang="en-US" dirty="0"/>
+              <a:rPr lang="en-US" altLang="en-US" sz="2400" dirty="0"/>
               <a:t>This insertion must be represented by the insertion into  the </a:t>
             </a:r>
             <a:r>
-              <a:rPr lang="en-US" altLang="en-US" i="1" dirty="0"/>
+              <a:rPr lang="en-US" altLang="en-US" sz="2400" i="1" dirty="0"/>
               <a:t>instructor</a:t>
             </a:r>
             <a:r>
-              <a:rPr lang="en-US" altLang="en-US" dirty="0"/>
+              <a:rPr lang="en-US" altLang="en-US" sz="2400" dirty="0"/>
               <a:t> relation</a:t>
             </a:r>
           </a:p>
@@ -27049,7 +28462,7 @@
               </a:tabLst>
             </a:pPr>
             <a:r>
-              <a:rPr lang="en-US" altLang="en-US" dirty="0">
+              <a:rPr lang="en-US" altLang="en-US" sz="2400" dirty="0">
                 <a:cs typeface="+mn-cs"/>
               </a:rPr>
               <a:t>Must have a  value for salary attribute in the table.</a:t>
@@ -27062,7 +28475,7 @@
               </a:tabLst>
             </a:pPr>
             <a:r>
-              <a:rPr lang="en-US" altLang="en-US" dirty="0">
+              <a:rPr lang="en-US" altLang="en-US" sz="2400" dirty="0">
                 <a:cs typeface="+mn-cs"/>
               </a:rPr>
               <a:t>Two approaches</a:t>
@@ -27075,7 +28488,7 @@
               </a:tabLst>
             </a:pPr>
             <a:r>
-              <a:rPr lang="en-US" altLang="en-US" b="1" dirty="0">
+              <a:rPr lang="en-US" altLang="en-US" sz="2400" b="1" dirty="0">
                 <a:cs typeface="+mn-cs"/>
               </a:rPr>
               <a:t>Reject the insert</a:t>
@@ -27088,7 +28501,7 @@
               </a:tabLst>
             </a:pPr>
             <a:r>
-              <a:rPr lang="en-US" altLang="en-US" b="1" dirty="0">
+              <a:rPr lang="en-US" altLang="en-US" sz="2400" b="1" dirty="0">
                 <a:cs typeface="+mn-cs"/>
               </a:rPr>
               <a:t>Insert the tuple</a:t>
@@ -27103,7 +28516,7 @@
               </a:tabLst>
             </a:pPr>
             <a:r>
-              <a:rPr lang="en-US" altLang="en-US" b="1" dirty="0"/>
+              <a:rPr lang="en-US" altLang="en-US" sz="2400" b="1" dirty="0"/>
               <a:t>			('30765', 'Green', 'Music', null)</a:t>
             </a:r>
           </a:p>
@@ -27116,19 +28529,19 @@
               </a:tabLst>
             </a:pPr>
             <a:r>
-              <a:rPr lang="en-US" altLang="en-US" dirty="0"/>
+              <a:rPr lang="en-US" altLang="en-US" sz="2400" dirty="0"/>
               <a:t>	      </a:t>
             </a:r>
             <a:r>
-              <a:rPr lang="en-US" altLang="en-US" b="1" dirty="0"/>
+              <a:rPr lang="en-US" altLang="en-US" sz="2400" b="1" dirty="0"/>
               <a:t>into the </a:t>
             </a:r>
             <a:r>
-              <a:rPr lang="en-US" altLang="en-US" b="1" i="1" dirty="0"/>
+              <a:rPr lang="en-US" altLang="en-US" sz="2400" b="1" i="1" dirty="0"/>
               <a:t>instructor</a:t>
             </a:r>
             <a:r>
-              <a:rPr lang="en-US" altLang="en-US" b="1" dirty="0"/>
+              <a:rPr lang="en-US" altLang="en-US" sz="2400" b="1" dirty="0"/>
               <a:t> relation</a:t>
             </a:r>
           </a:p>
@@ -27140,7 +28553,7 @@
                 <a:tab pos="1085850" algn="l"/>
               </a:tabLst>
             </a:pPr>
-            <a:endParaRPr lang="en-US" altLang="en-US" sz="2800" dirty="0"/>
+            <a:endParaRPr lang="en-US" altLang="en-US" sz="3200" dirty="0"/>
           </a:p>
         </p:txBody>
       </p:sp>
@@ -27476,70 +28889,70 @@
           <a:lstStyle/>
           <a:p>
             <a:r>
-              <a:rPr lang="en-US" altLang="en-US" sz="1700" b="1" dirty="0"/>
+              <a:rPr lang="en-US" altLang="en-US" sz="2800" b="1" dirty="0"/>
               <a:t>create view </a:t>
             </a:r>
             <a:r>
-              <a:rPr lang="en-US" altLang="en-US" sz="1700" i="1" dirty="0" err="1"/>
+              <a:rPr lang="en-US" altLang="en-US" sz="2800" i="1" dirty="0" err="1"/>
               <a:t>history_instructors</a:t>
             </a:r>
             <a:r>
-              <a:rPr lang="en-US" altLang="en-US" sz="1700" i="1" dirty="0"/>
+              <a:rPr lang="en-US" altLang="en-US" sz="2800" i="1" dirty="0"/>
               <a:t> </a:t>
             </a:r>
             <a:r>
-              <a:rPr lang="en-US" altLang="en-US" sz="1700" b="1" dirty="0"/>
+              <a:rPr lang="en-US" altLang="en-US" sz="2800" b="1" dirty="0"/>
               <a:t>as</a:t>
             </a:r>
             <a:br>
-              <a:rPr lang="en-US" altLang="en-US" sz="1700" b="1" dirty="0"/>
+              <a:rPr lang="en-US" altLang="en-US" sz="2800" b="1" dirty="0"/>
             </a:br>
             <a:r>
-              <a:rPr lang="en-US" altLang="en-US" sz="1700" b="1" dirty="0"/>
+              <a:rPr lang="en-US" altLang="en-US" sz="2800" b="1" dirty="0"/>
               <a:t>   select </a:t>
             </a:r>
             <a:r>
-              <a:rPr lang="en-US" altLang="en-US" sz="1700" dirty="0"/>
+              <a:rPr lang="en-US" altLang="en-US" sz="2800" dirty="0"/>
               <a:t>*</a:t>
             </a:r>
             <a:br>
-              <a:rPr lang="en-US" altLang="en-US" sz="1700" dirty="0"/>
+              <a:rPr lang="en-US" altLang="en-US" sz="2800" dirty="0"/>
             </a:br>
             <a:r>
-              <a:rPr lang="en-US" altLang="en-US" sz="1700" dirty="0"/>
+              <a:rPr lang="en-US" altLang="en-US" sz="2800" dirty="0"/>
               <a:t>   </a:t>
             </a:r>
             <a:r>
-              <a:rPr lang="en-US" altLang="en-US" sz="1700" b="1" dirty="0"/>
+              <a:rPr lang="en-US" altLang="en-US" sz="2800" b="1" dirty="0"/>
               <a:t>from </a:t>
             </a:r>
             <a:r>
-              <a:rPr lang="en-US" altLang="en-US" sz="1700" i="1" dirty="0"/>
+              <a:rPr lang="en-US" altLang="en-US" sz="2800" i="1" dirty="0"/>
               <a:t>instructor</a:t>
             </a:r>
             <a:br>
-              <a:rPr lang="en-US" altLang="en-US" sz="1700" i="1" dirty="0"/>
+              <a:rPr lang="en-US" altLang="en-US" sz="2800" i="1" dirty="0"/>
             </a:br>
             <a:r>
-              <a:rPr lang="en-US" altLang="en-US" sz="1700" i="1" dirty="0"/>
+              <a:rPr lang="en-US" altLang="en-US" sz="2800" i="1" dirty="0"/>
               <a:t>   </a:t>
             </a:r>
             <a:r>
-              <a:rPr lang="en-US" altLang="en-US" sz="1700" b="1" dirty="0"/>
+              <a:rPr lang="en-US" altLang="en-US" sz="2800" b="1" dirty="0"/>
               <a:t>where </a:t>
             </a:r>
             <a:r>
-              <a:rPr lang="en-US" altLang="en-US" sz="1700" i="1" dirty="0"/>
+              <a:rPr lang="en-US" altLang="en-US" sz="2800" i="1" dirty="0"/>
               <a:t>dept_name</a:t>
             </a:r>
             <a:r>
-              <a:rPr lang="en-US" altLang="en-US" sz="1700" dirty="0"/>
+              <a:rPr lang="en-US" altLang="en-US" sz="2800" dirty="0"/>
               <a:t>= 'History';</a:t>
             </a:r>
           </a:p>
           <a:p>
             <a:r>
-              <a:rPr lang="en-US" altLang="en-US" sz="1700" dirty="0"/>
+              <a:rPr lang="en-US" altLang="en-US" sz="2800" dirty="0"/>
               <a:t>What happens if we insert </a:t>
             </a:r>
           </a:p>
@@ -27548,7 +28961,7 @@
               <a:buNone/>
             </a:pPr>
             <a:r>
-              <a:rPr lang="en-US" altLang="en-US" sz="1700" dirty="0"/>
+              <a:rPr lang="en-US" altLang="en-US" sz="2800" dirty="0"/>
               <a:t>           ('25566', 'Brown', 'Biology', 100000)</a:t>
             </a:r>
           </a:p>
@@ -27557,18 +28970,18 @@
               <a:buNone/>
             </a:pPr>
             <a:r>
-              <a:rPr lang="en-US" altLang="en-US" sz="1700" dirty="0"/>
+              <a:rPr lang="en-US" altLang="en-US" sz="2800" dirty="0"/>
               <a:t>       into </a:t>
             </a:r>
             <a:r>
-              <a:rPr lang="en-US" altLang="en-US" sz="1700" i="1" dirty="0" err="1"/>
+              <a:rPr lang="en-US" altLang="en-US" sz="2800" i="1" dirty="0" err="1"/>
               <a:t>history_instructors</a:t>
             </a:r>
             <a:r>
-              <a:rPr lang="en-US" altLang="en-US" sz="1700" i="1" dirty="0"/>
+              <a:rPr lang="en-US" altLang="en-US" sz="2800" i="1" dirty="0"/>
               <a:t>?</a:t>
             </a:r>
-            <a:endParaRPr lang="en-US" altLang="en-US" sz="1700" dirty="0"/>
+            <a:endParaRPr lang="en-US" altLang="en-US" sz="2800" dirty="0"/>
           </a:p>
         </p:txBody>
       </p:sp>
@@ -27646,7 +29059,11 @@
           <a:p>
             <a:r>
               <a:rPr lang="en-US" altLang="en-US" sz="2400" dirty="0"/>
-              <a:t>Most SQL implementations allow updates only on simple views </a:t>
+              <a:t>Most SQL implementations allow updates </a:t>
+            </a:r>
+            <a:r>
+              <a:rPr lang="en-US" altLang="en-US" sz="2400" b="1" dirty="0"/>
+              <a:t>only on simple views </a:t>
             </a:r>
           </a:p>
           <a:p>
@@ -27661,7 +29078,15 @@
             </a:r>
             <a:r>
               <a:rPr lang="en-US" altLang="en-US" sz="2400" dirty="0"/>
-              <a:t>clause has only one database relation.</a:t>
+              <a:t>clause</a:t>
+            </a:r>
+            <a:r>
+              <a:rPr lang="en-US" altLang="en-US" sz="2400" b="1" dirty="0"/>
+              <a:t> has only one database relation</a:t>
+            </a:r>
+            <a:r>
+              <a:rPr lang="en-US" altLang="en-US" sz="2400" dirty="0"/>
+              <a:t>.</a:t>
             </a:r>
           </a:p>
           <a:p>
@@ -27676,7 +29101,15 @@
             </a:r>
             <a:r>
               <a:rPr lang="en-US" altLang="en-US" sz="2400" dirty="0"/>
-              <a:t>clause contains only attribute names of the relation, and does not have any expressions, aggregates, or </a:t>
+              <a:t>clause contains only attribute names of the relation, and does </a:t>
+            </a:r>
+            <a:r>
+              <a:rPr lang="en-US" altLang="en-US" sz="2400" b="1" dirty="0"/>
+              <a:t>not have any expressions, aggregates, </a:t>
+            </a:r>
+            <a:r>
+              <a:rPr lang="en-US" altLang="en-US" sz="2400" dirty="0"/>
+              <a:t>or </a:t>
             </a:r>
             <a:r>
               <a:rPr lang="en-US" altLang="en-US" sz="2400" b="1" dirty="0"/>
@@ -27798,8 +29231,8 @@
         </p:nvSpPr>
         <p:spPr>
           <a:xfrm>
-            <a:off x="304800" y="1028700"/>
-            <a:ext cx="8425543" cy="5263243"/>
+            <a:off x="0" y="957942"/>
+            <a:ext cx="8937171" cy="5453743"/>
           </a:xfrm>
         </p:spPr>
         <p:txBody>
@@ -27807,11 +29240,11 @@
           <a:lstStyle/>
           <a:p>
             <a:r>
-              <a:rPr lang="en-US" altLang="en-US" dirty="0"/>
+              <a:rPr lang="en-US" altLang="en-US" sz="2400" dirty="0"/>
               <a:t>A</a:t>
             </a:r>
             <a:r>
-              <a:rPr lang="en-US" altLang="en-US" b="1" dirty="0">
+              <a:rPr lang="en-US" altLang="en-US" sz="2400" b="1" dirty="0">
                 <a:solidFill>
                   <a:srgbClr val="002060"/>
                 </a:solidFill>
@@ -27819,26 +29252,26 @@
               <a:t>  transaction </a:t>
             </a:r>
             <a:r>
-              <a:rPr lang="en-US" altLang="en-US" dirty="0"/>
+              <a:rPr lang="en-US" altLang="en-US" sz="2400" dirty="0"/>
               <a:t>consists of a sequence of query and/or update statements and is a “unit” of work</a:t>
             </a:r>
           </a:p>
           <a:p>
             <a:r>
-              <a:rPr lang="en-US" altLang="en-US" dirty="0"/>
+              <a:rPr lang="en-US" altLang="en-US" sz="2400" dirty="0"/>
               <a:t>The SQL standard specifies that a transaction begins implicitly when an SQL statement is executed.  </a:t>
             </a:r>
           </a:p>
           <a:p>
             <a:r>
-              <a:rPr lang="en-US" altLang="en-US" dirty="0"/>
+              <a:rPr lang="en-US" altLang="en-US" sz="2400" dirty="0"/>
               <a:t>The transaction must end with one of the following statements:</a:t>
             </a:r>
           </a:p>
           <a:p>
             <a:pPr lvl="1"/>
             <a:r>
-              <a:rPr lang="en-US" altLang="en-US" b="1" dirty="0">
+              <a:rPr lang="en-US" altLang="en-US" sz="2400" b="1" dirty="0">
                 <a:solidFill>
                   <a:srgbClr val="002060"/>
                 </a:solidFill>
@@ -27846,14 +29279,14 @@
               <a:t>Commit work</a:t>
             </a:r>
             <a:r>
-              <a:rPr lang="en-US" altLang="en-US" dirty="0"/>
+              <a:rPr lang="en-US" altLang="en-US" sz="2400" dirty="0"/>
               <a:t>. The updates performed by the transaction become permanent in the database. </a:t>
             </a:r>
           </a:p>
           <a:p>
             <a:pPr lvl="1"/>
             <a:r>
-              <a:rPr lang="en-US" altLang="en-US" b="1" dirty="0">
+              <a:rPr lang="en-US" altLang="en-US" sz="2400" b="1" dirty="0">
                 <a:solidFill>
                   <a:srgbClr val="002060"/>
                 </a:solidFill>
@@ -27861,31 +29294,28 @@
               <a:t>Rollback work</a:t>
             </a:r>
             <a:r>
-              <a:rPr lang="en-US" altLang="en-US" dirty="0"/>
+              <a:rPr lang="en-US" altLang="en-US" sz="2400" dirty="0"/>
               <a:t>. All  the updates performed by the SQL statements in the transaction are undone.</a:t>
             </a:r>
           </a:p>
           <a:p>
             <a:r>
-              <a:rPr lang="en-US" altLang="en-US" dirty="0"/>
+              <a:rPr lang="en-US" altLang="en-US" sz="2400" dirty="0"/>
               <a:t>Atomic transaction</a:t>
             </a:r>
           </a:p>
           <a:p>
             <a:pPr lvl="1"/>
             <a:r>
-              <a:rPr lang="en-US" altLang="en-US" dirty="0"/>
+              <a:rPr lang="en-US" altLang="en-US" sz="2400" dirty="0"/>
               <a:t>either fully executed or rolled back as if it never occurred</a:t>
             </a:r>
           </a:p>
           <a:p>
             <a:r>
-              <a:rPr lang="en-US" altLang="en-US" dirty="0"/>
+              <a:rPr lang="en-US" altLang="en-US" sz="2400" dirty="0"/>
               <a:t>Isolation from concurrent transactions</a:t>
             </a:r>
-          </a:p>
-          <a:p>
-            <a:endParaRPr lang="en-US" altLang="en-US" sz="2800" dirty="0"/>
           </a:p>
         </p:txBody>
       </p:sp>
@@ -27962,37 +29392,37 @@
           <a:lstStyle/>
           <a:p>
             <a:r>
-              <a:rPr lang="en-US" altLang="en-US" dirty="0"/>
+              <a:rPr lang="en-US" altLang="en-US" sz="2400" dirty="0"/>
               <a:t>Integrity constraints guard against accidental damage to the database, by ensuring that authorized changes to the database do not result in a loss of data consistency. </a:t>
             </a:r>
           </a:p>
           <a:p>
             <a:pPr lvl="1"/>
             <a:r>
-              <a:rPr lang="en-US" altLang="en-US" dirty="0"/>
+              <a:rPr lang="en-US" altLang="en-US" sz="2400" dirty="0"/>
               <a:t>A checking account must have a balance greater than $10,000.00</a:t>
             </a:r>
           </a:p>
           <a:p>
             <a:pPr lvl="1"/>
             <a:r>
-              <a:rPr lang="en-US" altLang="en-US" dirty="0"/>
+              <a:rPr lang="en-US" altLang="en-US" sz="2400" dirty="0"/>
               <a:t>A salary of a bank employee must be at least $4.00 an hour</a:t>
             </a:r>
           </a:p>
           <a:p>
             <a:pPr lvl="1"/>
             <a:r>
-              <a:rPr lang="en-US" altLang="en-US" dirty="0"/>
+              <a:rPr lang="en-US" altLang="en-US" sz="2400" dirty="0"/>
               <a:t>A customer must have a (non-null) phone number</a:t>
             </a:r>
           </a:p>
           <a:p>
             <a:pPr lvl="1"/>
-            <a:endParaRPr lang="en-US" altLang="en-US" dirty="0"/>
-          </a:p>
-          <a:p>
-            <a:endParaRPr lang="en-US" altLang="en-US" dirty="0"/>
+            <a:endParaRPr lang="en-US" altLang="en-US" sz="2400" dirty="0"/>
+          </a:p>
+          <a:p>
+            <a:endParaRPr lang="en-US" altLang="en-US" sz="2400" dirty="0"/>
           </a:p>
         </p:txBody>
       </p:sp>
@@ -29207,8 +30637,8 @@
         </p:nvSpPr>
         <p:spPr>
           <a:xfrm>
-            <a:off x="146958" y="1086358"/>
-            <a:ext cx="8192180" cy="4692650"/>
+            <a:off x="146957" y="1086358"/>
+            <a:ext cx="8518071" cy="5238242"/>
           </a:xfrm>
         </p:spPr>
         <p:txBody>
@@ -29225,7 +30655,11 @@
             </a:r>
             <a:r>
               <a:rPr lang="en-US" altLang="en-US" dirty="0"/>
-              <a:t>(P) clause specifies a predicate P that must be satisfied by every tuple in a relation.</a:t>
+              <a:t>(P) clause specifies a </a:t>
+            </a:r>
+            <a:r>
+              <a:rPr lang="en-US" altLang="en-US" b="1" dirty="0"/>
+              <a:t>predicate P that must be satisfied by every tuple in a relation.</a:t>
             </a:r>
           </a:p>
           <a:p>
@@ -30320,8 +31754,8 @@
         </p:nvSpPr>
         <p:spPr>
           <a:xfrm>
-            <a:off x="772358" y="1130365"/>
-            <a:ext cx="7706647" cy="4843716"/>
+            <a:off x="283030" y="1001486"/>
+            <a:ext cx="8195976" cy="4972595"/>
           </a:xfrm>
         </p:spPr>
         <p:txBody>
@@ -30329,7 +31763,7 @@
           <a:lstStyle/>
           <a:p>
             <a:r>
-              <a:rPr lang="en-US" altLang="en-US" sz="1800" dirty="0"/>
+              <a:rPr lang="en-US" altLang="en-US" dirty="0"/>
               <a:t>Consider:</a:t>
             </a:r>
           </a:p>
@@ -30339,180 +31773,180 @@
               <a:buNone/>
             </a:pPr>
             <a:r>
-              <a:rPr lang="en-US" altLang="en-US" sz="1800" b="1" dirty="0"/>
+              <a:rPr lang="en-US" altLang="en-US" b="1" dirty="0"/>
               <a:t>      create table </a:t>
             </a:r>
             <a:r>
-              <a:rPr lang="en-US" altLang="en-US" sz="1800" i="1" dirty="0"/>
+              <a:rPr lang="en-US" altLang="en-US" i="1" dirty="0"/>
               <a:t>person </a:t>
             </a:r>
             <a:r>
-              <a:rPr lang="en-US" altLang="en-US" sz="1800" dirty="0"/>
+              <a:rPr lang="en-US" altLang="en-US" dirty="0"/>
               <a:t>(</a:t>
             </a:r>
             <a:br>
-              <a:rPr lang="en-US" altLang="en-US" sz="1800" dirty="0"/>
+              <a:rPr lang="en-US" altLang="en-US" dirty="0"/>
             </a:br>
             <a:r>
-              <a:rPr lang="en-US" altLang="en-US" sz="1800" dirty="0"/>
+              <a:rPr lang="en-US" altLang="en-US" dirty="0"/>
               <a:t>	     </a:t>
             </a:r>
             <a:r>
-              <a:rPr lang="en-US" altLang="en-US" sz="1800" i="1" dirty="0"/>
+              <a:rPr lang="en-US" altLang="en-US" i="1" dirty="0"/>
               <a:t>ID</a:t>
             </a:r>
             <a:r>
-              <a:rPr lang="en-US" altLang="en-US" sz="1800" dirty="0"/>
+              <a:rPr lang="en-US" altLang="en-US" dirty="0"/>
               <a:t>  </a:t>
             </a:r>
             <a:r>
-              <a:rPr lang="en-US" altLang="en-US" sz="1800" b="1" dirty="0"/>
+              <a:rPr lang="en-US" altLang="en-US" b="1" dirty="0"/>
               <a:t>char</a:t>
             </a:r>
             <a:r>
-              <a:rPr lang="en-US" altLang="en-US" sz="1800" dirty="0"/>
+              <a:rPr lang="en-US" altLang="en-US" dirty="0"/>
               <a:t>(10),</a:t>
             </a:r>
             <a:br>
-              <a:rPr lang="en-US" altLang="en-US" sz="1800" dirty="0"/>
+              <a:rPr lang="en-US" altLang="en-US" dirty="0"/>
             </a:br>
             <a:r>
-              <a:rPr lang="en-US" altLang="en-US" sz="1800" dirty="0"/>
+              <a:rPr lang="en-US" altLang="en-US" dirty="0"/>
               <a:t>        </a:t>
             </a:r>
             <a:r>
-              <a:rPr lang="en-US" altLang="en-US" sz="1800" i="1" dirty="0"/>
+              <a:rPr lang="en-US" altLang="en-US" i="1" dirty="0"/>
               <a:t>name </a:t>
             </a:r>
             <a:r>
-              <a:rPr lang="en-US" altLang="en-US" sz="1800" b="1" dirty="0"/>
+              <a:rPr lang="en-US" altLang="en-US" b="1" dirty="0"/>
               <a:t>char</a:t>
             </a:r>
             <a:r>
-              <a:rPr lang="en-US" altLang="en-US" sz="1800" dirty="0"/>
+              <a:rPr lang="en-US" altLang="en-US" dirty="0"/>
               <a:t>(40),</a:t>
             </a:r>
             <a:br>
-              <a:rPr lang="en-US" altLang="en-US" sz="1800" dirty="0"/>
+              <a:rPr lang="en-US" altLang="en-US" dirty="0"/>
             </a:br>
             <a:r>
-              <a:rPr lang="en-US" altLang="en-US" sz="1800" dirty="0"/>
+              <a:rPr lang="en-US" altLang="en-US" dirty="0"/>
               <a:t>        </a:t>
             </a:r>
             <a:r>
-              <a:rPr lang="en-US" altLang="en-US" sz="1800" i="1" dirty="0"/>
+              <a:rPr lang="en-US" altLang="en-US" i="1" dirty="0"/>
               <a:t>mother</a:t>
             </a:r>
             <a:r>
-              <a:rPr lang="en-US" altLang="en-US" sz="1800" dirty="0"/>
+              <a:rPr lang="en-US" altLang="en-US" dirty="0"/>
               <a:t> </a:t>
             </a:r>
             <a:r>
-              <a:rPr lang="en-US" altLang="en-US" sz="1800" b="1" dirty="0"/>
+              <a:rPr lang="en-US" altLang="en-US" b="1" dirty="0"/>
               <a:t>char</a:t>
             </a:r>
             <a:r>
-              <a:rPr lang="en-US" altLang="en-US" sz="1800" dirty="0"/>
+              <a:rPr lang="en-US" altLang="en-US" dirty="0"/>
               <a:t>(10),</a:t>
             </a:r>
             <a:br>
-              <a:rPr lang="en-US" altLang="en-US" sz="1800" dirty="0"/>
+              <a:rPr lang="en-US" altLang="en-US" dirty="0"/>
             </a:br>
             <a:r>
-              <a:rPr lang="en-US" altLang="en-US" sz="1800" dirty="0"/>
+              <a:rPr lang="en-US" altLang="en-US" dirty="0"/>
               <a:t>        </a:t>
             </a:r>
             <a:r>
-              <a:rPr lang="en-US" altLang="en-US" sz="1800" i="1" dirty="0"/>
+              <a:rPr lang="en-US" altLang="en-US" i="1" dirty="0"/>
               <a:t>father </a:t>
             </a:r>
             <a:r>
-              <a:rPr lang="en-US" altLang="en-US" sz="1800" b="1" dirty="0"/>
+              <a:rPr lang="en-US" altLang="en-US" b="1" dirty="0"/>
               <a:t> char</a:t>
             </a:r>
             <a:r>
-              <a:rPr lang="en-US" altLang="en-US" sz="1800" dirty="0"/>
+              <a:rPr lang="en-US" altLang="en-US" dirty="0"/>
               <a:t>(10),</a:t>
             </a:r>
             <a:br>
-              <a:rPr lang="en-US" altLang="en-US" sz="1800" dirty="0"/>
+              <a:rPr lang="en-US" altLang="en-US" dirty="0"/>
             </a:br>
             <a:r>
-              <a:rPr lang="en-US" altLang="en-US" sz="1800" dirty="0"/>
+              <a:rPr lang="en-US" altLang="en-US" dirty="0"/>
               <a:t>        </a:t>
             </a:r>
             <a:r>
-              <a:rPr lang="en-US" altLang="en-US" sz="1800" b="1" dirty="0"/>
+              <a:rPr lang="en-US" altLang="en-US" b="1" dirty="0"/>
               <a:t>primary key</a:t>
             </a:r>
             <a:r>
-              <a:rPr lang="en-US" altLang="en-US" sz="1800" i="1" dirty="0"/>
+              <a:rPr lang="en-US" altLang="en-US" i="1" dirty="0"/>
               <a:t> ID,</a:t>
             </a:r>
             <a:br>
-              <a:rPr lang="en-US" altLang="en-US" sz="1800" i="1" dirty="0"/>
+              <a:rPr lang="en-US" altLang="en-US" i="1" dirty="0"/>
             </a:br>
             <a:r>
-              <a:rPr lang="en-US" altLang="en-US" sz="1800" i="1" dirty="0"/>
+              <a:rPr lang="en-US" altLang="en-US" i="1" dirty="0"/>
               <a:t>        </a:t>
             </a:r>
             <a:r>
-              <a:rPr lang="en-US" altLang="en-US" sz="1800" b="1" dirty="0"/>
+              <a:rPr lang="en-US" altLang="en-US" b="1" dirty="0"/>
               <a:t>foreign key </a:t>
             </a:r>
             <a:r>
-              <a:rPr lang="en-US" altLang="en-US" sz="1800" i="1" dirty="0"/>
+              <a:rPr lang="en-US" altLang="en-US" i="1" dirty="0"/>
               <a:t>father</a:t>
             </a:r>
             <a:r>
-              <a:rPr lang="en-US" altLang="en-US" sz="1800" b="1" dirty="0"/>
+              <a:rPr lang="en-US" altLang="en-US" b="1" dirty="0"/>
               <a:t> references </a:t>
             </a:r>
             <a:r>
-              <a:rPr lang="en-US" altLang="en-US" sz="1800" i="1" dirty="0"/>
+              <a:rPr lang="en-US" altLang="en-US" i="1" dirty="0"/>
               <a:t>person,</a:t>
             </a:r>
             <a:br>
-              <a:rPr lang="en-US" altLang="en-US" sz="1800" dirty="0"/>
+              <a:rPr lang="en-US" altLang="en-US" dirty="0"/>
             </a:br>
             <a:r>
-              <a:rPr lang="en-US" altLang="en-US" sz="1800" dirty="0"/>
+              <a:rPr lang="en-US" altLang="en-US" dirty="0"/>
               <a:t>        </a:t>
             </a:r>
             <a:r>
-              <a:rPr lang="en-US" altLang="en-US" sz="1800" b="1" dirty="0"/>
+              <a:rPr lang="en-US" altLang="en-US" b="1" dirty="0"/>
               <a:t>foreign key </a:t>
             </a:r>
             <a:r>
-              <a:rPr lang="en-US" altLang="en-US" sz="1800" i="1" dirty="0"/>
+              <a:rPr lang="en-US" altLang="en-US" i="1" dirty="0"/>
               <a:t>mother</a:t>
             </a:r>
             <a:r>
-              <a:rPr lang="en-US" altLang="en-US" sz="1800" dirty="0"/>
+              <a:rPr lang="en-US" altLang="en-US" dirty="0"/>
               <a:t> </a:t>
             </a:r>
             <a:r>
-              <a:rPr lang="en-US" altLang="en-US" sz="1800" b="1" dirty="0"/>
+              <a:rPr lang="en-US" altLang="en-US" b="1" dirty="0"/>
               <a:t>references </a:t>
             </a:r>
             <a:r>
-              <a:rPr lang="en-US" altLang="en-US" sz="1800" i="1" dirty="0"/>
+              <a:rPr lang="en-US" altLang="en-US" i="1" dirty="0"/>
               <a:t> person</a:t>
             </a:r>
             <a:r>
-              <a:rPr lang="en-US" altLang="en-US" sz="1800" dirty="0"/>
+              <a:rPr lang="en-US" altLang="en-US" dirty="0"/>
               <a:t>)</a:t>
             </a:r>
           </a:p>
           <a:p>
             <a:r>
-              <a:rPr lang="en-US" altLang="en-US" sz="1800" dirty="0"/>
+              <a:rPr lang="en-US" altLang="en-US" dirty="0"/>
               <a:t>How to insert a tuple without causing constraint violation?</a:t>
             </a:r>
           </a:p>
           <a:p>
             <a:pPr lvl="1"/>
-            <a:endParaRPr lang="en-US" altLang="en-US" sz="2400" dirty="0"/>
+            <a:endParaRPr lang="en-US" altLang="en-US" sz="2800" dirty="0"/>
           </a:p>
         </p:txBody>
       </p:sp>
@@ -30530,8 +31964,8 @@
         </p:nvSpPr>
         <p:spPr>
           <a:xfrm>
-            <a:off x="832757" y="4262773"/>
-            <a:ext cx="6809013" cy="1323439"/>
+            <a:off x="421339" y="4705909"/>
+            <a:ext cx="7919357" cy="1631216"/>
           </a:xfrm>
           <a:prstGeom prst="rect">
             <a:avLst/>
@@ -30544,39 +31978,56 @@
           </a:bodyPr>
           <a:lstStyle/>
           <a:p>
-            <a:pPr lvl="1"/>
-            <a:r>
-              <a:rPr lang="en-US" altLang="en-US" sz="1600" dirty="0"/>
+            <a:pPr marL="800100" lvl="1" indent="-342900">
+              <a:buFont typeface="Arial" panose="020B0604020202020204" pitchFamily="34" charset="0"/>
+              <a:buChar char="•"/>
+            </a:pPr>
+            <a:r>
+              <a:rPr lang="en-US" altLang="en-US" sz="2000" dirty="0"/>
               <a:t>Insert father and mother of a person before inserting person</a:t>
             </a:r>
           </a:p>
           <a:p>
-            <a:pPr lvl="1"/>
-            <a:r>
-              <a:rPr lang="en-US" altLang="en-US" sz="1600" dirty="0"/>
-              <a:t>OR, set father and mother to null initially, update after inserting all persons (not possible if father and mother attributes declared to be </a:t>
-            </a:r>
-            <a:r>
-              <a:rPr lang="en-US" altLang="en-US" sz="1600" b="1" dirty="0"/>
+            <a:pPr marL="800100" lvl="1" indent="-342900">
+              <a:buFont typeface="Arial" panose="020B0604020202020204" pitchFamily="34" charset="0"/>
+              <a:buChar char="•"/>
+            </a:pPr>
+            <a:r>
+              <a:rPr lang="en-US" altLang="en-US" sz="2000" dirty="0"/>
+              <a:t>OR, set </a:t>
+            </a:r>
+            <a:r>
+              <a:rPr lang="en-US" altLang="en-US" sz="2000" b="1" dirty="0"/>
+              <a:t>father and mother </a:t>
+            </a:r>
+            <a:r>
+              <a:rPr lang="en-US" altLang="en-US" sz="2000" dirty="0"/>
+              <a:t>to null initially, update after inserting all persons (not possible if father and mother attributes declared to be </a:t>
+            </a:r>
+            <a:r>
+              <a:rPr lang="en-US" altLang="en-US" sz="2000" b="1" dirty="0"/>
               <a:t>not null</a:t>
             </a:r>
             <a:r>
-              <a:rPr lang="en-US" altLang="en-US" sz="1600" dirty="0"/>
+              <a:rPr lang="en-US" altLang="en-US" sz="2000" dirty="0"/>
               <a:t>) </a:t>
             </a:r>
           </a:p>
           <a:p>
-            <a:pPr lvl="1"/>
-            <a:r>
-              <a:rPr lang="en-US" altLang="en-US" sz="1600" dirty="0"/>
+            <a:pPr marL="800100" lvl="1" indent="-342900">
+              <a:buFont typeface="Arial" panose="020B0604020202020204" pitchFamily="34" charset="0"/>
+              <a:buChar char="•"/>
+            </a:pPr>
+            <a:r>
+              <a:rPr lang="en-US" altLang="en-US" sz="2000" dirty="0"/>
               <a:t>OR defer constraint</a:t>
             </a:r>
             <a:r>
-              <a:rPr lang="en-US" altLang="en-US" sz="1600" b="1" dirty="0"/>
+              <a:rPr lang="en-US" altLang="en-US" sz="2000" b="1" dirty="0"/>
               <a:t> </a:t>
             </a:r>
             <a:r>
-              <a:rPr lang="en-US" altLang="en-US" sz="1600" dirty="0"/>
+              <a:rPr lang="en-US" altLang="en-US" sz="2000" dirty="0"/>
               <a:t>checking</a:t>
             </a:r>
           </a:p>
@@ -31144,8 +32595,8 @@
         </p:nvSpPr>
         <p:spPr>
           <a:xfrm>
-            <a:off x="275572" y="1127342"/>
-            <a:ext cx="8569977" cy="4273714"/>
+            <a:off x="0" y="1138227"/>
+            <a:ext cx="8868428" cy="5393201"/>
           </a:xfrm>
         </p:spPr>
         <p:txBody>
@@ -31153,11 +32604,11 @@
           <a:lstStyle/>
           <a:p>
             <a:r>
-              <a:rPr lang="en-US" altLang="en-US" dirty="0"/>
+              <a:rPr lang="en-US" altLang="en-US" sz="2400" dirty="0"/>
               <a:t>An </a:t>
             </a:r>
             <a:r>
-              <a:rPr lang="en-US" altLang="en-US" b="1" dirty="0">
+              <a:rPr lang="en-US" altLang="en-US" sz="2400" b="1" dirty="0">
                 <a:solidFill>
                   <a:srgbClr val="002060"/>
                 </a:solidFill>
@@ -31165,7 +32616,7 @@
               <a:t>assertion</a:t>
             </a:r>
             <a:r>
-              <a:rPr lang="en-US" altLang="en-US" dirty="0">
+              <a:rPr lang="en-US" altLang="en-US" sz="2400" dirty="0">
                 <a:solidFill>
                   <a:srgbClr val="002060"/>
                 </a:solidFill>
@@ -31173,47 +32624,51 @@
               <a:t> </a:t>
             </a:r>
             <a:r>
-              <a:rPr lang="en-US" altLang="en-US" dirty="0"/>
+              <a:rPr lang="en-US" altLang="en-US" sz="2400" dirty="0"/>
               <a:t>is a predicate expressing a condition that we wish the database always to satisfy.</a:t>
             </a:r>
           </a:p>
           <a:p>
             <a:r>
-              <a:rPr lang="en-US" altLang="en-US" dirty="0"/>
+              <a:rPr lang="en-US" altLang="en-US" sz="2400" dirty="0"/>
               <a:t>The following constraints, can be expressed using assertions:</a:t>
             </a:r>
           </a:p>
           <a:p>
             <a:r>
-              <a:rPr lang="en-US" altLang="en-US" dirty="0"/>
+              <a:rPr lang="en-US" altLang="en-US" sz="2400" dirty="0"/>
               <a:t>For each tuple in the </a:t>
             </a:r>
             <a:r>
-              <a:rPr lang="en-US" altLang="en-US" i="1" dirty="0"/>
+              <a:rPr lang="en-US" altLang="en-US" sz="2400" b="1" i="1" dirty="0"/>
               <a:t>student</a:t>
             </a:r>
             <a:r>
-              <a:rPr lang="en-US" altLang="en-US" dirty="0"/>
-              <a:t> relation, the value of the attribute </a:t>
-            </a:r>
-            <a:r>
-              <a:rPr lang="en-US" altLang="en-US" i="1" dirty="0"/>
+              <a:rPr lang="en-US" altLang="en-US" sz="2400" b="1" dirty="0"/>
+              <a:t> relation</a:t>
+            </a:r>
+            <a:r>
+              <a:rPr lang="en-US" altLang="en-US" sz="2400" dirty="0"/>
+              <a:t>, the value of the attribute </a:t>
+            </a:r>
+            <a:r>
+              <a:rPr lang="en-US" altLang="en-US" sz="2400" b="1" i="1" dirty="0"/>
               <a:t>tot_cred</a:t>
             </a:r>
             <a:r>
-              <a:rPr lang="en-US" altLang="en-US" dirty="0"/>
+              <a:rPr lang="en-US" altLang="en-US" sz="2400" dirty="0"/>
               <a:t> must equal the sum of credits of courses that the student has completed successfully.</a:t>
             </a:r>
           </a:p>
           <a:p>
             <a:r>
-              <a:rPr lang="en-US" altLang="en-US" dirty="0"/>
+              <a:rPr lang="en-US" altLang="en-US" sz="2400" dirty="0"/>
               <a:t>An instructor cannot teach in two different classrooms in a semester in the same time slot</a:t>
             </a:r>
           </a:p>
           <a:p>
             <a:r>
-              <a:rPr lang="en-US" altLang="en-US" dirty="0"/>
+              <a:rPr lang="en-US" altLang="en-US" sz="2400" dirty="0"/>
               <a:t>An assertion in SQL takes the form:</a:t>
             </a:r>
           </a:p>
@@ -31222,28 +32677,40 @@
               <a:buNone/>
             </a:pPr>
             <a:r>
-              <a:rPr lang="en-US" altLang="en-US" dirty="0"/>
+              <a:rPr lang="en-US" altLang="en-US" sz="2400" dirty="0"/>
               <a:t>        </a:t>
             </a:r>
             <a:r>
-              <a:rPr lang="en-US" altLang="en-US" b="1" dirty="0"/>
+              <a:rPr lang="en-US" altLang="en-US" sz="2400" b="1" dirty="0">
+                <a:solidFill>
+                  <a:srgbClr val="002060"/>
+                </a:solidFill>
+              </a:rPr>
               <a:t>create assertion</a:t>
             </a:r>
             <a:r>
-              <a:rPr lang="en-US" altLang="en-US" dirty="0"/>
+              <a:rPr lang="en-US" altLang="en-US" sz="2400" dirty="0"/>
               <a:t> &lt;assertion-name&gt; </a:t>
             </a:r>
             <a:r>
-              <a:rPr lang="en-US" altLang="en-US" b="1" dirty="0"/>
-              <a:t>check </a:t>
-            </a:r>
-            <a:r>
-              <a:rPr lang="en-US" altLang="en-US" dirty="0"/>
+              <a:rPr lang="en-US" altLang="en-US" sz="2400" b="1" dirty="0">
+                <a:solidFill>
+                  <a:srgbClr val="002060"/>
+                </a:solidFill>
+              </a:rPr>
+              <a:t>check</a:t>
+            </a:r>
+            <a:r>
+              <a:rPr lang="en-US" altLang="en-US" sz="2400" b="1" dirty="0"/>
+              <a:t> </a:t>
+            </a:r>
+            <a:r>
+              <a:rPr lang="en-US" altLang="en-US" sz="2400" dirty="0"/>
               <a:t>(&lt;predicate&gt;);</a:t>
             </a:r>
           </a:p>
           <a:p>
-            <a:endParaRPr lang="en-US" altLang="en-US" sz="2800" dirty="0"/>
+            <a:endParaRPr lang="en-US" altLang="en-US" sz="3200" dirty="0"/>
           </a:p>
         </p:txBody>
       </p:sp>
@@ -31316,8 +32783,8 @@
         </p:nvSpPr>
         <p:spPr>
           <a:xfrm>
-            <a:off x="237995" y="1102060"/>
-            <a:ext cx="7979413" cy="4862512"/>
+            <a:off x="237995" y="1102059"/>
+            <a:ext cx="8720948" cy="5592427"/>
           </a:xfrm>
         </p:spPr>
         <p:txBody>
@@ -31330,7 +32797,7 @@
               </a:tabLst>
             </a:pPr>
             <a:r>
-              <a:rPr lang="en-US" altLang="en-US" b="1" dirty="0">
+              <a:rPr lang="en-US" altLang="en-US" sz="2400" b="1" dirty="0">
                 <a:solidFill>
                   <a:srgbClr val="002060"/>
                 </a:solidFill>
@@ -31338,7 +32805,7 @@
               <a:t>date:</a:t>
             </a:r>
             <a:r>
-              <a:rPr lang="en-US" altLang="en-US" dirty="0"/>
+              <a:rPr lang="en-US" altLang="en-US" sz="2400" dirty="0"/>
               <a:t>  Dates, containing a (4 digit) year, month and date</a:t>
             </a:r>
           </a:p>
@@ -31349,15 +32816,15 @@
               </a:tabLst>
             </a:pPr>
             <a:r>
-              <a:rPr lang="en-US" altLang="en-US" dirty="0"/>
+              <a:rPr lang="en-US" altLang="en-US" sz="2400" dirty="0"/>
               <a:t>Example:  </a:t>
             </a:r>
             <a:r>
-              <a:rPr lang="en-US" altLang="en-US" b="1" dirty="0"/>
+              <a:rPr lang="en-US" altLang="en-US" sz="2400" b="1" dirty="0"/>
               <a:t>date</a:t>
             </a:r>
             <a:r>
-              <a:rPr lang="en-US" altLang="en-US" dirty="0"/>
+              <a:rPr lang="en-US" altLang="en-US" sz="2400" dirty="0"/>
               <a:t> '2005-7-27'</a:t>
             </a:r>
           </a:p>
@@ -31368,7 +32835,7 @@
               </a:tabLst>
             </a:pPr>
             <a:r>
-              <a:rPr lang="en-US" altLang="en-US" b="1" dirty="0">
+              <a:rPr lang="en-US" altLang="en-US" sz="2400" b="1" dirty="0">
                 <a:solidFill>
                   <a:srgbClr val="002060"/>
                 </a:solidFill>
@@ -31376,11 +32843,11 @@
               <a:t>time:</a:t>
             </a:r>
             <a:r>
-              <a:rPr lang="en-US" altLang="en-US" b="1" dirty="0"/>
+              <a:rPr lang="en-US" altLang="en-US" sz="2400" b="1" dirty="0"/>
               <a:t> </a:t>
             </a:r>
             <a:r>
-              <a:rPr lang="en-US" altLang="en-US" dirty="0"/>
+              <a:rPr lang="en-US" altLang="en-US" sz="2400" dirty="0"/>
               <a:t> Time of day, in hours, minutes and seconds.</a:t>
             </a:r>
           </a:p>
@@ -31391,23 +32858,23 @@
               </a:tabLst>
             </a:pPr>
             <a:r>
-              <a:rPr lang="en-US" altLang="en-US" dirty="0"/>
+              <a:rPr lang="en-US" altLang="en-US" sz="2400" dirty="0"/>
               <a:t>Example: </a:t>
             </a:r>
             <a:r>
-              <a:rPr lang="en-US" altLang="en-US" b="1" dirty="0"/>
+              <a:rPr lang="en-US" altLang="en-US" sz="2400" b="1" dirty="0"/>
               <a:t> time</a:t>
             </a:r>
             <a:r>
-              <a:rPr lang="en-US" altLang="en-US" dirty="0"/>
+              <a:rPr lang="en-US" altLang="en-US" sz="2400" dirty="0"/>
               <a:t> '09:00:30'        </a:t>
             </a:r>
             <a:r>
-              <a:rPr lang="en-US" altLang="en-US" b="1" dirty="0"/>
+              <a:rPr lang="en-US" altLang="en-US" sz="2400" b="1" dirty="0"/>
               <a:t> time</a:t>
             </a:r>
             <a:r>
-              <a:rPr lang="en-US" altLang="en-US" dirty="0"/>
+              <a:rPr lang="en-US" altLang="en-US" sz="2400" dirty="0"/>
               <a:t> '09:00:30.75'</a:t>
             </a:r>
           </a:p>
@@ -31418,7 +32885,7 @@
               </a:tabLst>
             </a:pPr>
             <a:r>
-              <a:rPr lang="en-US" altLang="en-US" b="1" dirty="0">
+              <a:rPr lang="en-US" altLang="en-US" sz="2400" b="1" dirty="0">
                 <a:solidFill>
                   <a:srgbClr val="002060"/>
                 </a:solidFill>
@@ -31426,7 +32893,7 @@
               <a:t>timestamp:</a:t>
             </a:r>
             <a:r>
-              <a:rPr lang="en-US" altLang="en-US" dirty="0"/>
+              <a:rPr lang="en-US" altLang="en-US" sz="2400" dirty="0"/>
               <a:t> date plus time of day</a:t>
             </a:r>
           </a:p>
@@ -31437,15 +32904,15 @@
               </a:tabLst>
             </a:pPr>
             <a:r>
-              <a:rPr lang="en-US" altLang="en-US" dirty="0"/>
+              <a:rPr lang="en-US" altLang="en-US" sz="2400" dirty="0"/>
               <a:t>Example:  </a:t>
             </a:r>
             <a:r>
-              <a:rPr lang="en-US" altLang="en-US" b="1" dirty="0"/>
+              <a:rPr lang="en-US" altLang="en-US" sz="2400" b="1" dirty="0"/>
               <a:t>timestamp</a:t>
             </a:r>
             <a:r>
-              <a:rPr lang="en-US" altLang="en-US" dirty="0"/>
+              <a:rPr lang="en-US" altLang="en-US" sz="2400" dirty="0"/>
               <a:t>  '2005-7-27 09:00:30.75'</a:t>
             </a:r>
           </a:p>
@@ -31456,7 +32923,7 @@
               </a:tabLst>
             </a:pPr>
             <a:r>
-              <a:rPr lang="en-US" altLang="en-US" b="1" dirty="0">
+              <a:rPr lang="en-US" altLang="en-US" sz="2400" b="1" dirty="0">
                 <a:solidFill>
                   <a:srgbClr val="002060"/>
                 </a:solidFill>
@@ -31464,7 +32931,7 @@
               <a:t>interval:</a:t>
             </a:r>
             <a:r>
-              <a:rPr lang="en-US" altLang="en-US" dirty="0"/>
+              <a:rPr lang="en-US" altLang="en-US" sz="2400" dirty="0"/>
               <a:t>  period of time</a:t>
             </a:r>
           </a:p>
@@ -31475,7 +32942,7 @@
               </a:tabLst>
             </a:pPr>
             <a:r>
-              <a:rPr lang="en-US" altLang="en-US" dirty="0"/>
+              <a:rPr lang="en-US" altLang="en-US" sz="2400" dirty="0"/>
               <a:t>Example:   interval  '1' day</a:t>
             </a:r>
           </a:p>
@@ -31486,8 +32953,36 @@
               </a:tabLst>
             </a:pPr>
             <a:r>
-              <a:rPr lang="en-US" altLang="en-US" dirty="0"/>
-              <a:t>Subtracting a date/time/timestamp value from another gives an interval value</a:t>
+              <a:rPr lang="en-US" altLang="en-US" sz="2400" b="1" dirty="0"/>
+              <a:t>Subtracting</a:t>
+            </a:r>
+            <a:r>
+              <a:rPr lang="en-US" altLang="en-US" sz="2400" dirty="0"/>
+              <a:t> a </a:t>
+            </a:r>
+            <a:r>
+              <a:rPr lang="en-US" altLang="en-US" sz="2400" b="1" dirty="0"/>
+              <a:t>date</a:t>
+            </a:r>
+            <a:r>
+              <a:rPr lang="en-US" altLang="en-US" sz="2400" dirty="0"/>
+              <a:t>/</a:t>
+            </a:r>
+            <a:r>
+              <a:rPr lang="en-US" altLang="en-US" sz="2400" b="1" dirty="0"/>
+              <a:t>time</a:t>
+            </a:r>
+            <a:r>
+              <a:rPr lang="en-US" altLang="en-US" sz="2400" dirty="0"/>
+              <a:t>/</a:t>
+            </a:r>
+            <a:r>
+              <a:rPr lang="en-US" altLang="en-US" sz="2400" b="1" dirty="0"/>
+              <a:t>timestamp</a:t>
+            </a:r>
+            <a:r>
+              <a:rPr lang="en-US" altLang="en-US" sz="2400" dirty="0"/>
+              <a:t> value from another gives an interval value</a:t>
             </a:r>
           </a:p>
           <a:p>
@@ -31497,8 +32992,20 @@
               </a:tabLst>
             </a:pPr>
             <a:r>
-              <a:rPr lang="en-US" altLang="en-US" dirty="0"/>
-              <a:t>Interval values can be added to date/time/timestamp values</a:t>
+              <a:rPr lang="en-US" altLang="en-US" sz="2400" b="1" dirty="0"/>
+              <a:t>Interval</a:t>
+            </a:r>
+            <a:r>
+              <a:rPr lang="en-US" altLang="en-US" sz="2400" dirty="0"/>
+              <a:t> </a:t>
+            </a:r>
+            <a:r>
+              <a:rPr lang="en-US" altLang="en-US" sz="2400" b="1" dirty="0"/>
+              <a:t>values</a:t>
+            </a:r>
+            <a:r>
+              <a:rPr lang="en-US" altLang="en-US" sz="2400" dirty="0"/>
+              <a:t> can be added to date/time/timestamp values</a:t>
             </a:r>
           </a:p>
         </p:txBody>
@@ -31567,8 +33074,8 @@
         </p:nvSpPr>
         <p:spPr>
           <a:xfrm>
-            <a:off x="768350" y="1093789"/>
-            <a:ext cx="7629926" cy="3868356"/>
+            <a:off x="0" y="1121229"/>
+            <a:ext cx="8845550" cy="4931228"/>
           </a:xfrm>
         </p:spPr>
         <p:txBody>
@@ -31600,7 +33107,15 @@
             </a:r>
             <a:r>
               <a:rPr lang="en-US" altLang="en-US" sz="2400" dirty="0"/>
-              <a:t>: binary large object -- object is a large collection of uninterpreted binary data (whose interpretation is left to an application outside of the database system)</a:t>
+              <a:t>: binary large object -- object is a </a:t>
+            </a:r>
+            <a:r>
+              <a:rPr lang="en-US" altLang="en-US" sz="2400" b="1" dirty="0"/>
+              <a:t>large collection of uninterpreted binary data </a:t>
+            </a:r>
+            <a:r>
+              <a:rPr lang="en-US" altLang="en-US" sz="2400" dirty="0"/>
+              <a:t>(whose interpretation is left to an application outside of the database system)</a:t>
             </a:r>
           </a:p>
           <a:p>
@@ -31615,7 +33130,15 @@
             </a:r>
             <a:r>
               <a:rPr lang="en-US" altLang="en-US" sz="2400" dirty="0"/>
-              <a:t>: character large object -- object is a large collection of character data</a:t>
+              <a:t>: </a:t>
+            </a:r>
+            <a:r>
+              <a:rPr lang="en-US" altLang="en-US" sz="2400" b="1" dirty="0"/>
+              <a:t>character large object </a:t>
+            </a:r>
+            <a:r>
+              <a:rPr lang="en-US" altLang="en-US" sz="2400" dirty="0"/>
+              <a:t>-- object is a large collection of character data</a:t>
             </a:r>
           </a:p>
           <a:p>
@@ -32177,8 +33700,8 @@
         </p:nvSpPr>
         <p:spPr>
           <a:xfrm>
-            <a:off x="768350" y="1100833"/>
-            <a:ext cx="7034531" cy="5039558"/>
+            <a:off x="97971" y="1132113"/>
+            <a:ext cx="9046029" cy="5464629"/>
           </a:xfrm>
         </p:spPr>
         <p:txBody>
@@ -32553,8 +34076,8 @@
         </p:nvSpPr>
         <p:spPr>
           <a:xfrm>
-            <a:off x="444674" y="951978"/>
-            <a:ext cx="8400876" cy="4705111"/>
+            <a:off x="424543" y="951978"/>
+            <a:ext cx="8421007" cy="5492365"/>
           </a:xfrm>
         </p:spPr>
         <p:txBody>
@@ -33204,8 +34727,8 @@
         </p:nvSpPr>
         <p:spPr>
           <a:xfrm>
-            <a:off x="768350" y="1105980"/>
-            <a:ext cx="7612169" cy="4903787"/>
+            <a:off x="163286" y="1012371"/>
+            <a:ext cx="8682264" cy="5573485"/>
           </a:xfrm>
         </p:spPr>
         <p:txBody>
@@ -33213,11 +34736,11 @@
           <a:lstStyle/>
           <a:p>
             <a:r>
-              <a:rPr lang="en-US" altLang="en-US" dirty="0"/>
+              <a:rPr lang="en-US" altLang="en-US" sz="2400" dirty="0"/>
               <a:t>The </a:t>
             </a:r>
             <a:r>
-              <a:rPr lang="en-US" altLang="en-US" b="1" dirty="0">
+              <a:rPr lang="en-US" altLang="en-US" sz="2400" b="1" dirty="0">
                 <a:solidFill>
                   <a:srgbClr val="002060"/>
                 </a:solidFill>
@@ -33225,7 +34748,7 @@
               <a:t>grant</a:t>
             </a:r>
             <a:r>
-              <a:rPr lang="en-US" altLang="en-US" dirty="0"/>
+              <a:rPr lang="en-US" altLang="en-US" sz="2400" dirty="0"/>
               <a:t> statement is used to give authorization</a:t>
             </a:r>
           </a:p>
@@ -33235,107 +34758,107 @@
               <a:buNone/>
             </a:pPr>
             <a:r>
-              <a:rPr lang="en-US" altLang="en-US" dirty="0"/>
+              <a:rPr lang="en-US" altLang="en-US" sz="2400" dirty="0"/>
               <a:t>	   </a:t>
             </a:r>
             <a:r>
-              <a:rPr lang="en-US" altLang="en-US" b="1" dirty="0"/>
+              <a:rPr lang="en-US" altLang="en-US" sz="2400" b="1" dirty="0"/>
               <a:t>grant</a:t>
             </a:r>
             <a:r>
-              <a:rPr lang="en-US" altLang="en-US" dirty="0"/>
+              <a:rPr lang="en-US" altLang="en-US" sz="2400" dirty="0"/>
               <a:t> &lt;privilege list&gt; </a:t>
             </a:r>
             <a:r>
-              <a:rPr lang="en-US" altLang="en-US" b="1" dirty="0"/>
+              <a:rPr lang="en-US" altLang="en-US" sz="2400" b="1" dirty="0"/>
               <a:t>on </a:t>
             </a:r>
             <a:r>
-              <a:rPr lang="en-US" altLang="en-US" dirty="0"/>
+              <a:rPr lang="en-US" altLang="en-US" sz="2400" dirty="0"/>
               <a:t>&lt;relation or view &gt; </a:t>
             </a:r>
             <a:r>
-              <a:rPr lang="en-US" altLang="en-US" b="1" dirty="0"/>
+              <a:rPr lang="en-US" altLang="en-US" sz="2400" b="1" dirty="0"/>
               <a:t>to</a:t>
             </a:r>
             <a:r>
-              <a:rPr lang="en-US" altLang="en-US" dirty="0"/>
+              <a:rPr lang="en-US" altLang="en-US" sz="2400" dirty="0"/>
               <a:t> &lt;user list&gt;</a:t>
             </a:r>
           </a:p>
           <a:p>
             <a:r>
-              <a:rPr lang="en-US" altLang="en-US" dirty="0"/>
+              <a:rPr lang="en-US" altLang="en-US" sz="2400" dirty="0"/>
               <a:t>&lt;user list&gt; is:</a:t>
             </a:r>
           </a:p>
           <a:p>
             <a:pPr lvl="1"/>
             <a:r>
-              <a:rPr lang="en-US" altLang="en-US" dirty="0"/>
+              <a:rPr lang="en-US" altLang="en-US" sz="2400" dirty="0"/>
               <a:t>a user-id</a:t>
             </a:r>
           </a:p>
           <a:p>
             <a:pPr lvl="1"/>
             <a:r>
-              <a:rPr lang="en-US" altLang="en-US" b="1" dirty="0"/>
+              <a:rPr lang="en-US" altLang="en-US" sz="2400" b="1" dirty="0"/>
               <a:t>public</a:t>
             </a:r>
             <a:r>
-              <a:rPr lang="en-US" altLang="en-US" dirty="0"/>
+              <a:rPr lang="en-US" altLang="en-US" sz="2400" dirty="0"/>
               <a:t>, which allows all valid users the privilege granted</a:t>
             </a:r>
           </a:p>
           <a:p>
             <a:pPr lvl="1"/>
             <a:r>
-              <a:rPr lang="en-US" altLang="en-US" dirty="0"/>
+              <a:rPr lang="en-US" altLang="en-US" sz="2400" dirty="0"/>
               <a:t>A role (more on this later)</a:t>
             </a:r>
           </a:p>
           <a:p>
             <a:r>
-              <a:rPr lang="en-US" altLang="en-US" dirty="0"/>
+              <a:rPr lang="en-US" altLang="en-US" sz="2400" dirty="0"/>
               <a:t>Example:</a:t>
             </a:r>
           </a:p>
           <a:p>
             <a:pPr lvl="1"/>
             <a:r>
-              <a:rPr lang="en-US" altLang="en-US" b="1" dirty="0"/>
+              <a:rPr lang="en-US" altLang="en-US" sz="2400" b="1" dirty="0"/>
               <a:t>grant</a:t>
             </a:r>
             <a:r>
-              <a:rPr lang="en-US" altLang="en-US" dirty="0"/>
+              <a:rPr lang="en-US" altLang="en-US" sz="2400" dirty="0"/>
               <a:t>  </a:t>
             </a:r>
             <a:r>
-              <a:rPr lang="en-US" altLang="en-US" b="1" dirty="0"/>
+              <a:rPr lang="en-US" altLang="en-US" sz="2400" b="1" dirty="0"/>
               <a:t>select on  </a:t>
             </a:r>
             <a:r>
-              <a:rPr lang="en-US" altLang="en-US" i="1" dirty="0"/>
+              <a:rPr lang="en-US" altLang="en-US" sz="2400" i="1" dirty="0"/>
               <a:t>department</a:t>
             </a:r>
             <a:r>
-              <a:rPr lang="en-US" altLang="en-US" b="1" dirty="0"/>
+              <a:rPr lang="en-US" altLang="en-US" sz="2400" b="1" dirty="0"/>
               <a:t> to</a:t>
             </a:r>
             <a:r>
-              <a:rPr lang="en-US" altLang="en-US" dirty="0"/>
+              <a:rPr lang="en-US" altLang="en-US" sz="2400" dirty="0"/>
               <a:t> Akbar,  Asghar</a:t>
             </a:r>
           </a:p>
           <a:p>
             <a:r>
-              <a:rPr lang="en-US" altLang="en-US" dirty="0"/>
+              <a:rPr lang="en-US" altLang="en-US" sz="2400" dirty="0"/>
               <a:t>Granting a privilege on a view does not imply granting any privileges on the underlying relations.</a:t>
             </a:r>
           </a:p>
           <a:p>
             <a:r>
-              <a:rPr lang="en-US" altLang="en-US" dirty="0"/>
+              <a:rPr lang="en-US" altLang="en-US" sz="2400" dirty="0"/>
               <a:t>The grantor of the privilege must already hold the privilege on the specified item (or be the database administrator).</a:t>
             </a:r>
           </a:p>
@@ -33658,8 +35181,8 @@
         </p:nvSpPr>
         <p:spPr>
           <a:xfrm>
-            <a:off x="768351" y="1142556"/>
-            <a:ext cx="7558786" cy="4903787"/>
+            <a:off x="119743" y="947058"/>
+            <a:ext cx="8893627" cy="5508172"/>
           </a:xfrm>
         </p:spPr>
         <p:txBody>
@@ -33667,11 +35190,11 @@
           <a:lstStyle/>
           <a:p>
             <a:r>
-              <a:rPr lang="en-US" altLang="en-US" dirty="0"/>
+              <a:rPr lang="en-US" altLang="en-US" sz="2400" dirty="0"/>
               <a:t>The </a:t>
             </a:r>
             <a:r>
-              <a:rPr lang="en-US" altLang="en-US" b="1" dirty="0">
+              <a:rPr lang="en-US" altLang="en-US" sz="2400" b="1" dirty="0">
                 <a:solidFill>
                   <a:srgbClr val="002060"/>
                 </a:solidFill>
@@ -33679,11 +35202,11 @@
               <a:t>revoke</a:t>
             </a:r>
             <a:r>
-              <a:rPr lang="en-US" altLang="en-US" b="1" dirty="0"/>
+              <a:rPr lang="en-US" altLang="en-US" sz="2400" b="1" dirty="0"/>
               <a:t> </a:t>
             </a:r>
             <a:r>
-              <a:rPr lang="en-US" altLang="en-US" dirty="0"/>
+              <a:rPr lang="en-US" altLang="en-US" sz="2400" dirty="0"/>
               <a:t>statement is used to revoke authorization.</a:t>
             </a:r>
           </a:p>
@@ -33693,33 +35216,33 @@
               <a:buNone/>
             </a:pPr>
             <a:r>
-              <a:rPr lang="en-US" altLang="en-US" b="1" dirty="0"/>
+              <a:rPr lang="en-US" altLang="en-US" sz="2400" b="1" dirty="0"/>
               <a:t>revoke </a:t>
             </a:r>
             <a:r>
-              <a:rPr lang="en-US" altLang="en-US" dirty="0"/>
+              <a:rPr lang="en-US" altLang="en-US" sz="2400" dirty="0"/>
               <a:t>&lt;privilege list&gt; </a:t>
             </a:r>
             <a:r>
-              <a:rPr lang="en-US" altLang="en-US" b="1" dirty="0"/>
+              <a:rPr lang="en-US" altLang="en-US" sz="2400" b="1" dirty="0"/>
               <a:t>on </a:t>
             </a:r>
             <a:r>
-              <a:rPr lang="en-US" altLang="en-US" dirty="0"/>
+              <a:rPr lang="en-US" altLang="en-US" sz="2400" dirty="0"/>
               <a:t>&lt;relation or view&gt; </a:t>
             </a:r>
             <a:r>
-              <a:rPr lang="en-US" altLang="en-US" b="1" dirty="0"/>
+              <a:rPr lang="en-US" altLang="en-US" sz="2400" b="1" dirty="0"/>
               <a:t>from </a:t>
             </a:r>
             <a:r>
-              <a:rPr lang="en-US" altLang="en-US" dirty="0"/>
+              <a:rPr lang="en-US" altLang="en-US" sz="2400" dirty="0"/>
               <a:t>&lt;user list&gt;</a:t>
             </a:r>
           </a:p>
           <a:p>
             <a:r>
-              <a:rPr lang="en-US" altLang="en-US" dirty="0"/>
+              <a:rPr lang="en-US" altLang="en-US" sz="2400" dirty="0"/>
               <a:t>Example:</a:t>
             </a:r>
           </a:p>
@@ -33729,100 +35252,100 @@
               <a:buNone/>
             </a:pPr>
             <a:r>
-              <a:rPr lang="en-US" altLang="en-US" b="1" dirty="0"/>
+              <a:rPr lang="en-US" altLang="en-US" sz="2400" b="1" dirty="0"/>
               <a:t>revoke select on </a:t>
             </a:r>
             <a:r>
-              <a:rPr lang="en-US" altLang="en-US" i="1" dirty="0"/>
+              <a:rPr lang="en-US" altLang="en-US" sz="2400" i="1" dirty="0"/>
               <a:t>student  </a:t>
             </a:r>
             <a:r>
-              <a:rPr lang="en-US" altLang="en-US" b="1" dirty="0"/>
+              <a:rPr lang="en-US" altLang="en-US" sz="2400" b="1" dirty="0"/>
               <a:t>from </a:t>
             </a:r>
             <a:r>
-              <a:rPr lang="en-US" altLang="en-US" i="1" dirty="0"/>
+              <a:rPr lang="en-US" altLang="en-US" sz="2400" i="1" dirty="0"/>
               <a:t>U</a:t>
             </a:r>
             <a:r>
-              <a:rPr lang="en-US" altLang="en-US" i="1" baseline="-25000" dirty="0"/>
+              <a:rPr lang="en-US" altLang="en-US" sz="2400" i="1" baseline="-25000" dirty="0"/>
               <a:t>1</a:t>
             </a:r>
             <a:r>
-              <a:rPr lang="en-US" altLang="en-US" i="1" dirty="0"/>
+              <a:rPr lang="en-US" altLang="en-US" sz="2400" i="1" dirty="0"/>
               <a:t>, U</a:t>
             </a:r>
             <a:r>
-              <a:rPr lang="en-US" altLang="en-US" i="1" baseline="-25000" dirty="0"/>
+              <a:rPr lang="en-US" altLang="en-US" sz="2400" i="1" baseline="-25000" dirty="0"/>
               <a:t>2</a:t>
             </a:r>
             <a:r>
-              <a:rPr lang="en-US" altLang="en-US" i="1" dirty="0"/>
+              <a:rPr lang="en-US" altLang="en-US" sz="2400" i="1" dirty="0"/>
               <a:t>, U</a:t>
             </a:r>
             <a:r>
-              <a:rPr lang="en-US" altLang="en-US" i="1" baseline="-25000" dirty="0"/>
+              <a:rPr lang="en-US" altLang="en-US" sz="2400" i="1" baseline="-25000" dirty="0"/>
               <a:t>3</a:t>
             </a:r>
           </a:p>
           <a:p>
             <a:r>
-              <a:rPr lang="en-US" altLang="en-US" dirty="0"/>
+              <a:rPr lang="en-US" altLang="en-US" sz="2400" dirty="0"/>
               <a:t>&lt;privilege-list&gt; may be </a:t>
             </a:r>
             <a:r>
-              <a:rPr lang="en-US" altLang="en-US" b="1" dirty="0"/>
+              <a:rPr lang="en-US" altLang="en-US" sz="2400" b="1" dirty="0"/>
               <a:t>all </a:t>
             </a:r>
             <a:r>
-              <a:rPr lang="en-US" altLang="en-US" dirty="0"/>
+              <a:rPr lang="en-US" altLang="en-US" sz="2400" dirty="0"/>
               <a:t>to revoke all privileges the </a:t>
             </a:r>
             <a:r>
-              <a:rPr lang="en-US" altLang="en-US" dirty="0" err="1"/>
+              <a:rPr lang="en-US" altLang="en-US" sz="2400" dirty="0" err="1"/>
               <a:t>revokee</a:t>
             </a:r>
             <a:r>
-              <a:rPr lang="en-US" altLang="en-US" dirty="0"/>
+              <a:rPr lang="en-US" altLang="en-US" sz="2400" dirty="0"/>
               <a:t> may hold.</a:t>
             </a:r>
           </a:p>
           <a:p>
             <a:r>
-              <a:rPr lang="en-US" altLang="en-US" dirty="0"/>
+              <a:rPr lang="en-US" altLang="en-US" sz="2400" dirty="0"/>
               <a:t>If &lt;</a:t>
             </a:r>
             <a:r>
-              <a:rPr lang="en-US" altLang="en-US" dirty="0" err="1"/>
+              <a:rPr lang="en-US" altLang="en-US" sz="2400" dirty="0" err="1"/>
               <a:t>revokee</a:t>
             </a:r>
             <a:r>
-              <a:rPr lang="en-US" altLang="en-US" dirty="0"/>
+              <a:rPr lang="en-US" altLang="en-US" sz="2400" dirty="0"/>
               <a:t>-list&gt; includes </a:t>
             </a:r>
             <a:r>
-              <a:rPr lang="en-US" altLang="en-US" b="1" dirty="0"/>
+              <a:rPr lang="en-US" altLang="en-US" sz="2400" b="1" dirty="0"/>
               <a:t>public, </a:t>
             </a:r>
             <a:r>
-              <a:rPr lang="en-US" altLang="en-US" dirty="0"/>
+              <a:rPr lang="en-US" altLang="en-US" sz="2400" dirty="0"/>
               <a:t>all users lose the privilege except those granted it explicitly.</a:t>
             </a:r>
           </a:p>
           <a:p>
             <a:r>
-              <a:rPr lang="en-US" altLang="en-US" dirty="0"/>
+              <a:rPr lang="en-US" altLang="en-US" sz="2400" dirty="0"/>
               <a:t>If the same privilege was granted twice to the same user by different grantees, the user may retain the privilege after the revocation.</a:t>
             </a:r>
           </a:p>
           <a:p>
             <a:r>
-              <a:rPr lang="en-US" altLang="en-US" dirty="0"/>
+              <a:rPr lang="en-US" altLang="en-US" sz="2400" dirty="0"/>
               <a:t>All privileges that depend on the privilege being revoked are also revoked.</a:t>
             </a:r>
           </a:p>
           <a:p>
-            <a:endParaRPr lang="en-US" altLang="en-US" sz="2800" dirty="0"/>
+            <a:endParaRPr lang="en-US" altLang="en-US" sz="3200" dirty="0"/>
           </a:p>
         </p:txBody>
       </p:sp>
@@ -33894,8 +35417,8 @@
         </p:nvSpPr>
         <p:spPr>
           <a:xfrm>
-            <a:off x="768350" y="1118173"/>
-            <a:ext cx="7629925" cy="3161220"/>
+            <a:off x="195944" y="1118172"/>
+            <a:ext cx="8202332" cy="5043141"/>
           </a:xfrm>
         </p:spPr>
         <p:txBody>
@@ -34085,8 +35608,8 @@
         </p:nvSpPr>
         <p:spPr>
           <a:xfrm>
-            <a:off x="768350" y="1130364"/>
-            <a:ext cx="7590445" cy="4903787"/>
+            <a:off x="195942" y="816430"/>
+            <a:ext cx="8784771" cy="5704114"/>
           </a:xfrm>
         </p:spPr>
         <p:txBody>
@@ -34094,276 +35617,276 @@
           <a:lstStyle/>
           <a:p>
             <a:r>
-              <a:rPr lang="en-US" altLang="en-US" b="1" dirty="0"/>
+              <a:rPr lang="en-US" altLang="en-US" sz="2400" b="1" dirty="0"/>
               <a:t>create role</a:t>
             </a:r>
             <a:r>
-              <a:rPr lang="en-US" altLang="en-US" dirty="0"/>
+              <a:rPr lang="en-US" altLang="en-US" sz="2400" dirty="0"/>
               <a:t> instructor;</a:t>
             </a:r>
           </a:p>
           <a:p>
             <a:r>
-              <a:rPr lang="en-US" altLang="en-US" b="1" dirty="0"/>
+              <a:rPr lang="en-US" altLang="en-US" sz="2400" b="1" dirty="0"/>
               <a:t>grant</a:t>
             </a:r>
             <a:r>
-              <a:rPr lang="en-US" altLang="en-US" dirty="0"/>
+              <a:rPr lang="en-US" altLang="en-US" sz="2400" dirty="0"/>
               <a:t> </a:t>
             </a:r>
             <a:r>
-              <a:rPr lang="en-US" altLang="en-US" i="1" dirty="0"/>
+              <a:rPr lang="en-US" altLang="en-US" sz="2400" i="1" dirty="0"/>
               <a:t>instructor</a:t>
             </a:r>
             <a:r>
-              <a:rPr lang="en-US" altLang="en-US" b="1" dirty="0"/>
+              <a:rPr lang="en-US" altLang="en-US" sz="2400" b="1" dirty="0"/>
               <a:t> to </a:t>
             </a:r>
             <a:r>
-              <a:rPr lang="en-US" altLang="en-US" dirty="0" err="1"/>
+              <a:rPr lang="en-US" altLang="en-US" sz="2400" dirty="0" err="1"/>
               <a:t>Amit</a:t>
             </a:r>
             <a:r>
-              <a:rPr lang="en-US" altLang="en-US" b="1" dirty="0"/>
+              <a:rPr lang="en-US" altLang="en-US" sz="2400" b="1" dirty="0"/>
               <a:t>;</a:t>
             </a:r>
-            <a:endParaRPr lang="en-US" altLang="en-US" dirty="0"/>
-          </a:p>
-          <a:p>
-            <a:r>
-              <a:rPr lang="en-US" altLang="en-US" dirty="0"/>
+            <a:endParaRPr lang="en-US" altLang="en-US" sz="2400" dirty="0"/>
+          </a:p>
+          <a:p>
+            <a:r>
+              <a:rPr lang="en-US" altLang="en-US" sz="2400" dirty="0"/>
               <a:t>Privileges can be granted to roles:</a:t>
             </a:r>
           </a:p>
           <a:p>
             <a:pPr lvl="1"/>
             <a:r>
-              <a:rPr lang="en-US" altLang="en-US" b="1" dirty="0"/>
+              <a:rPr lang="en-US" altLang="en-US" sz="2400" b="1" dirty="0"/>
               <a:t>grant</a:t>
             </a:r>
             <a:r>
-              <a:rPr lang="en-US" altLang="en-US" dirty="0"/>
+              <a:rPr lang="en-US" altLang="en-US" sz="2400" dirty="0"/>
               <a:t> </a:t>
             </a:r>
             <a:r>
-              <a:rPr lang="en-US" altLang="en-US" b="1" dirty="0"/>
+              <a:rPr lang="en-US" altLang="en-US" sz="2400" b="1" dirty="0"/>
               <a:t>select</a:t>
             </a:r>
             <a:r>
-              <a:rPr lang="en-US" altLang="en-US" dirty="0"/>
+              <a:rPr lang="en-US" altLang="en-US" sz="2400" dirty="0"/>
               <a:t> </a:t>
             </a:r>
             <a:r>
-              <a:rPr lang="en-US" altLang="en-US" b="1" dirty="0"/>
+              <a:rPr lang="en-US" altLang="en-US" sz="2400" b="1" dirty="0"/>
               <a:t>on</a:t>
             </a:r>
             <a:r>
-              <a:rPr lang="en-US" altLang="en-US" dirty="0"/>
+              <a:rPr lang="en-US" altLang="en-US" sz="2400" dirty="0"/>
               <a:t> </a:t>
             </a:r>
             <a:r>
-              <a:rPr lang="en-US" altLang="en-US" i="1" dirty="0"/>
+              <a:rPr lang="en-US" altLang="en-US" sz="2400" i="1" dirty="0"/>
               <a:t>takes</a:t>
             </a:r>
             <a:r>
-              <a:rPr lang="en-US" altLang="en-US" dirty="0"/>
+              <a:rPr lang="en-US" altLang="en-US" sz="2400" dirty="0"/>
               <a:t> </a:t>
             </a:r>
             <a:r>
-              <a:rPr lang="en-US" altLang="en-US" b="1" dirty="0"/>
+              <a:rPr lang="en-US" altLang="en-US" sz="2400" b="1" dirty="0"/>
               <a:t>to</a:t>
             </a:r>
             <a:r>
-              <a:rPr lang="en-US" altLang="en-US" dirty="0"/>
+              <a:rPr lang="en-US" altLang="en-US" sz="2400" dirty="0"/>
               <a:t> </a:t>
             </a:r>
             <a:r>
-              <a:rPr lang="en-US" altLang="en-US" i="1" dirty="0"/>
+              <a:rPr lang="en-US" altLang="en-US" sz="2400" i="1" dirty="0"/>
               <a:t>instructor</a:t>
             </a:r>
             <a:r>
-              <a:rPr lang="en-US" altLang="en-US" dirty="0"/>
+              <a:rPr lang="en-US" altLang="en-US" sz="2400" dirty="0"/>
               <a:t>;</a:t>
             </a:r>
           </a:p>
           <a:p>
             <a:r>
-              <a:rPr lang="en-US" altLang="en-US" dirty="0"/>
+              <a:rPr lang="en-US" altLang="en-US" sz="2400" dirty="0"/>
               <a:t>Roles can be granted to users, as well as to other roles</a:t>
             </a:r>
           </a:p>
           <a:p>
             <a:pPr lvl="1"/>
             <a:r>
-              <a:rPr lang="en-US" altLang="en-US" b="1" dirty="0"/>
+              <a:rPr lang="en-US" altLang="en-US" sz="2400" b="1" dirty="0"/>
               <a:t>create</a:t>
             </a:r>
             <a:r>
-              <a:rPr lang="en-US" altLang="en-US" dirty="0"/>
+              <a:rPr lang="en-US" altLang="en-US" sz="2400" dirty="0"/>
               <a:t> </a:t>
             </a:r>
             <a:r>
-              <a:rPr lang="en-US" altLang="en-US" b="1" dirty="0"/>
+              <a:rPr lang="en-US" altLang="en-US" sz="2400" b="1" dirty="0"/>
               <a:t>role</a:t>
             </a:r>
             <a:r>
-              <a:rPr lang="en-US" altLang="en-US" dirty="0"/>
+              <a:rPr lang="en-US" altLang="en-US" sz="2400" dirty="0"/>
               <a:t> </a:t>
             </a:r>
             <a:r>
-              <a:rPr lang="en-US" altLang="en-US" i="1" dirty="0" err="1"/>
+              <a:rPr lang="en-US" altLang="en-US" sz="2400" i="1" dirty="0" err="1"/>
               <a:t>teaching_assistant</a:t>
             </a:r>
-            <a:endParaRPr lang="en-US" altLang="en-US" i="1" dirty="0"/>
+            <a:endParaRPr lang="en-US" altLang="en-US" sz="2400" i="1" dirty="0"/>
           </a:p>
           <a:p>
             <a:pPr lvl="1"/>
             <a:r>
-              <a:rPr lang="en-US" altLang="en-US" b="1" dirty="0"/>
+              <a:rPr lang="en-US" altLang="en-US" sz="2400" b="1" dirty="0"/>
               <a:t>grant</a:t>
             </a:r>
             <a:r>
-              <a:rPr lang="en-US" altLang="en-US" dirty="0"/>
+              <a:rPr lang="en-US" altLang="en-US" sz="2400" dirty="0"/>
               <a:t> </a:t>
             </a:r>
             <a:r>
-              <a:rPr lang="en-US" altLang="en-US" i="1" dirty="0" err="1"/>
+              <a:rPr lang="en-US" altLang="en-US" sz="2400" i="1" dirty="0" err="1"/>
               <a:t>teaching_assistant</a:t>
             </a:r>
             <a:r>
-              <a:rPr lang="en-US" altLang="en-US" dirty="0"/>
+              <a:rPr lang="en-US" altLang="en-US" sz="2400" dirty="0"/>
               <a:t> </a:t>
             </a:r>
             <a:r>
-              <a:rPr lang="en-US" altLang="en-US" b="1" dirty="0"/>
+              <a:rPr lang="en-US" altLang="en-US" sz="2400" b="1" dirty="0"/>
               <a:t>to</a:t>
             </a:r>
             <a:r>
-              <a:rPr lang="en-US" altLang="en-US" dirty="0"/>
+              <a:rPr lang="en-US" altLang="en-US" sz="2400" dirty="0"/>
               <a:t> </a:t>
             </a:r>
             <a:r>
-              <a:rPr lang="en-US" altLang="en-US" i="1" dirty="0"/>
+              <a:rPr lang="en-US" altLang="en-US" sz="2400" i="1" dirty="0"/>
               <a:t>instructor</a:t>
             </a:r>
             <a:r>
-              <a:rPr lang="en-US" altLang="en-US" dirty="0"/>
+              <a:rPr lang="en-US" altLang="en-US" sz="2400" dirty="0"/>
               <a:t>;</a:t>
             </a:r>
           </a:p>
           <a:p>
             <a:pPr lvl="2"/>
             <a:r>
-              <a:rPr lang="en-US" altLang="en-US" i="1" dirty="0"/>
+              <a:rPr lang="en-US" altLang="en-US" sz="2400" i="1" dirty="0"/>
               <a:t>Instructor</a:t>
             </a:r>
             <a:r>
-              <a:rPr lang="en-US" altLang="en-US" dirty="0"/>
+              <a:rPr lang="en-US" altLang="en-US" sz="2400" dirty="0"/>
               <a:t> inherits all privileges of </a:t>
             </a:r>
             <a:r>
-              <a:rPr lang="en-US" altLang="en-US" i="1" dirty="0" err="1"/>
+              <a:rPr lang="en-US" altLang="en-US" sz="2400" i="1" dirty="0" err="1"/>
               <a:t>teaching_assistant</a:t>
             </a:r>
-            <a:endParaRPr lang="en-US" altLang="en-US" i="1" dirty="0"/>
-          </a:p>
-          <a:p>
-            <a:r>
-              <a:rPr lang="en-US" altLang="en-US" dirty="0"/>
+            <a:endParaRPr lang="en-US" altLang="en-US" sz="2400" i="1" dirty="0"/>
+          </a:p>
+          <a:p>
+            <a:r>
+              <a:rPr lang="en-US" altLang="en-US" sz="2400" dirty="0"/>
               <a:t>Chain of roles</a:t>
             </a:r>
           </a:p>
           <a:p>
             <a:pPr lvl="1"/>
             <a:r>
-              <a:rPr lang="en-US" altLang="en-US" b="1" dirty="0"/>
+              <a:rPr lang="en-US" altLang="en-US" sz="2400" b="1" dirty="0"/>
               <a:t>create</a:t>
             </a:r>
             <a:r>
-              <a:rPr lang="en-US" altLang="en-US" dirty="0"/>
+              <a:rPr lang="en-US" altLang="en-US" sz="2400" dirty="0"/>
               <a:t> </a:t>
             </a:r>
             <a:r>
-              <a:rPr lang="en-US" altLang="en-US" b="1" dirty="0"/>
+              <a:rPr lang="en-US" altLang="en-US" sz="2400" b="1" dirty="0"/>
               <a:t>role</a:t>
             </a:r>
             <a:r>
-              <a:rPr lang="en-US" altLang="en-US" dirty="0"/>
+              <a:rPr lang="en-US" altLang="en-US" sz="2400" dirty="0"/>
               <a:t> </a:t>
             </a:r>
             <a:r>
-              <a:rPr lang="en-US" altLang="en-US" i="1" dirty="0"/>
+              <a:rPr lang="en-US" altLang="en-US" sz="2400" i="1" dirty="0"/>
               <a:t>dean</a:t>
             </a:r>
             <a:r>
-              <a:rPr lang="en-US" altLang="en-US" dirty="0"/>
+              <a:rPr lang="en-US" altLang="en-US" sz="2400" dirty="0"/>
               <a:t>;</a:t>
             </a:r>
           </a:p>
           <a:p>
             <a:pPr lvl="1"/>
             <a:r>
-              <a:rPr lang="en-US" altLang="en-US" b="1" dirty="0"/>
+              <a:rPr lang="en-US" altLang="en-US" sz="2400" b="1" dirty="0"/>
               <a:t>grant</a:t>
             </a:r>
             <a:r>
-              <a:rPr lang="en-US" altLang="en-US" dirty="0"/>
+              <a:rPr lang="en-US" altLang="en-US" sz="2400" dirty="0"/>
               <a:t> </a:t>
             </a:r>
             <a:r>
-              <a:rPr lang="en-US" altLang="en-US" i="1" dirty="0"/>
+              <a:rPr lang="en-US" altLang="en-US" sz="2400" i="1" dirty="0"/>
               <a:t>instructor</a:t>
             </a:r>
             <a:r>
-              <a:rPr lang="en-US" altLang="en-US" dirty="0"/>
+              <a:rPr lang="en-US" altLang="en-US" sz="2400" dirty="0"/>
               <a:t> </a:t>
             </a:r>
             <a:r>
-              <a:rPr lang="en-US" altLang="en-US" b="1" dirty="0"/>
+              <a:rPr lang="en-US" altLang="en-US" sz="2400" b="1" dirty="0"/>
               <a:t>to</a:t>
             </a:r>
             <a:r>
-              <a:rPr lang="en-US" altLang="en-US" dirty="0"/>
+              <a:rPr lang="en-US" altLang="en-US" sz="2400" dirty="0"/>
               <a:t> </a:t>
             </a:r>
             <a:r>
-              <a:rPr lang="en-US" altLang="en-US" i="1" dirty="0"/>
+              <a:rPr lang="en-US" altLang="en-US" sz="2400" i="1" dirty="0"/>
               <a:t>dean</a:t>
             </a:r>
             <a:r>
-              <a:rPr lang="en-US" altLang="en-US" dirty="0"/>
+              <a:rPr lang="en-US" altLang="en-US" sz="2400" dirty="0"/>
               <a:t>;</a:t>
             </a:r>
           </a:p>
           <a:p>
             <a:pPr lvl="1"/>
             <a:r>
-              <a:rPr lang="en-US" altLang="en-US" b="1" dirty="0"/>
+              <a:rPr lang="en-US" altLang="en-US" sz="2400" b="1" dirty="0"/>
               <a:t>grant</a:t>
             </a:r>
             <a:r>
-              <a:rPr lang="en-US" altLang="en-US" dirty="0"/>
+              <a:rPr lang="en-US" altLang="en-US" sz="2400" dirty="0"/>
               <a:t> </a:t>
             </a:r>
             <a:r>
-              <a:rPr lang="en-US" altLang="en-US" i="1" dirty="0"/>
+              <a:rPr lang="en-US" altLang="en-US" sz="2400" i="1" dirty="0"/>
               <a:t>dean</a:t>
             </a:r>
             <a:r>
-              <a:rPr lang="en-US" altLang="en-US" dirty="0"/>
+              <a:rPr lang="en-US" altLang="en-US" sz="2400" dirty="0"/>
               <a:t> </a:t>
             </a:r>
             <a:r>
-              <a:rPr lang="en-US" altLang="en-US" b="1" dirty="0"/>
+              <a:rPr lang="en-US" altLang="en-US" sz="2400" b="1" dirty="0"/>
               <a:t>to</a:t>
             </a:r>
             <a:r>
-              <a:rPr lang="en-US" altLang="en-US" dirty="0"/>
+              <a:rPr lang="en-US" altLang="en-US" sz="2400" dirty="0"/>
               <a:t> Satoshi;</a:t>
             </a:r>
           </a:p>
           <a:p>
-            <a:endParaRPr lang="en-US" altLang="en-US" sz="2800" dirty="0"/>
+            <a:endParaRPr lang="en-US" altLang="en-US" sz="3200" dirty="0"/>
           </a:p>
         </p:txBody>
       </p:sp>
@@ -34947,7 +36470,11 @@
           <a:p>
             <a:pPr lvl="1"/>
             <a:r>
-              <a:rPr lang="en-US" altLang="en-US" sz="2400" b="1" dirty="0"/>
+              <a:rPr lang="en-US" altLang="en-US" sz="2400" b="1" dirty="0">
+                <a:solidFill>
+                  <a:srgbClr val="002060"/>
+                </a:solidFill>
+              </a:rPr>
               <a:t>grant reference </a:t>
             </a:r>
             <a:r>
@@ -34955,27 +36482,51 @@
               <a:t>(</a:t>
             </a:r>
             <a:r>
-              <a:rPr lang="en-US" altLang="en-US" sz="2400" i="1" dirty="0"/>
+              <a:rPr lang="en-US" altLang="en-US" sz="2400" i="1" dirty="0">
+                <a:solidFill>
+                  <a:srgbClr val="002060"/>
+                </a:solidFill>
+              </a:rPr>
               <a:t>dept_name</a:t>
             </a:r>
             <a:r>
-              <a:rPr lang="en-US" altLang="en-US" sz="2400" dirty="0"/>
+              <a:rPr lang="en-US" altLang="en-US" sz="2400" dirty="0">
+                <a:solidFill>
+                  <a:srgbClr val="002060"/>
+                </a:solidFill>
+              </a:rPr>
               <a:t>) </a:t>
             </a:r>
             <a:r>
-              <a:rPr lang="en-US" altLang="en-US" sz="2400" b="1" dirty="0"/>
+              <a:rPr lang="en-US" altLang="en-US" sz="2400" b="1" dirty="0">
+                <a:solidFill>
+                  <a:srgbClr val="002060"/>
+                </a:solidFill>
+              </a:rPr>
               <a:t>on </a:t>
             </a:r>
             <a:r>
-              <a:rPr lang="en-US" altLang="en-US" sz="2400" i="1" dirty="0"/>
+              <a:rPr lang="en-US" altLang="en-US" sz="2400" i="1" dirty="0">
+                <a:solidFill>
+                  <a:srgbClr val="002060"/>
+                </a:solidFill>
+              </a:rPr>
               <a:t>department </a:t>
             </a:r>
             <a:r>
-              <a:rPr lang="en-US" altLang="en-US" sz="2400" b="1" dirty="0"/>
+              <a:rPr lang="en-US" altLang="en-US" sz="2400" b="1" dirty="0">
+                <a:solidFill>
+                  <a:srgbClr val="002060"/>
+                </a:solidFill>
+              </a:rPr>
               <a:t>to </a:t>
             </a:r>
             <a:r>
-              <a:rPr lang="en-US" altLang="en-US" sz="2400" dirty="0"/>
+              <a:rPr lang="en-US" altLang="en-US" sz="2400" dirty="0">
+                <a:solidFill>
+                  <a:srgbClr val="002060"/>
+                </a:solidFill>
+              </a:rPr>
               <a:t>Mariano;</a:t>
             </a:r>
           </a:p>
@@ -35103,6 +36654,729 @@
 </file>
 
 <file path=ppt/slides/slide62.xml><?xml version="1.0" encoding="utf-8"?>
+<p:sld xmlns:a="http://schemas.openxmlformats.org/drawingml/2006/main" xmlns:r="http://schemas.openxmlformats.org/officeDocument/2006/relationships" xmlns:p="http://schemas.openxmlformats.org/presentationml/2006/main">
+  <p:cSld>
+    <p:spTree>
+      <p:nvGrpSpPr>
+        <p:cNvPr id="1" name=""/>
+        <p:cNvGrpSpPr/>
+        <p:nvPr/>
+      </p:nvGrpSpPr>
+      <p:grpSpPr>
+        <a:xfrm>
+          <a:off x="0" y="0"/>
+          <a:ext cx="0" cy="0"/>
+          <a:chOff x="0" y="0"/>
+          <a:chExt cx="0" cy="0"/>
+        </a:xfrm>
+      </p:grpSpPr>
+      <p:sp>
+        <p:nvSpPr>
+          <p:cNvPr id="421890" name="Rectangle 2"/>
+          <p:cNvSpPr>
+            <a:spLocks noGrp="1" noChangeArrowheads="1"/>
+          </p:cNvSpPr>
+          <p:nvPr>
+            <p:ph type="title"/>
+          </p:nvPr>
+        </p:nvSpPr>
+        <p:spPr/>
+        <p:txBody>
+          <a:bodyPr/>
+          <a:lstStyle/>
+          <a:p>
+            <a:pPr>
+              <a:defRPr/>
+            </a:pPr>
+            <a:r>
+              <a:rPr lang="en-US" sz="2800" dirty="0">
+                <a:ea typeface="+mj-ea"/>
+              </a:rPr>
+              <a:t>Other Authorization Features</a:t>
+            </a:r>
+          </a:p>
+        </p:txBody>
+      </p:sp>
+      <p:sp>
+        <p:nvSpPr>
+          <p:cNvPr id="89091" name="Rectangle 3"/>
+          <p:cNvSpPr>
+            <a:spLocks noGrp="1" noChangeArrowheads="1"/>
+          </p:cNvSpPr>
+          <p:nvPr>
+            <p:ph idx="1"/>
+          </p:nvPr>
+        </p:nvSpPr>
+        <p:spPr>
+          <a:xfrm>
+            <a:off x="201634" y="1177925"/>
+            <a:ext cx="8942366" cy="5562600"/>
+          </a:xfrm>
+        </p:spPr>
+        <p:txBody>
+          <a:bodyPr/>
+          <a:lstStyle/>
+          <a:p>
+            <a:r>
+              <a:rPr lang="en-US" dirty="0">
+                <a:latin typeface="Helvetica (Body)"/>
+              </a:rPr>
+              <a:t>GRANT REFERENCES (</a:t>
+            </a:r>
+            <a:r>
+              <a:rPr lang="en-US" dirty="0" err="1">
+                <a:latin typeface="Helvetica (Body)"/>
+              </a:rPr>
+              <a:t>dept_name</a:t>
+            </a:r>
+            <a:r>
+              <a:rPr lang="en-US" dirty="0">
+                <a:latin typeface="Helvetica (Body)"/>
+              </a:rPr>
+              <a:t>) ON department TO Mariano;</a:t>
+            </a:r>
+            <a:endParaRPr lang="en-US" b="1" dirty="0">
+              <a:latin typeface="Helvetica (Body)"/>
+            </a:endParaRPr>
+          </a:p>
+          <a:p>
+            <a:pPr lvl="1">
+              <a:buFont typeface="Arial" panose="020B0604020202020204" pitchFamily="34" charset="0"/>
+              <a:buChar char="•"/>
+            </a:pPr>
+            <a:r>
+              <a:rPr lang="en-US" dirty="0">
+                <a:latin typeface="Helvetica (Body)"/>
+              </a:rPr>
+              <a:t>The REFERENCES privilege allows a user (in this case, Mariano) to create a </a:t>
+            </a:r>
+            <a:r>
+              <a:rPr lang="en-US" b="1" dirty="0">
+                <a:latin typeface="Helvetica (Body)"/>
+              </a:rPr>
+              <a:t>foreign key</a:t>
+            </a:r>
+            <a:r>
+              <a:rPr lang="en-US" dirty="0">
+                <a:latin typeface="Helvetica (Body)"/>
+              </a:rPr>
+              <a:t> that references the specified column (</a:t>
+            </a:r>
+            <a:r>
+              <a:rPr lang="en-US" dirty="0" err="1">
+                <a:latin typeface="Helvetica (Body)"/>
+              </a:rPr>
+              <a:t>dept_name</a:t>
+            </a:r>
+            <a:r>
+              <a:rPr lang="en-US" dirty="0">
+                <a:latin typeface="Helvetica (Body)"/>
+              </a:rPr>
+              <a:t>) in the department table.</a:t>
+            </a:r>
+          </a:p>
+          <a:p>
+            <a:r>
+              <a:rPr lang="en-US" dirty="0">
+                <a:latin typeface="Helvetica (Body)"/>
+              </a:rPr>
+              <a:t>REVOKE SELECT ON department FROM Amit, Satoshi CASCADE;</a:t>
+            </a:r>
+          </a:p>
+          <a:p>
+            <a:pPr lvl="1"/>
+            <a:r>
+              <a:rPr lang="en-US" b="1" dirty="0">
+                <a:latin typeface="Helvetica (Body)"/>
+              </a:rPr>
+              <a:t>CASCADE</a:t>
+            </a:r>
+            <a:r>
+              <a:rPr lang="en-US" dirty="0">
+                <a:latin typeface="Helvetica (Body)"/>
+              </a:rPr>
+              <a:t> ensures that the revocation propagates, removing permissions for all indirect recipients of the privilege.</a:t>
+            </a:r>
+          </a:p>
+          <a:p>
+            <a:r>
+              <a:rPr lang="en-US" dirty="0">
+                <a:latin typeface="Helvetica (Body)"/>
+              </a:rPr>
+              <a:t>REVOKE SELECT ON department FROM Amit, Satoshi RESTRICT;</a:t>
+            </a:r>
+          </a:p>
+          <a:p>
+            <a:r>
+              <a:rPr lang="en-US" dirty="0">
+                <a:latin typeface="Helvetica (Body)"/>
+              </a:rPr>
+              <a:t>	</a:t>
+            </a:r>
+            <a:r>
+              <a:rPr lang="en-US" b="1" dirty="0">
+                <a:latin typeface="Helvetica (Body)"/>
+              </a:rPr>
+              <a:t>RESTRICT</a:t>
+            </a:r>
+            <a:r>
+              <a:rPr lang="en-US" dirty="0">
+                <a:latin typeface="Helvetica (Body)"/>
+              </a:rPr>
+              <a:t> prevents the revocation if there are users who have received the privilege from Amit or Satoshi. This maintains the hierarchy of granted privileges.</a:t>
+            </a:r>
+            <a:endParaRPr lang="en-US" altLang="en-US" b="1" dirty="0">
+              <a:latin typeface="Helvetica (Body)"/>
+            </a:endParaRPr>
+          </a:p>
+          <a:p>
+            <a:r>
+              <a:rPr lang="en-US" altLang="en-US" sz="2400" dirty="0">
+                <a:latin typeface="Helvetica (Body)"/>
+              </a:rPr>
+              <a:t>grant select on department to Amit with grant option; </a:t>
+            </a:r>
+          </a:p>
+          <a:p>
+            <a:pPr lvl="1"/>
+            <a:r>
+              <a:rPr lang="en-US" altLang="en-US" sz="2400" dirty="0">
+                <a:latin typeface="Helvetica (Body)"/>
+              </a:rPr>
+              <a:t>Means that Amit can transfer his grant to other users</a:t>
+            </a:r>
+          </a:p>
+          <a:p>
+            <a:endParaRPr lang="en-US" dirty="0">
+              <a:latin typeface="Helvetica (Body)"/>
+            </a:endParaRPr>
+          </a:p>
+          <a:p>
+            <a:endParaRPr lang="en-US" dirty="0">
+              <a:latin typeface="Helvetica (Body)"/>
+            </a:endParaRPr>
+          </a:p>
+        </p:txBody>
+      </p:sp>
+    </p:spTree>
+    <p:extLst>
+      <p:ext uri="{BB962C8B-B14F-4D97-AF65-F5344CB8AC3E}">
+        <p14:creationId xmlns:p14="http://schemas.microsoft.com/office/powerpoint/2010/main" val="1443505898"/>
+      </p:ext>
+    </p:extLst>
+  </p:cSld>
+  <p:clrMapOvr>
+    <a:masterClrMapping/>
+  </p:clrMapOvr>
+</p:sld>
+</file>
+
+<file path=ppt/slides/slide63.xml><?xml version="1.0" encoding="utf-8"?>
+<p:sld xmlns:a="http://schemas.openxmlformats.org/drawingml/2006/main" xmlns:r="http://schemas.openxmlformats.org/officeDocument/2006/relationships" xmlns:p="http://schemas.openxmlformats.org/presentationml/2006/main">
+  <p:cSld>
+    <p:spTree>
+      <p:nvGrpSpPr>
+        <p:cNvPr id="1" name=""/>
+        <p:cNvGrpSpPr/>
+        <p:nvPr/>
+      </p:nvGrpSpPr>
+      <p:grpSpPr>
+        <a:xfrm>
+          <a:off x="0" y="0"/>
+          <a:ext cx="0" cy="0"/>
+          <a:chOff x="0" y="0"/>
+          <a:chExt cx="0" cy="0"/>
+        </a:xfrm>
+      </p:grpSpPr>
+      <p:sp>
+        <p:nvSpPr>
+          <p:cNvPr id="2" name="Title 1">
+            <a:extLst>
+              <a:ext uri="{FF2B5EF4-FFF2-40B4-BE49-F238E27FC236}">
+                <a16:creationId xmlns:a16="http://schemas.microsoft.com/office/drawing/2014/main" id="{655F8F74-4D58-4163-B182-68D3DFED5D9A}"/>
+              </a:ext>
+            </a:extLst>
+          </p:cNvPr>
+          <p:cNvSpPr>
+            <a:spLocks noGrp="1"/>
+          </p:cNvSpPr>
+          <p:nvPr>
+            <p:ph type="title"/>
+          </p:nvPr>
+        </p:nvSpPr>
+        <p:spPr>
+          <a:xfrm>
+            <a:off x="768350" y="369786"/>
+            <a:ext cx="8077200" cy="609600"/>
+          </a:xfrm>
+        </p:spPr>
+        <p:txBody>
+          <a:bodyPr/>
+          <a:lstStyle/>
+          <a:p>
+            <a:r>
+              <a:rPr lang="en-US" sz="2800" b="1" dirty="0">
+                <a:latin typeface="Helvetica (Body)"/>
+              </a:rPr>
+              <a:t>CASCADE/</a:t>
+            </a:r>
+            <a:r>
+              <a:rPr lang="en-US" sz="2800" dirty="0"/>
+              <a:t> RESTRICT GRANT FEATURES</a:t>
+            </a:r>
+            <a:r>
+              <a:rPr lang="en-US" sz="2800" b="1" dirty="0">
+                <a:latin typeface="Helvetica (Body)"/>
+              </a:rPr>
+              <a:t> </a:t>
+            </a:r>
+            <a:endParaRPr lang="en-US" dirty="0"/>
+          </a:p>
+        </p:txBody>
+      </p:sp>
+      <p:graphicFrame>
+        <p:nvGraphicFramePr>
+          <p:cNvPr id="8" name="Content Placeholder 7">
+            <a:extLst>
+              <a:ext uri="{FF2B5EF4-FFF2-40B4-BE49-F238E27FC236}">
+                <a16:creationId xmlns:a16="http://schemas.microsoft.com/office/drawing/2014/main" id="{D6F901BC-2A94-4A6B-B914-C73C176AA8B2}"/>
+              </a:ext>
+            </a:extLst>
+          </p:cNvPr>
+          <p:cNvGraphicFramePr>
+            <a:graphicFrameLocks noGrp="1"/>
+          </p:cNvGraphicFramePr>
+          <p:nvPr>
+            <p:ph idx="1"/>
+            <p:extLst>
+              <p:ext uri="{D42A27DB-BD31-4B8C-83A1-F6EECF244321}">
+                <p14:modId xmlns:p14="http://schemas.microsoft.com/office/powerpoint/2010/main" val="4252233792"/>
+              </p:ext>
+            </p:extLst>
+          </p:nvPr>
+        </p:nvGraphicFramePr>
+        <p:xfrm>
+          <a:off x="565150" y="1507516"/>
+          <a:ext cx="8483600" cy="4371098"/>
+        </p:xfrm>
+        <a:graphic>
+          <a:graphicData uri="http://schemas.openxmlformats.org/drawingml/2006/table">
+            <a:tbl>
+              <a:tblPr firstRow="1" firstCol="1" bandRow="1">
+                <a:tableStyleId>{616DA210-FB5B-4158-B5E0-FEB733F419BA}</a:tableStyleId>
+              </a:tblPr>
+              <a:tblGrid>
+                <a:gridCol w="1752600">
+                  <a:extLst>
+                    <a:ext uri="{9D8B030D-6E8A-4147-A177-3AD203B41FA5}">
+                      <a16:colId xmlns:a16="http://schemas.microsoft.com/office/drawing/2014/main" val="351180474"/>
+                    </a:ext>
+                  </a:extLst>
+                </a:gridCol>
+                <a:gridCol w="3902831">
+                  <a:extLst>
+                    <a:ext uri="{9D8B030D-6E8A-4147-A177-3AD203B41FA5}">
+                      <a16:colId xmlns:a16="http://schemas.microsoft.com/office/drawing/2014/main" val="1448023061"/>
+                    </a:ext>
+                  </a:extLst>
+                </a:gridCol>
+                <a:gridCol w="2828169">
+                  <a:extLst>
+                    <a:ext uri="{9D8B030D-6E8A-4147-A177-3AD203B41FA5}">
+                      <a16:colId xmlns:a16="http://schemas.microsoft.com/office/drawing/2014/main" val="426098040"/>
+                    </a:ext>
+                  </a:extLst>
+                </a:gridCol>
+              </a:tblGrid>
+              <a:tr h="727684">
+                <a:tc>
+                  <a:txBody>
+                    <a:bodyPr/>
+                    <a:lstStyle/>
+                    <a:p>
+                      <a:pPr algn="l"/>
+                      <a:r>
+                        <a:rPr lang="en-US" sz="2400" b="1" dirty="0"/>
+                        <a:t>Aspect</a:t>
+                      </a:r>
+                      <a:endParaRPr lang="en-US" sz="2400" dirty="0"/>
+                    </a:p>
+                  </a:txBody>
+                  <a:tcPr anchor="ctr"/>
+                </a:tc>
+                <a:tc>
+                  <a:txBody>
+                    <a:bodyPr/>
+                    <a:lstStyle/>
+                    <a:p>
+                      <a:pPr algn="ctr"/>
+                      <a:r>
+                        <a:rPr lang="en-US" sz="2400" dirty="0"/>
+                        <a:t>CASCADE</a:t>
+                      </a:r>
+                    </a:p>
+                  </a:txBody>
+                  <a:tcPr anchor="ctr"/>
+                </a:tc>
+                <a:tc>
+                  <a:txBody>
+                    <a:bodyPr/>
+                    <a:lstStyle/>
+                    <a:p>
+                      <a:pPr algn="ctr"/>
+                      <a:r>
+                        <a:rPr lang="en-US" sz="2400" dirty="0"/>
+                        <a:t>RESTRICT</a:t>
+                      </a:r>
+                    </a:p>
+                  </a:txBody>
+                  <a:tcPr anchor="ctr"/>
+                </a:tc>
+                <a:extLst>
+                  <a:ext uri="{0D108BD9-81ED-4DB2-BD59-A6C34878D82A}">
+                    <a16:rowId xmlns:a16="http://schemas.microsoft.com/office/drawing/2014/main" val="3001954092"/>
+                  </a:ext>
+                </a:extLst>
+              </a:tr>
+              <a:tr h="1393354">
+                <a:tc>
+                  <a:txBody>
+                    <a:bodyPr/>
+                    <a:lstStyle/>
+                    <a:p>
+                      <a:pPr marL="0" marR="0">
+                        <a:lnSpc>
+                          <a:spcPct val="107000"/>
+                        </a:lnSpc>
+                        <a:spcBef>
+                          <a:spcPts val="0"/>
+                        </a:spcBef>
+                        <a:spcAft>
+                          <a:spcPts val="0"/>
+                        </a:spcAft>
+                      </a:pPr>
+                      <a:r>
+                        <a:rPr lang="en-US" sz="2000" dirty="0">
+                          <a:effectLst/>
+                        </a:rPr>
+                        <a:t>Behavior</a:t>
+                      </a:r>
+                      <a:endParaRPr lang="en-US" sz="1800" dirty="0">
+                        <a:effectLst/>
+                        <a:latin typeface="Calibri" panose="020F0502020204030204" pitchFamily="34" charset="0"/>
+                        <a:ea typeface="Calibri" panose="020F0502020204030204" pitchFamily="34" charset="0"/>
+                        <a:cs typeface="Arial" panose="020B0604020202020204" pitchFamily="34" charset="0"/>
+                      </a:endParaRPr>
+                    </a:p>
+                  </a:txBody>
+                  <a:tcPr marL="68580" marR="68580" marT="0" marB="0"/>
+                </a:tc>
+                <a:tc>
+                  <a:txBody>
+                    <a:bodyPr/>
+                    <a:lstStyle/>
+                    <a:p>
+                      <a:pPr marL="0" marR="0">
+                        <a:lnSpc>
+                          <a:spcPct val="107000"/>
+                        </a:lnSpc>
+                        <a:spcBef>
+                          <a:spcPts val="0"/>
+                        </a:spcBef>
+                        <a:spcAft>
+                          <a:spcPts val="0"/>
+                        </a:spcAft>
+                      </a:pPr>
+                      <a:r>
+                        <a:rPr lang="en-US" sz="2000" dirty="0">
+                          <a:effectLst/>
+                        </a:rPr>
+                        <a:t>Revokes the privilege from the specified users and all those who were granted the privilege by them.</a:t>
+                      </a:r>
+                      <a:endParaRPr lang="en-US" sz="1800" dirty="0">
+                        <a:effectLst/>
+                        <a:latin typeface="Calibri" panose="020F0502020204030204" pitchFamily="34" charset="0"/>
+                        <a:ea typeface="Calibri" panose="020F0502020204030204" pitchFamily="34" charset="0"/>
+                        <a:cs typeface="Arial" panose="020B0604020202020204" pitchFamily="34" charset="0"/>
+                      </a:endParaRPr>
+                    </a:p>
+                  </a:txBody>
+                  <a:tcPr marL="68580" marR="68580" marT="0" marB="0"/>
+                </a:tc>
+                <a:tc>
+                  <a:txBody>
+                    <a:bodyPr/>
+                    <a:lstStyle/>
+                    <a:p>
+                      <a:pPr marL="0" marR="0">
+                        <a:lnSpc>
+                          <a:spcPct val="107000"/>
+                        </a:lnSpc>
+                        <a:spcBef>
+                          <a:spcPts val="0"/>
+                        </a:spcBef>
+                        <a:spcAft>
+                          <a:spcPts val="0"/>
+                        </a:spcAft>
+                      </a:pPr>
+                      <a:r>
+                        <a:rPr lang="en-US" sz="2000" dirty="0">
+                          <a:effectLst/>
+                        </a:rPr>
+                        <a:t>Revokes the privilege only if no dependent users exist. Otherwise, it raises an error.</a:t>
+                      </a:r>
+                      <a:endParaRPr lang="en-US" sz="1800" dirty="0">
+                        <a:effectLst/>
+                        <a:latin typeface="Calibri" panose="020F0502020204030204" pitchFamily="34" charset="0"/>
+                        <a:ea typeface="Calibri" panose="020F0502020204030204" pitchFamily="34" charset="0"/>
+                        <a:cs typeface="Arial" panose="020B0604020202020204" pitchFamily="34" charset="0"/>
+                      </a:endParaRPr>
+                    </a:p>
+                  </a:txBody>
+                  <a:tcPr marL="68580" marR="68580" marT="0" marB="0"/>
+                </a:tc>
+                <a:extLst>
+                  <a:ext uri="{0D108BD9-81ED-4DB2-BD59-A6C34878D82A}">
+                    <a16:rowId xmlns:a16="http://schemas.microsoft.com/office/drawing/2014/main" val="4187943036"/>
+                  </a:ext>
+                </a:extLst>
+              </a:tr>
+              <a:tr h="690772">
+                <a:tc>
+                  <a:txBody>
+                    <a:bodyPr/>
+                    <a:lstStyle/>
+                    <a:p>
+                      <a:pPr marL="0" marR="0">
+                        <a:lnSpc>
+                          <a:spcPct val="107000"/>
+                        </a:lnSpc>
+                        <a:spcBef>
+                          <a:spcPts val="0"/>
+                        </a:spcBef>
+                        <a:spcAft>
+                          <a:spcPts val="0"/>
+                        </a:spcAft>
+                      </a:pPr>
+                      <a:r>
+                        <a:rPr lang="en-US" sz="2000">
+                          <a:effectLst/>
+                        </a:rPr>
+                        <a:t>Use Case</a:t>
+                      </a:r>
+                      <a:endParaRPr lang="en-US" sz="1800">
+                        <a:effectLst/>
+                        <a:latin typeface="Calibri" panose="020F0502020204030204" pitchFamily="34" charset="0"/>
+                        <a:ea typeface="Calibri" panose="020F0502020204030204" pitchFamily="34" charset="0"/>
+                        <a:cs typeface="Arial" panose="020B0604020202020204" pitchFamily="34" charset="0"/>
+                      </a:endParaRPr>
+                    </a:p>
+                  </a:txBody>
+                  <a:tcPr marL="68580" marR="68580" marT="0" marB="0"/>
+                </a:tc>
+                <a:tc>
+                  <a:txBody>
+                    <a:bodyPr/>
+                    <a:lstStyle/>
+                    <a:p>
+                      <a:pPr marL="0" marR="0">
+                        <a:lnSpc>
+                          <a:spcPct val="107000"/>
+                        </a:lnSpc>
+                        <a:spcBef>
+                          <a:spcPts val="0"/>
+                        </a:spcBef>
+                        <a:spcAft>
+                          <a:spcPts val="0"/>
+                        </a:spcAft>
+                      </a:pPr>
+                      <a:r>
+                        <a:rPr lang="en-US" sz="2000" dirty="0">
+                          <a:effectLst/>
+                        </a:rPr>
+                        <a:t>Use when you want to remove all dependencies.</a:t>
+                      </a:r>
+                      <a:endParaRPr lang="en-US" sz="1800" dirty="0">
+                        <a:effectLst/>
+                        <a:latin typeface="Calibri" panose="020F0502020204030204" pitchFamily="34" charset="0"/>
+                        <a:ea typeface="Calibri" panose="020F0502020204030204" pitchFamily="34" charset="0"/>
+                        <a:cs typeface="Arial" panose="020B0604020202020204" pitchFamily="34" charset="0"/>
+                      </a:endParaRPr>
+                    </a:p>
+                  </a:txBody>
+                  <a:tcPr marL="68580" marR="68580" marT="0" marB="0"/>
+                </a:tc>
+                <a:tc>
+                  <a:txBody>
+                    <a:bodyPr/>
+                    <a:lstStyle/>
+                    <a:p>
+                      <a:pPr marL="0" marR="0">
+                        <a:lnSpc>
+                          <a:spcPct val="107000"/>
+                        </a:lnSpc>
+                        <a:spcBef>
+                          <a:spcPts val="0"/>
+                        </a:spcBef>
+                        <a:spcAft>
+                          <a:spcPts val="0"/>
+                        </a:spcAft>
+                      </a:pPr>
+                      <a:r>
+                        <a:rPr lang="en-US" sz="2000" dirty="0">
+                          <a:effectLst/>
+                        </a:rPr>
+                        <a:t>Use when you want to ensure no other users are affected.</a:t>
+                      </a:r>
+                      <a:endParaRPr lang="en-US" sz="1800" dirty="0">
+                        <a:effectLst/>
+                        <a:latin typeface="Calibri" panose="020F0502020204030204" pitchFamily="34" charset="0"/>
+                        <a:ea typeface="Calibri" panose="020F0502020204030204" pitchFamily="34" charset="0"/>
+                        <a:cs typeface="Arial" panose="020B0604020202020204" pitchFamily="34" charset="0"/>
+                      </a:endParaRPr>
+                    </a:p>
+                  </a:txBody>
+                  <a:tcPr marL="68580" marR="68580" marT="0" marB="0"/>
+                </a:tc>
+                <a:extLst>
+                  <a:ext uri="{0D108BD9-81ED-4DB2-BD59-A6C34878D82A}">
+                    <a16:rowId xmlns:a16="http://schemas.microsoft.com/office/drawing/2014/main" val="3277563539"/>
+                  </a:ext>
+                </a:extLst>
+              </a:tr>
+              <a:tr h="1159160">
+                <a:tc>
+                  <a:txBody>
+                    <a:bodyPr/>
+                    <a:lstStyle/>
+                    <a:p>
+                      <a:pPr marL="0" marR="0">
+                        <a:lnSpc>
+                          <a:spcPct val="107000"/>
+                        </a:lnSpc>
+                        <a:spcBef>
+                          <a:spcPts val="0"/>
+                        </a:spcBef>
+                        <a:spcAft>
+                          <a:spcPts val="0"/>
+                        </a:spcAft>
+                      </a:pPr>
+                      <a:r>
+                        <a:rPr lang="en-US" sz="2000">
+                          <a:effectLst/>
+                        </a:rPr>
+                        <a:t>Example Result</a:t>
+                      </a:r>
+                      <a:endParaRPr lang="en-US" sz="1800">
+                        <a:effectLst/>
+                        <a:latin typeface="Calibri" panose="020F0502020204030204" pitchFamily="34" charset="0"/>
+                        <a:ea typeface="Calibri" panose="020F0502020204030204" pitchFamily="34" charset="0"/>
+                        <a:cs typeface="Arial" panose="020B0604020202020204" pitchFamily="34" charset="0"/>
+                      </a:endParaRPr>
+                    </a:p>
+                  </a:txBody>
+                  <a:tcPr marL="68580" marR="68580" marT="0" marB="0"/>
+                </a:tc>
+                <a:tc>
+                  <a:txBody>
+                    <a:bodyPr/>
+                    <a:lstStyle/>
+                    <a:p>
+                      <a:pPr marL="0" marR="0">
+                        <a:lnSpc>
+                          <a:spcPct val="107000"/>
+                        </a:lnSpc>
+                        <a:spcBef>
+                          <a:spcPts val="0"/>
+                        </a:spcBef>
+                        <a:spcAft>
+                          <a:spcPts val="0"/>
+                        </a:spcAft>
+                      </a:pPr>
+                      <a:r>
+                        <a:rPr lang="en-US" sz="2000">
+                          <a:effectLst/>
+                        </a:rPr>
+                        <a:t>If Amit granted </a:t>
+                      </a:r>
+                      <a:r>
+                        <a:rPr lang="en-US" sz="1400">
+                          <a:effectLst/>
+                        </a:rPr>
+                        <a:t>SELECT</a:t>
+                      </a:r>
+                      <a:r>
+                        <a:rPr lang="en-US" sz="2000">
+                          <a:effectLst/>
+                        </a:rPr>
+                        <a:t> to Bob, Bob loses the privilege when Amit's privilege is revoked.</a:t>
+                      </a:r>
+                      <a:endParaRPr lang="en-US" sz="1800">
+                        <a:effectLst/>
+                        <a:latin typeface="Calibri" panose="020F0502020204030204" pitchFamily="34" charset="0"/>
+                        <a:ea typeface="Calibri" panose="020F0502020204030204" pitchFamily="34" charset="0"/>
+                        <a:cs typeface="Arial" panose="020B0604020202020204" pitchFamily="34" charset="0"/>
+                      </a:endParaRPr>
+                    </a:p>
+                  </a:txBody>
+                  <a:tcPr marL="68580" marR="68580" marT="0" marB="0"/>
+                </a:tc>
+                <a:tc>
+                  <a:txBody>
+                    <a:bodyPr/>
+                    <a:lstStyle/>
+                    <a:p>
+                      <a:pPr marL="0" marR="0">
+                        <a:lnSpc>
+                          <a:spcPct val="107000"/>
+                        </a:lnSpc>
+                        <a:spcBef>
+                          <a:spcPts val="0"/>
+                        </a:spcBef>
+                        <a:spcAft>
+                          <a:spcPts val="0"/>
+                        </a:spcAft>
+                      </a:pPr>
+                      <a:r>
+                        <a:rPr lang="en-US" sz="2000" dirty="0">
+                          <a:effectLst/>
+                        </a:rPr>
+                        <a:t>Amit’s privilege cannot be revoked if Bob received the privilege from Amit.</a:t>
+                      </a:r>
+                      <a:endParaRPr lang="en-US" sz="1800" dirty="0">
+                        <a:effectLst/>
+                        <a:latin typeface="Calibri" panose="020F0502020204030204" pitchFamily="34" charset="0"/>
+                        <a:ea typeface="Calibri" panose="020F0502020204030204" pitchFamily="34" charset="0"/>
+                        <a:cs typeface="Arial" panose="020B0604020202020204" pitchFamily="34" charset="0"/>
+                      </a:endParaRPr>
+                    </a:p>
+                  </a:txBody>
+                  <a:tcPr marL="68580" marR="68580" marT="0" marB="0"/>
+                </a:tc>
+                <a:extLst>
+                  <a:ext uri="{0D108BD9-81ED-4DB2-BD59-A6C34878D82A}">
+                    <a16:rowId xmlns:a16="http://schemas.microsoft.com/office/drawing/2014/main" val="1771253848"/>
+                  </a:ext>
+                </a:extLst>
+              </a:tr>
+            </a:tbl>
+          </a:graphicData>
+        </a:graphic>
+      </p:graphicFrame>
+    </p:spTree>
+    <p:extLst>
+      <p:ext uri="{BB962C8B-B14F-4D97-AF65-F5344CB8AC3E}">
+        <p14:creationId xmlns:p14="http://schemas.microsoft.com/office/powerpoint/2010/main" val="1731659995"/>
+      </p:ext>
+    </p:extLst>
+  </p:cSld>
+  <p:clrMapOvr>
+    <a:masterClrMapping/>
+  </p:clrMapOvr>
+</p:sld>
+</file>
+
+<file path=ppt/slides/slide64.xml><?xml version="1.0" encoding="utf-8"?>
 <p:sld xmlns:a="http://schemas.openxmlformats.org/drawingml/2006/main" xmlns:r="http://schemas.openxmlformats.org/officeDocument/2006/relationships" xmlns:p="http://schemas.openxmlformats.org/presentationml/2006/main">
   <p:cSld>
     <p:spTree>

--- a/courses/downloads/temp/Database_Lec4.pptx
+++ b/courses/downloads/temp/Database_Lec4.pptx
@@ -32399,8 +32399,8 @@
         </p:nvSpPr>
         <p:spPr>
           <a:xfrm>
-            <a:off x="1246414" y="4194551"/>
-            <a:ext cx="5671457" cy="1569660"/>
+            <a:off x="767116" y="4181851"/>
+            <a:ext cx="7535636" cy="1200329"/>
           </a:xfrm>
           <a:prstGeom prst="rect">
             <a:avLst/>
